--- a/Plantilla.pptx
+++ b/Plantilla.pptx
@@ -2,7 +2,7 @@
 <file path=ppt/presentation.xml><?xml version="1.0" encoding="utf-8"?>
 <p:presentation xmlns:a="http://schemas.openxmlformats.org/drawingml/2006/main" xmlns:r="http://schemas.openxmlformats.org/officeDocument/2006/relationships" xmlns:p="http://schemas.openxmlformats.org/presentationml/2006/main" saveSubsetFonts="1">
   <p:sldMasterIdLst>
-    <p:sldMasterId id="2147483648" r:id="rId1"/>
+    <p:sldMasterId id="2147483690" r:id="rId1"/>
   </p:sldMasterIdLst>
   <p:notesMasterIdLst>
     <p:notesMasterId r:id="rId4"/>
@@ -15,9 +15,9 @@
   <p:notesSz cx="6858000" cy="9144000"/>
   <p:defaultTextStyle>
     <a:defPPr>
-      <a:defRPr lang="es-PE"/>
+      <a:defRPr lang="en-US"/>
     </a:defPPr>
-    <a:lvl1pPr marL="0" algn="l" defTabSz="914400" rtl="0" eaLnBrk="1" latinLnBrk="0" hangingPunct="1">
+    <a:lvl1pPr marL="0" algn="l" defTabSz="457200" rtl="0" eaLnBrk="1" latinLnBrk="0" hangingPunct="1">
       <a:defRPr sz="1800" kern="1200">
         <a:solidFill>
           <a:schemeClr val="tx1"/>
@@ -27,7 +27,7 @@
         <a:cs typeface="+mn-cs"/>
       </a:defRPr>
     </a:lvl1pPr>
-    <a:lvl2pPr marL="457200" algn="l" defTabSz="914400" rtl="0" eaLnBrk="1" latinLnBrk="0" hangingPunct="1">
+    <a:lvl2pPr marL="457200" algn="l" defTabSz="457200" rtl="0" eaLnBrk="1" latinLnBrk="0" hangingPunct="1">
       <a:defRPr sz="1800" kern="1200">
         <a:solidFill>
           <a:schemeClr val="tx1"/>
@@ -37,7 +37,7 @@
         <a:cs typeface="+mn-cs"/>
       </a:defRPr>
     </a:lvl2pPr>
-    <a:lvl3pPr marL="914400" algn="l" defTabSz="914400" rtl="0" eaLnBrk="1" latinLnBrk="0" hangingPunct="1">
+    <a:lvl3pPr marL="914400" algn="l" defTabSz="457200" rtl="0" eaLnBrk="1" latinLnBrk="0" hangingPunct="1">
       <a:defRPr sz="1800" kern="1200">
         <a:solidFill>
           <a:schemeClr val="tx1"/>
@@ -47,7 +47,7 @@
         <a:cs typeface="+mn-cs"/>
       </a:defRPr>
     </a:lvl3pPr>
-    <a:lvl4pPr marL="1371600" algn="l" defTabSz="914400" rtl="0" eaLnBrk="1" latinLnBrk="0" hangingPunct="1">
+    <a:lvl4pPr marL="1371600" algn="l" defTabSz="457200" rtl="0" eaLnBrk="1" latinLnBrk="0" hangingPunct="1">
       <a:defRPr sz="1800" kern="1200">
         <a:solidFill>
           <a:schemeClr val="tx1"/>
@@ -57,7 +57,7 @@
         <a:cs typeface="+mn-cs"/>
       </a:defRPr>
     </a:lvl4pPr>
-    <a:lvl5pPr marL="1828800" algn="l" defTabSz="914400" rtl="0" eaLnBrk="1" latinLnBrk="0" hangingPunct="1">
+    <a:lvl5pPr marL="1828800" algn="l" defTabSz="457200" rtl="0" eaLnBrk="1" latinLnBrk="0" hangingPunct="1">
       <a:defRPr sz="1800" kern="1200">
         <a:solidFill>
           <a:schemeClr val="tx1"/>
@@ -67,7 +67,7 @@
         <a:cs typeface="+mn-cs"/>
       </a:defRPr>
     </a:lvl5pPr>
-    <a:lvl6pPr marL="2286000" algn="l" defTabSz="914400" rtl="0" eaLnBrk="1" latinLnBrk="0" hangingPunct="1">
+    <a:lvl6pPr marL="2286000" algn="l" defTabSz="457200" rtl="0" eaLnBrk="1" latinLnBrk="0" hangingPunct="1">
       <a:defRPr sz="1800" kern="1200">
         <a:solidFill>
           <a:schemeClr val="tx1"/>
@@ -77,7 +77,7 @@
         <a:cs typeface="+mn-cs"/>
       </a:defRPr>
     </a:lvl6pPr>
-    <a:lvl7pPr marL="2743200" algn="l" defTabSz="914400" rtl="0" eaLnBrk="1" latinLnBrk="0" hangingPunct="1">
+    <a:lvl7pPr marL="2743200" algn="l" defTabSz="457200" rtl="0" eaLnBrk="1" latinLnBrk="0" hangingPunct="1">
       <a:defRPr sz="1800" kern="1200">
         <a:solidFill>
           <a:schemeClr val="tx1"/>
@@ -87,7 +87,7 @@
         <a:cs typeface="+mn-cs"/>
       </a:defRPr>
     </a:lvl7pPr>
-    <a:lvl8pPr marL="3200400" algn="l" defTabSz="914400" rtl="0" eaLnBrk="1" latinLnBrk="0" hangingPunct="1">
+    <a:lvl8pPr marL="3200400" algn="l" defTabSz="457200" rtl="0" eaLnBrk="1" latinLnBrk="0" hangingPunct="1">
       <a:defRPr sz="1800" kern="1200">
         <a:solidFill>
           <a:schemeClr val="tx1"/>
@@ -97,7 +97,7 @@
         <a:cs typeface="+mn-cs"/>
       </a:defRPr>
     </a:lvl8pPr>
-    <a:lvl9pPr marL="3657600" algn="l" defTabSz="914400" rtl="0" eaLnBrk="1" latinLnBrk="0" hangingPunct="1">
+    <a:lvl9pPr marL="3657600" algn="l" defTabSz="457200" rtl="0" eaLnBrk="1" latinLnBrk="0" hangingPunct="1">
       <a:defRPr sz="1800" kern="1200">
         <a:solidFill>
           <a:schemeClr val="tx1"/>
@@ -108,6 +108,11 @@
       </a:defRPr>
     </a:lvl9pPr>
   </p:defaultTextStyle>
+  <p:extLst>
+    <p:ext uri="{EFAFB233-063F-42B5-8137-9DF3F51BA10A}">
+      <p15:sldGuideLst xmlns:p15="http://schemas.microsoft.com/office/powerpoint/2012/main"/>
+    </p:ext>
+  </p:extLst>
 </p:presentation>
 </file>
 
@@ -462,6 +467,90 @@
 </file>
 
 <file path=ppt/notesSlides/notesSlide1.xml><?xml version="1.0" encoding="utf-8"?>
+<p:notes xmlns:a="http://schemas.openxmlformats.org/drawingml/2006/main" xmlns:r="http://schemas.openxmlformats.org/officeDocument/2006/relationships" xmlns:p="http://schemas.openxmlformats.org/presentationml/2006/main">
+  <p:cSld>
+    <p:spTree>
+      <p:nvGrpSpPr>
+        <p:cNvPr id="1" name=""/>
+        <p:cNvGrpSpPr/>
+        <p:nvPr/>
+      </p:nvGrpSpPr>
+      <p:grpSpPr>
+        <a:xfrm>
+          <a:off x="0" y="0"/>
+          <a:ext cx="0" cy="0"/>
+          <a:chOff x="0" y="0"/>
+          <a:chExt cx="0" cy="0"/>
+        </a:xfrm>
+      </p:grpSpPr>
+      <p:sp>
+        <p:nvSpPr>
+          <p:cNvPr id="2" name="Marcador de imagen de diapositiva 1"/>
+          <p:cNvSpPr>
+            <a:spLocks noGrp="1" noRot="1" noChangeAspect="1"/>
+          </p:cNvSpPr>
+          <p:nvPr>
+            <p:ph type="sldImg"/>
+          </p:nvPr>
+        </p:nvSpPr>
+        <p:spPr/>
+      </p:sp>
+      <p:sp>
+        <p:nvSpPr>
+          <p:cNvPr id="3" name="Marcador de notas 2"/>
+          <p:cNvSpPr>
+            <a:spLocks noGrp="1"/>
+          </p:cNvSpPr>
+          <p:nvPr>
+            <p:ph type="body" idx="1"/>
+          </p:nvPr>
+        </p:nvSpPr>
+        <p:spPr/>
+        <p:txBody>
+          <a:bodyPr/>
+          <a:lstStyle/>
+          <a:p>
+            <a:endParaRPr lang="es-PE" dirty="0"/>
+          </a:p>
+        </p:txBody>
+      </p:sp>
+      <p:sp>
+        <p:nvSpPr>
+          <p:cNvPr id="4" name="Marcador de número de diapositiva 3"/>
+          <p:cNvSpPr>
+            <a:spLocks noGrp="1"/>
+          </p:cNvSpPr>
+          <p:nvPr>
+            <p:ph type="sldNum" sz="quarter" idx="5"/>
+          </p:nvPr>
+        </p:nvSpPr>
+        <p:spPr/>
+        <p:txBody>
+          <a:bodyPr/>
+          <a:lstStyle/>
+          <a:p>
+            <a:fld id="{07FE7B85-5F2A-4388-B62F-8365DA6271CF}" type="slidenum">
+              <a:rPr lang="es-PE" smtClean="0"/>
+              <a:t>1</a:t>
+            </a:fld>
+            <a:endParaRPr lang="es-PE"/>
+          </a:p>
+        </p:txBody>
+      </p:sp>
+    </p:spTree>
+    <p:extLst>
+      <p:ext uri="{BB962C8B-B14F-4D97-AF65-F5344CB8AC3E}">
+        <p14:creationId xmlns:p14="http://schemas.microsoft.com/office/powerpoint/2010/main" val="2050279991"/>
+      </p:ext>
+    </p:extLst>
+  </p:cSld>
+  <p:clrMapOvr>
+    <a:masterClrMapping/>
+  </p:clrMapOvr>
+</p:notes>
+</file>
+
+<file path=ppt/notesSlides/notesSlide2.xml><?xml version="1.0" encoding="utf-8"?>
 <p:notes xmlns:a="http://schemas.openxmlformats.org/drawingml/2006/main" xmlns:r="http://schemas.openxmlformats.org/officeDocument/2006/relationships" xmlns:p="http://schemas.openxmlformats.org/presentationml/2006/main" showMasterSp="0" showMasterPhAnim="0">
   <p:cSld>
     <p:spTree>
@@ -553,7 +642,7 @@
               </a:spcAft>
               <a:buNone/>
             </a:pPr>
-            <a:endParaRPr/>
+            <a:endParaRPr dirty="0"/>
           </a:p>
         </p:txBody>
       </p:sp>
@@ -566,7 +655,7 @@
 </file>
 
 <file path=ppt/slideLayouts/slideLayout1.xml><?xml version="1.0" encoding="utf-8"?>
-<p:sldLayout xmlns:a="http://schemas.openxmlformats.org/drawingml/2006/main" xmlns:r="http://schemas.openxmlformats.org/officeDocument/2006/relationships" xmlns:p="http://schemas.openxmlformats.org/presentationml/2006/main" type="title" preserve="1">
+<p:sldLayout xmlns:a="http://schemas.openxmlformats.org/drawingml/2006/main" xmlns:r="http://schemas.openxmlformats.org/officeDocument/2006/relationships" xmlns:p="http://schemas.openxmlformats.org/presentationml/2006/main" showMasterSp="0" type="title" preserve="1">
   <p:cSld name="Diapositiva de título">
     <p:spTree>
       <p:nvGrpSpPr>
@@ -584,13 +673,83 @@
       </p:grpSpPr>
       <p:sp>
         <p:nvSpPr>
-          <p:cNvPr id="2" name="Título 1">
-            <a:extLst>
-              <a:ext uri="{FF2B5EF4-FFF2-40B4-BE49-F238E27FC236}">
-                <a16:creationId xmlns:a16="http://schemas.microsoft.com/office/drawing/2014/main" id="{EB5F9926-562D-458D-B799-2A537EA7CB87}"/>
-              </a:ext>
-            </a:extLst>
-          </p:cNvPr>
+          <p:cNvPr id="7" name="Rectangle 6"/>
+          <p:cNvSpPr/>
+          <p:nvPr/>
+        </p:nvSpPr>
+        <p:spPr>
+          <a:xfrm>
+            <a:off x="3175" y="6400800"/>
+            <a:ext cx="12188825" cy="457200"/>
+          </a:xfrm>
+          <a:prstGeom prst="rect">
+            <a:avLst/>
+          </a:prstGeom>
+          <a:solidFill>
+            <a:schemeClr val="accent2"/>
+          </a:solidFill>
+          <a:ln>
+            <a:noFill/>
+          </a:ln>
+        </p:spPr>
+        <p:style>
+          <a:lnRef idx="2">
+            <a:schemeClr val="accent1">
+              <a:shade val="50000"/>
+            </a:schemeClr>
+          </a:lnRef>
+          <a:fillRef idx="1">
+            <a:schemeClr val="accent1"/>
+          </a:fillRef>
+          <a:effectRef idx="0">
+            <a:schemeClr val="accent1"/>
+          </a:effectRef>
+          <a:fontRef idx="minor">
+            <a:schemeClr val="lt1"/>
+          </a:fontRef>
+        </p:style>
+      </p:sp>
+      <p:sp>
+        <p:nvSpPr>
+          <p:cNvPr id="8" name="Rectangle 7"/>
+          <p:cNvSpPr/>
+          <p:nvPr/>
+        </p:nvSpPr>
+        <p:spPr>
+          <a:xfrm>
+            <a:off x="15" y="6334316"/>
+            <a:ext cx="12188825" cy="64008"/>
+          </a:xfrm>
+          <a:prstGeom prst="rect">
+            <a:avLst/>
+          </a:prstGeom>
+          <a:solidFill>
+            <a:schemeClr val="accent1"/>
+          </a:solidFill>
+          <a:ln>
+            <a:noFill/>
+          </a:ln>
+        </p:spPr>
+        <p:style>
+          <a:lnRef idx="2">
+            <a:schemeClr val="accent1">
+              <a:shade val="50000"/>
+            </a:schemeClr>
+          </a:lnRef>
+          <a:fillRef idx="1">
+            <a:schemeClr val="accent1"/>
+          </a:fillRef>
+          <a:effectRef idx="0">
+            <a:schemeClr val="accent1"/>
+          </a:effectRef>
+          <a:fontRef idx="minor">
+            <a:schemeClr val="lt1"/>
+          </a:fontRef>
+        </p:style>
+      </p:sp>
+      <p:sp>
+        <p:nvSpPr>
+          <p:cNvPr id="2" name="Title 1"/>
           <p:cNvSpPr>
             <a:spLocks noGrp="1"/>
           </p:cNvSpPr>
@@ -600,15 +759,27 @@
         </p:nvSpPr>
         <p:spPr>
           <a:xfrm>
-            <a:off x="1524000" y="1122363"/>
-            <a:ext cx="9144000" cy="2387600"/>
+            <a:off x="1097280" y="758952"/>
+            <a:ext cx="10058400" cy="3566160"/>
           </a:xfrm>
         </p:spPr>
         <p:txBody>
-          <a:bodyPr anchor="b"/>
+          <a:bodyPr anchor="b">
+            <a:normAutofit/>
+          </a:bodyPr>
           <a:lstStyle>
-            <a:lvl1pPr algn="ctr">
-              <a:defRPr sz="6000"/>
+            <a:lvl1pPr algn="l">
+              <a:lnSpc>
+                <a:spcPct val="85000"/>
+              </a:lnSpc>
+              <a:defRPr sz="8000" spc="-50" baseline="0">
+                <a:solidFill>
+                  <a:schemeClr val="tx1">
+                    <a:lumMod val="85000"/>
+                    <a:lumOff val="15000"/>
+                  </a:schemeClr>
+                </a:solidFill>
+              </a:defRPr>
             </a:lvl1pPr>
           </a:lstStyle>
           <a:p>
@@ -616,19 +787,13 @@
               <a:rPr lang="es-ES"/>
               <a:t>Haga clic para modificar el estilo de título del patrón</a:t>
             </a:r>
-            <a:endParaRPr lang="es-PE"/>
+            <a:endParaRPr lang="en-US" dirty="0"/>
           </a:p>
         </p:txBody>
       </p:sp>
       <p:sp>
         <p:nvSpPr>
-          <p:cNvPr id="3" name="Subtítulo 2">
-            <a:extLst>
-              <a:ext uri="{FF2B5EF4-FFF2-40B4-BE49-F238E27FC236}">
-                <a16:creationId xmlns:a16="http://schemas.microsoft.com/office/drawing/2014/main" id="{901F9C39-A976-4954-9731-1391A0BA0CDE}"/>
-              </a:ext>
-            </a:extLst>
-          </p:cNvPr>
+          <p:cNvPr id="3" name="Subtitle 2"/>
           <p:cNvSpPr>
             <a:spLocks noGrp="1"/>
           </p:cNvSpPr>
@@ -638,48 +803,55 @@
         </p:nvSpPr>
         <p:spPr>
           <a:xfrm>
-            <a:off x="1524000" y="3602038"/>
-            <a:ext cx="9144000" cy="1655762"/>
+            <a:off x="1100051" y="4455620"/>
+            <a:ext cx="10058400" cy="1143000"/>
           </a:xfrm>
         </p:spPr>
         <p:txBody>
-          <a:bodyPr/>
+          <a:bodyPr lIns="91440" rIns="91440">
+            <a:normAutofit/>
+          </a:bodyPr>
           <a:lstStyle>
-            <a:lvl1pPr marL="0" indent="0" algn="ctr">
-              <a:buNone/>
-              <a:defRPr sz="2400"/>
+            <a:lvl1pPr marL="0" indent="0" algn="l">
+              <a:buNone/>
+              <a:defRPr sz="2400" cap="all" spc="200" baseline="0">
+                <a:solidFill>
+                  <a:schemeClr val="tx2"/>
+                </a:solidFill>
+                <a:latin typeface="+mj-lt"/>
+              </a:defRPr>
             </a:lvl1pPr>
             <a:lvl2pPr marL="457200" indent="0" algn="ctr">
               <a:buNone/>
-              <a:defRPr sz="2000"/>
+              <a:defRPr sz="2400"/>
             </a:lvl2pPr>
             <a:lvl3pPr marL="914400" indent="0" algn="ctr">
               <a:buNone/>
-              <a:defRPr sz="1800"/>
+              <a:defRPr sz="2400"/>
             </a:lvl3pPr>
             <a:lvl4pPr marL="1371600" indent="0" algn="ctr">
               <a:buNone/>
-              <a:defRPr sz="1600"/>
+              <a:defRPr sz="2000"/>
             </a:lvl4pPr>
             <a:lvl5pPr marL="1828800" indent="0" algn="ctr">
               <a:buNone/>
-              <a:defRPr sz="1600"/>
+              <a:defRPr sz="2000"/>
             </a:lvl5pPr>
             <a:lvl6pPr marL="2286000" indent="0" algn="ctr">
               <a:buNone/>
-              <a:defRPr sz="1600"/>
+              <a:defRPr sz="2000"/>
             </a:lvl6pPr>
             <a:lvl7pPr marL="2743200" indent="0" algn="ctr">
               <a:buNone/>
-              <a:defRPr sz="1600"/>
+              <a:defRPr sz="2000"/>
             </a:lvl7pPr>
             <a:lvl8pPr marL="3200400" indent="0" algn="ctr">
               <a:buNone/>
-              <a:defRPr sz="1600"/>
+              <a:defRPr sz="2000"/>
             </a:lvl8pPr>
             <a:lvl9pPr marL="3657600" indent="0" algn="ctr">
               <a:buNone/>
-              <a:defRPr sz="1600"/>
+              <a:defRPr sz="2000"/>
             </a:lvl9pPr>
           </a:lstStyle>
           <a:p>
@@ -687,19 +859,13 @@
               <a:rPr lang="es-ES"/>
               <a:t>Haga clic para modificar el estilo de subtítulo del patrón</a:t>
             </a:r>
-            <a:endParaRPr lang="es-PE"/>
+            <a:endParaRPr lang="en-US" dirty="0"/>
           </a:p>
         </p:txBody>
       </p:sp>
       <p:sp>
         <p:nvSpPr>
-          <p:cNvPr id="4" name="Marcador de fecha 3">
-            <a:extLst>
-              <a:ext uri="{FF2B5EF4-FFF2-40B4-BE49-F238E27FC236}">
-                <a16:creationId xmlns:a16="http://schemas.microsoft.com/office/drawing/2014/main" id="{10CB26F1-9FBD-40B8-9F1F-065521D4CF78}"/>
-              </a:ext>
-            </a:extLst>
-          </p:cNvPr>
+          <p:cNvPr id="4" name="Date Placeholder 3"/>
           <p:cNvSpPr>
             <a:spLocks noGrp="1"/>
           </p:cNvSpPr>
@@ -722,13 +888,7 @@
       </p:sp>
       <p:sp>
         <p:nvSpPr>
-          <p:cNvPr id="5" name="Marcador de pie de página 4">
-            <a:extLst>
-              <a:ext uri="{FF2B5EF4-FFF2-40B4-BE49-F238E27FC236}">
-                <a16:creationId xmlns:a16="http://schemas.microsoft.com/office/drawing/2014/main" id="{F718F933-E9B5-4964-95EA-D28E526CB1CD}"/>
-              </a:ext>
-            </a:extLst>
-          </p:cNvPr>
+          <p:cNvPr id="5" name="Footer Placeholder 4"/>
           <p:cNvSpPr>
             <a:spLocks noGrp="1"/>
           </p:cNvSpPr>
@@ -747,13 +907,7 @@
       </p:sp>
       <p:sp>
         <p:nvSpPr>
-          <p:cNvPr id="6" name="Marcador de número de diapositiva 5">
-            <a:extLst>
-              <a:ext uri="{FF2B5EF4-FFF2-40B4-BE49-F238E27FC236}">
-                <a16:creationId xmlns:a16="http://schemas.microsoft.com/office/drawing/2014/main" id="{69EA57F8-FD30-44A8-9965-8AD6659BB26A}"/>
-              </a:ext>
-            </a:extLst>
-          </p:cNvPr>
+          <p:cNvPr id="6" name="Slide Number Placeholder 5"/>
           <p:cNvSpPr>
             <a:spLocks noGrp="1"/>
           </p:cNvSpPr>
@@ -774,10 +928,48 @@
           </a:p>
         </p:txBody>
       </p:sp>
+      <p:cxnSp>
+        <p:nvCxnSpPr>
+          <p:cNvPr id="9" name="Straight Connector 8"/>
+          <p:cNvCxnSpPr/>
+          <p:nvPr/>
+        </p:nvCxnSpPr>
+        <p:spPr>
+          <a:xfrm>
+            <a:off x="1207658" y="4343400"/>
+            <a:ext cx="9875520" cy="0"/>
+          </a:xfrm>
+          <a:prstGeom prst="line">
+            <a:avLst/>
+          </a:prstGeom>
+          <a:ln w="6350">
+            <a:solidFill>
+              <a:schemeClr val="tx1">
+                <a:lumMod val="50000"/>
+                <a:lumOff val="50000"/>
+              </a:schemeClr>
+            </a:solidFill>
+          </a:ln>
+        </p:spPr>
+        <p:style>
+          <a:lnRef idx="1">
+            <a:schemeClr val="accent1"/>
+          </a:lnRef>
+          <a:fillRef idx="0">
+            <a:schemeClr val="accent1"/>
+          </a:fillRef>
+          <a:effectRef idx="0">
+            <a:schemeClr val="accent1"/>
+          </a:effectRef>
+          <a:fontRef idx="minor">
+            <a:schemeClr val="tx1"/>
+          </a:fontRef>
+        </p:style>
+      </p:cxnSp>
     </p:spTree>
     <p:extLst>
       <p:ext uri="{BB962C8B-B14F-4D97-AF65-F5344CB8AC3E}">
-        <p14:creationId xmlns:p14="http://schemas.microsoft.com/office/powerpoint/2010/main" val="207597815"/>
+        <p14:creationId xmlns:p14="http://schemas.microsoft.com/office/powerpoint/2010/main" val="2171450496"/>
       </p:ext>
     </p:extLst>
   </p:cSld>
@@ -806,13 +998,7 @@
       </p:grpSpPr>
       <p:sp>
         <p:nvSpPr>
-          <p:cNvPr id="2" name="Título 1">
-            <a:extLst>
-              <a:ext uri="{FF2B5EF4-FFF2-40B4-BE49-F238E27FC236}">
-                <a16:creationId xmlns:a16="http://schemas.microsoft.com/office/drawing/2014/main" id="{33A372B8-3472-42D3-AFFD-7D006F1992D0}"/>
-              </a:ext>
-            </a:extLst>
-          </p:cNvPr>
+          <p:cNvPr id="2" name="Title 1"/>
           <p:cNvSpPr>
             <a:spLocks noGrp="1"/>
           </p:cNvSpPr>
@@ -829,19 +1015,13 @@
               <a:rPr lang="es-ES"/>
               <a:t>Haga clic para modificar el estilo de título del patrón</a:t>
             </a:r>
-            <a:endParaRPr lang="es-PE"/>
+            <a:endParaRPr lang="en-US" dirty="0"/>
           </a:p>
         </p:txBody>
       </p:sp>
       <p:sp>
         <p:nvSpPr>
-          <p:cNvPr id="3" name="Marcador de texto vertical 2">
-            <a:extLst>
-              <a:ext uri="{FF2B5EF4-FFF2-40B4-BE49-F238E27FC236}">
-                <a16:creationId xmlns:a16="http://schemas.microsoft.com/office/drawing/2014/main" id="{334987D3-A748-420B-A291-8FB01271A6AA}"/>
-              </a:ext>
-            </a:extLst>
-          </p:cNvPr>
+          <p:cNvPr id="3" name="Vertical Text Placeholder 2"/>
           <p:cNvSpPr>
             <a:spLocks noGrp="1"/>
           </p:cNvSpPr>
@@ -851,7 +1031,7 @@
         </p:nvSpPr>
         <p:spPr/>
         <p:txBody>
-          <a:bodyPr vert="eaVert"/>
+          <a:bodyPr vert="eaVert" lIns="45720" tIns="0" rIns="45720" bIns="0"/>
           <a:lstStyle/>
           <a:p>
             <a:pPr lvl="0"/>
@@ -887,19 +1067,13 @@
               <a:rPr lang="es-ES"/>
               <a:t>Quinto nivel</a:t>
             </a:r>
-            <a:endParaRPr lang="es-PE"/>
+            <a:endParaRPr lang="en-US" dirty="0"/>
           </a:p>
         </p:txBody>
       </p:sp>
       <p:sp>
         <p:nvSpPr>
-          <p:cNvPr id="4" name="Marcador de fecha 3">
-            <a:extLst>
-              <a:ext uri="{FF2B5EF4-FFF2-40B4-BE49-F238E27FC236}">
-                <a16:creationId xmlns:a16="http://schemas.microsoft.com/office/drawing/2014/main" id="{B4E899E3-8945-4885-A7B0-09FA1FAC5953}"/>
-              </a:ext>
-            </a:extLst>
-          </p:cNvPr>
+          <p:cNvPr id="4" name="Date Placeholder 3"/>
           <p:cNvSpPr>
             <a:spLocks noGrp="1"/>
           </p:cNvSpPr>
@@ -922,13 +1096,7 @@
       </p:sp>
       <p:sp>
         <p:nvSpPr>
-          <p:cNvPr id="5" name="Marcador de pie de página 4">
-            <a:extLst>
-              <a:ext uri="{FF2B5EF4-FFF2-40B4-BE49-F238E27FC236}">
-                <a16:creationId xmlns:a16="http://schemas.microsoft.com/office/drawing/2014/main" id="{9E209DF3-45F3-4D10-804D-08F5DE7CD535}"/>
-              </a:ext>
-            </a:extLst>
-          </p:cNvPr>
+          <p:cNvPr id="5" name="Footer Placeholder 4"/>
           <p:cNvSpPr>
             <a:spLocks noGrp="1"/>
           </p:cNvSpPr>
@@ -947,13 +1115,7 @@
       </p:sp>
       <p:sp>
         <p:nvSpPr>
-          <p:cNvPr id="6" name="Marcador de número de diapositiva 5">
-            <a:extLst>
-              <a:ext uri="{FF2B5EF4-FFF2-40B4-BE49-F238E27FC236}">
-                <a16:creationId xmlns:a16="http://schemas.microsoft.com/office/drawing/2014/main" id="{B420BEC0-DC11-46D0-9F32-8D5DE95C0361}"/>
-              </a:ext>
-            </a:extLst>
-          </p:cNvPr>
+          <p:cNvPr id="6" name="Slide Number Placeholder 5"/>
           <p:cNvSpPr>
             <a:spLocks noGrp="1"/>
           </p:cNvSpPr>
@@ -977,7 +1139,7 @@
     </p:spTree>
     <p:extLst>
       <p:ext uri="{BB962C8B-B14F-4D97-AF65-F5344CB8AC3E}">
-        <p14:creationId xmlns:p14="http://schemas.microsoft.com/office/powerpoint/2010/main" val="4054678029"/>
+        <p14:creationId xmlns:p14="http://schemas.microsoft.com/office/powerpoint/2010/main" val="425623473"/>
       </p:ext>
     </p:extLst>
   </p:cSld>
@@ -988,7 +1150,7 @@
 </file>
 
 <file path=ppt/slideLayouts/slideLayout11.xml><?xml version="1.0" encoding="utf-8"?>
-<p:sldLayout xmlns:a="http://schemas.openxmlformats.org/drawingml/2006/main" xmlns:r="http://schemas.openxmlformats.org/officeDocument/2006/relationships" xmlns:p="http://schemas.openxmlformats.org/presentationml/2006/main" type="vertTitleAndTx" preserve="1">
+<p:sldLayout xmlns:a="http://schemas.openxmlformats.org/drawingml/2006/main" xmlns:r="http://schemas.openxmlformats.org/officeDocument/2006/relationships" xmlns:p="http://schemas.openxmlformats.org/presentationml/2006/main" showMasterSp="0" type="vertTitleAndTx" preserve="1">
   <p:cSld name="Título vertical y texto">
     <p:spTree>
       <p:nvGrpSpPr>
@@ -1006,13 +1168,83 @@
       </p:grpSpPr>
       <p:sp>
         <p:nvSpPr>
-          <p:cNvPr id="2" name="Título vertical 1">
-            <a:extLst>
-              <a:ext uri="{FF2B5EF4-FFF2-40B4-BE49-F238E27FC236}">
-                <a16:creationId xmlns:a16="http://schemas.microsoft.com/office/drawing/2014/main" id="{7D57E299-6EBA-4CC8-8A5D-7A8460418722}"/>
-              </a:ext>
-            </a:extLst>
-          </p:cNvPr>
+          <p:cNvPr id="7" name="Rectangle 6"/>
+          <p:cNvSpPr/>
+          <p:nvPr/>
+        </p:nvSpPr>
+        <p:spPr>
+          <a:xfrm>
+            <a:off x="3175" y="6400800"/>
+            <a:ext cx="12188825" cy="457200"/>
+          </a:xfrm>
+          <a:prstGeom prst="rect">
+            <a:avLst/>
+          </a:prstGeom>
+          <a:solidFill>
+            <a:schemeClr val="accent2"/>
+          </a:solidFill>
+          <a:ln>
+            <a:noFill/>
+          </a:ln>
+        </p:spPr>
+        <p:style>
+          <a:lnRef idx="2">
+            <a:schemeClr val="accent1">
+              <a:shade val="50000"/>
+            </a:schemeClr>
+          </a:lnRef>
+          <a:fillRef idx="1">
+            <a:schemeClr val="accent1"/>
+          </a:fillRef>
+          <a:effectRef idx="0">
+            <a:schemeClr val="accent1"/>
+          </a:effectRef>
+          <a:fontRef idx="minor">
+            <a:schemeClr val="lt1"/>
+          </a:fontRef>
+        </p:style>
+      </p:sp>
+      <p:sp>
+        <p:nvSpPr>
+          <p:cNvPr id="8" name="Rectangle 7"/>
+          <p:cNvSpPr/>
+          <p:nvPr/>
+        </p:nvSpPr>
+        <p:spPr>
+          <a:xfrm>
+            <a:off x="15" y="6334316"/>
+            <a:ext cx="12188825" cy="64008"/>
+          </a:xfrm>
+          <a:prstGeom prst="rect">
+            <a:avLst/>
+          </a:prstGeom>
+          <a:solidFill>
+            <a:schemeClr val="accent1"/>
+          </a:solidFill>
+          <a:ln>
+            <a:noFill/>
+          </a:ln>
+        </p:spPr>
+        <p:style>
+          <a:lnRef idx="2">
+            <a:schemeClr val="accent1">
+              <a:shade val="50000"/>
+            </a:schemeClr>
+          </a:lnRef>
+          <a:fillRef idx="1">
+            <a:schemeClr val="accent1"/>
+          </a:fillRef>
+          <a:effectRef idx="0">
+            <a:schemeClr val="accent1"/>
+          </a:effectRef>
+          <a:fontRef idx="minor">
+            <a:schemeClr val="lt1"/>
+          </a:fontRef>
+        </p:style>
+      </p:sp>
+      <p:sp>
+        <p:nvSpPr>
+          <p:cNvPr id="2" name="Vertical Title 1"/>
           <p:cNvSpPr>
             <a:spLocks noGrp="1"/>
           </p:cNvSpPr>
@@ -1022,8 +1254,8 @@
         </p:nvSpPr>
         <p:spPr>
           <a:xfrm>
-            <a:off x="8724900" y="365125"/>
-            <a:ext cx="2628900" cy="5811838"/>
+            <a:off x="8724900" y="414778"/>
+            <a:ext cx="2628900" cy="5757421"/>
           </a:xfrm>
         </p:spPr>
         <p:txBody>
@@ -1034,19 +1266,13 @@
               <a:rPr lang="es-ES"/>
               <a:t>Haga clic para modificar el estilo de título del patrón</a:t>
             </a:r>
-            <a:endParaRPr lang="es-PE"/>
+            <a:endParaRPr lang="en-US" dirty="0"/>
           </a:p>
         </p:txBody>
       </p:sp>
       <p:sp>
         <p:nvSpPr>
-          <p:cNvPr id="3" name="Marcador de texto vertical 2">
-            <a:extLst>
-              <a:ext uri="{FF2B5EF4-FFF2-40B4-BE49-F238E27FC236}">
-                <a16:creationId xmlns:a16="http://schemas.microsoft.com/office/drawing/2014/main" id="{B4D274F4-D904-4CA5-9281-728AF15F9EA0}"/>
-              </a:ext>
-            </a:extLst>
-          </p:cNvPr>
+          <p:cNvPr id="3" name="Vertical Text Placeholder 2"/>
           <p:cNvSpPr>
             <a:spLocks noGrp="1"/>
           </p:cNvSpPr>
@@ -1056,12 +1282,12 @@
         </p:nvSpPr>
         <p:spPr>
           <a:xfrm>
-            <a:off x="838200" y="365125"/>
-            <a:ext cx="7734300" cy="5811838"/>
+            <a:off x="838200" y="414778"/>
+            <a:ext cx="7734300" cy="5757422"/>
           </a:xfrm>
         </p:spPr>
         <p:txBody>
-          <a:bodyPr vert="eaVert"/>
+          <a:bodyPr vert="eaVert" lIns="45720" tIns="0" rIns="45720" bIns="0"/>
           <a:lstStyle/>
           <a:p>
             <a:pPr lvl="0"/>
@@ -1097,19 +1323,13 @@
               <a:rPr lang="es-ES"/>
               <a:t>Quinto nivel</a:t>
             </a:r>
-            <a:endParaRPr lang="es-PE"/>
+            <a:endParaRPr lang="en-US" dirty="0"/>
           </a:p>
         </p:txBody>
       </p:sp>
       <p:sp>
         <p:nvSpPr>
-          <p:cNvPr id="4" name="Marcador de fecha 3">
-            <a:extLst>
-              <a:ext uri="{FF2B5EF4-FFF2-40B4-BE49-F238E27FC236}">
-                <a16:creationId xmlns:a16="http://schemas.microsoft.com/office/drawing/2014/main" id="{CA22F99A-4C36-4AAD-A311-EEBFB9B77976}"/>
-              </a:ext>
-            </a:extLst>
-          </p:cNvPr>
+          <p:cNvPr id="4" name="Date Placeholder 3"/>
           <p:cNvSpPr>
             <a:spLocks noGrp="1"/>
           </p:cNvSpPr>
@@ -1132,13 +1352,7 @@
       </p:sp>
       <p:sp>
         <p:nvSpPr>
-          <p:cNvPr id="5" name="Marcador de pie de página 4">
-            <a:extLst>
-              <a:ext uri="{FF2B5EF4-FFF2-40B4-BE49-F238E27FC236}">
-                <a16:creationId xmlns:a16="http://schemas.microsoft.com/office/drawing/2014/main" id="{BEAD4AE0-BAE1-4726-A5F7-FB13B1F01DF2}"/>
-              </a:ext>
-            </a:extLst>
-          </p:cNvPr>
+          <p:cNvPr id="5" name="Footer Placeholder 4"/>
           <p:cNvSpPr>
             <a:spLocks noGrp="1"/>
           </p:cNvSpPr>
@@ -1157,13 +1371,7 @@
       </p:sp>
       <p:sp>
         <p:nvSpPr>
-          <p:cNvPr id="6" name="Marcador de número de diapositiva 5">
-            <a:extLst>
-              <a:ext uri="{FF2B5EF4-FFF2-40B4-BE49-F238E27FC236}">
-                <a16:creationId xmlns:a16="http://schemas.microsoft.com/office/drawing/2014/main" id="{71886D4D-4A26-4724-A422-73CFE82EFDB3}"/>
-              </a:ext>
-            </a:extLst>
-          </p:cNvPr>
+          <p:cNvPr id="6" name="Slide Number Placeholder 5"/>
           <p:cNvSpPr>
             <a:spLocks noGrp="1"/>
           </p:cNvSpPr>
@@ -1187,7 +1395,7 @@
     </p:spTree>
     <p:extLst>
       <p:ext uri="{BB962C8B-B14F-4D97-AF65-F5344CB8AC3E}">
-        <p14:creationId xmlns:p14="http://schemas.microsoft.com/office/powerpoint/2010/main" val="139822208"/>
+        <p14:creationId xmlns:p14="http://schemas.microsoft.com/office/powerpoint/2010/main" val="3095652904"/>
       </p:ext>
     </p:extLst>
   </p:cSld>
@@ -1538,7 +1746,7 @@
     </p:spTree>
     <p:extLst>
       <p:ext uri="{BB962C8B-B14F-4D97-AF65-F5344CB8AC3E}">
-        <p14:creationId xmlns:p14="http://schemas.microsoft.com/office/powerpoint/2010/main" val="2681905592"/>
+        <p14:creationId xmlns:p14="http://schemas.microsoft.com/office/powerpoint/2010/main" val="1889959275"/>
       </p:ext>
     </p:extLst>
   </p:cSld>
@@ -2026,7 +2234,7 @@
     </p:spTree>
     <p:extLst>
       <p:ext uri="{BB962C8B-B14F-4D97-AF65-F5344CB8AC3E}">
-        <p14:creationId xmlns:p14="http://schemas.microsoft.com/office/powerpoint/2010/main" val="3414727782"/>
+        <p14:creationId xmlns:p14="http://schemas.microsoft.com/office/powerpoint/2010/main" val="1961376398"/>
       </p:ext>
     </p:extLst>
   </p:cSld>
@@ -2055,13 +2263,7 @@
       </p:grpSpPr>
       <p:sp>
         <p:nvSpPr>
-          <p:cNvPr id="2" name="Título 1">
-            <a:extLst>
-              <a:ext uri="{FF2B5EF4-FFF2-40B4-BE49-F238E27FC236}">
-                <a16:creationId xmlns:a16="http://schemas.microsoft.com/office/drawing/2014/main" id="{6129051E-C13E-41EE-9D7D-44BB0A43281B}"/>
-              </a:ext>
-            </a:extLst>
-          </p:cNvPr>
+          <p:cNvPr id="2" name="Title 1"/>
           <p:cNvSpPr>
             <a:spLocks noGrp="1"/>
           </p:cNvSpPr>
@@ -2072,25 +2274,23 @@
         <p:spPr/>
         <p:txBody>
           <a:bodyPr/>
-          <a:lstStyle/>
+          <a:lstStyle>
+            <a:lvl1pPr marL="0">
+              <a:defRPr/>
+            </a:lvl1pPr>
+          </a:lstStyle>
           <a:p>
             <a:r>
               <a:rPr lang="es-ES"/>
               <a:t>Haga clic para modificar el estilo de título del patrón</a:t>
             </a:r>
-            <a:endParaRPr lang="es-PE"/>
+            <a:endParaRPr lang="en-US" dirty="0"/>
           </a:p>
         </p:txBody>
       </p:sp>
       <p:sp>
         <p:nvSpPr>
-          <p:cNvPr id="3" name="Marcador de contenido 2">
-            <a:extLst>
-              <a:ext uri="{FF2B5EF4-FFF2-40B4-BE49-F238E27FC236}">
-                <a16:creationId xmlns:a16="http://schemas.microsoft.com/office/drawing/2014/main" id="{CA68F2F6-4919-498F-A3A1-FD6B92BA3D8D}"/>
-              </a:ext>
-            </a:extLst>
-          </p:cNvPr>
+          <p:cNvPr id="3" name="Content Placeholder 2"/>
           <p:cNvSpPr>
             <a:spLocks noGrp="1"/>
           </p:cNvSpPr>
@@ -2136,19 +2336,13 @@
               <a:rPr lang="es-ES"/>
               <a:t>Quinto nivel</a:t>
             </a:r>
-            <a:endParaRPr lang="es-PE"/>
+            <a:endParaRPr lang="en-US" dirty="0"/>
           </a:p>
         </p:txBody>
       </p:sp>
       <p:sp>
         <p:nvSpPr>
-          <p:cNvPr id="4" name="Marcador de fecha 3">
-            <a:extLst>
-              <a:ext uri="{FF2B5EF4-FFF2-40B4-BE49-F238E27FC236}">
-                <a16:creationId xmlns:a16="http://schemas.microsoft.com/office/drawing/2014/main" id="{2701F714-5E7B-4929-989C-31C1C891058E}"/>
-              </a:ext>
-            </a:extLst>
-          </p:cNvPr>
+          <p:cNvPr id="4" name="Date Placeholder 3"/>
           <p:cNvSpPr>
             <a:spLocks noGrp="1"/>
           </p:cNvSpPr>
@@ -2171,13 +2365,7 @@
       </p:sp>
       <p:sp>
         <p:nvSpPr>
-          <p:cNvPr id="5" name="Marcador de pie de página 4">
-            <a:extLst>
-              <a:ext uri="{FF2B5EF4-FFF2-40B4-BE49-F238E27FC236}">
-                <a16:creationId xmlns:a16="http://schemas.microsoft.com/office/drawing/2014/main" id="{C3256050-680D-426B-85DD-A1834F7B25F8}"/>
-              </a:ext>
-            </a:extLst>
-          </p:cNvPr>
+          <p:cNvPr id="5" name="Footer Placeholder 4"/>
           <p:cNvSpPr>
             <a:spLocks noGrp="1"/>
           </p:cNvSpPr>
@@ -2196,13 +2384,7 @@
       </p:sp>
       <p:sp>
         <p:nvSpPr>
-          <p:cNvPr id="6" name="Marcador de número de diapositiva 5">
-            <a:extLst>
-              <a:ext uri="{FF2B5EF4-FFF2-40B4-BE49-F238E27FC236}">
-                <a16:creationId xmlns:a16="http://schemas.microsoft.com/office/drawing/2014/main" id="{59FE0373-5505-4E77-A32A-24441143AA57}"/>
-              </a:ext>
-            </a:extLst>
-          </p:cNvPr>
+          <p:cNvPr id="6" name="Slide Number Placeholder 5"/>
           <p:cNvSpPr>
             <a:spLocks noGrp="1"/>
           </p:cNvSpPr>
@@ -2226,7 +2408,7 @@
     </p:spTree>
     <p:extLst>
       <p:ext uri="{BB962C8B-B14F-4D97-AF65-F5344CB8AC3E}">
-        <p14:creationId xmlns:p14="http://schemas.microsoft.com/office/powerpoint/2010/main" val="1775972307"/>
+        <p14:creationId xmlns:p14="http://schemas.microsoft.com/office/powerpoint/2010/main" val="1617640883"/>
       </p:ext>
     </p:extLst>
   </p:cSld>
@@ -2237,8 +2419,16 @@
 </file>
 
 <file path=ppt/slideLayouts/slideLayout3.xml><?xml version="1.0" encoding="utf-8"?>
-<p:sldLayout xmlns:a="http://schemas.openxmlformats.org/drawingml/2006/main" xmlns:r="http://schemas.openxmlformats.org/officeDocument/2006/relationships" xmlns:p="http://schemas.openxmlformats.org/presentationml/2006/main" type="secHead" preserve="1">
+<p:sldLayout xmlns:a="http://schemas.openxmlformats.org/drawingml/2006/main" xmlns:r="http://schemas.openxmlformats.org/officeDocument/2006/relationships" xmlns:p="http://schemas.openxmlformats.org/presentationml/2006/main" showMasterSp="0" type="secHead" preserve="1">
   <p:cSld name="Encabezado de sección">
+    <p:bg>
+      <p:bgPr>
+        <a:solidFill>
+          <a:schemeClr val="bg1"/>
+        </a:solidFill>
+        <a:effectLst/>
+      </p:bgPr>
+    </p:bg>
     <p:spTree>
       <p:nvGrpSpPr>
         <p:cNvPr id="1" name=""/>
@@ -2255,13 +2445,83 @@
       </p:grpSpPr>
       <p:sp>
         <p:nvSpPr>
-          <p:cNvPr id="2" name="Título 1">
-            <a:extLst>
-              <a:ext uri="{FF2B5EF4-FFF2-40B4-BE49-F238E27FC236}">
-                <a16:creationId xmlns:a16="http://schemas.microsoft.com/office/drawing/2014/main" id="{FEBA2F76-1351-4548-9370-8B214E3FE19F}"/>
-              </a:ext>
-            </a:extLst>
-          </p:cNvPr>
+          <p:cNvPr id="7" name="Rectangle 6"/>
+          <p:cNvSpPr/>
+          <p:nvPr/>
+        </p:nvSpPr>
+        <p:spPr>
+          <a:xfrm>
+            <a:off x="3175" y="6400800"/>
+            <a:ext cx="12188825" cy="457200"/>
+          </a:xfrm>
+          <a:prstGeom prst="rect">
+            <a:avLst/>
+          </a:prstGeom>
+          <a:solidFill>
+            <a:schemeClr val="accent2"/>
+          </a:solidFill>
+          <a:ln>
+            <a:noFill/>
+          </a:ln>
+        </p:spPr>
+        <p:style>
+          <a:lnRef idx="2">
+            <a:schemeClr val="accent1">
+              <a:shade val="50000"/>
+            </a:schemeClr>
+          </a:lnRef>
+          <a:fillRef idx="1">
+            <a:schemeClr val="accent1"/>
+          </a:fillRef>
+          <a:effectRef idx="0">
+            <a:schemeClr val="accent1"/>
+          </a:effectRef>
+          <a:fontRef idx="minor">
+            <a:schemeClr val="lt1"/>
+          </a:fontRef>
+        </p:style>
+      </p:sp>
+      <p:sp>
+        <p:nvSpPr>
+          <p:cNvPr id="8" name="Rectangle 7"/>
+          <p:cNvSpPr/>
+          <p:nvPr/>
+        </p:nvSpPr>
+        <p:spPr>
+          <a:xfrm>
+            <a:off x="15" y="6334316"/>
+            <a:ext cx="12188825" cy="64008"/>
+          </a:xfrm>
+          <a:prstGeom prst="rect">
+            <a:avLst/>
+          </a:prstGeom>
+          <a:solidFill>
+            <a:schemeClr val="accent1"/>
+          </a:solidFill>
+          <a:ln>
+            <a:noFill/>
+          </a:ln>
+        </p:spPr>
+        <p:style>
+          <a:lnRef idx="2">
+            <a:schemeClr val="accent1">
+              <a:shade val="50000"/>
+            </a:schemeClr>
+          </a:lnRef>
+          <a:fillRef idx="1">
+            <a:schemeClr val="accent1"/>
+          </a:fillRef>
+          <a:effectRef idx="0">
+            <a:schemeClr val="accent1"/>
+          </a:effectRef>
+          <a:fontRef idx="minor">
+            <a:schemeClr val="lt1"/>
+          </a:fontRef>
+        </p:style>
+      </p:sp>
+      <p:sp>
+        <p:nvSpPr>
+          <p:cNvPr id="2" name="Title 1"/>
           <p:cNvSpPr>
             <a:spLocks noGrp="1"/>
           </p:cNvSpPr>
@@ -2271,15 +2531,27 @@
         </p:nvSpPr>
         <p:spPr>
           <a:xfrm>
-            <a:off x="831850" y="1709738"/>
-            <a:ext cx="10515600" cy="2852737"/>
+            <a:off x="1097280" y="758952"/>
+            <a:ext cx="10058400" cy="3566160"/>
           </a:xfrm>
         </p:spPr>
         <p:txBody>
-          <a:bodyPr anchor="b"/>
+          <a:bodyPr anchor="b" anchorCtr="0">
+            <a:normAutofit/>
+          </a:bodyPr>
           <a:lstStyle>
             <a:lvl1pPr>
-              <a:defRPr sz="6000"/>
+              <a:lnSpc>
+                <a:spcPct val="85000"/>
+              </a:lnSpc>
+              <a:defRPr sz="8000" b="0">
+                <a:solidFill>
+                  <a:schemeClr val="tx1">
+                    <a:lumMod val="85000"/>
+                    <a:lumOff val="15000"/>
+                  </a:schemeClr>
+                </a:solidFill>
+              </a:defRPr>
             </a:lvl1pPr>
           </a:lstStyle>
           <a:p>
@@ -2287,19 +2559,13 @@
               <a:rPr lang="es-ES"/>
               <a:t>Haga clic para modificar el estilo de título del patrón</a:t>
             </a:r>
-            <a:endParaRPr lang="es-PE"/>
+            <a:endParaRPr lang="en-US" dirty="0"/>
           </a:p>
         </p:txBody>
       </p:sp>
       <p:sp>
         <p:nvSpPr>
-          <p:cNvPr id="3" name="Marcador de texto 2">
-            <a:extLst>
-              <a:ext uri="{FF2B5EF4-FFF2-40B4-BE49-F238E27FC236}">
-                <a16:creationId xmlns:a16="http://schemas.microsoft.com/office/drawing/2014/main" id="{6A0D4AF0-C8FD-4419-84E9-A3BA55D51B49}"/>
-              </a:ext>
-            </a:extLst>
-          </p:cNvPr>
+          <p:cNvPr id="3" name="Text Placeholder 2"/>
           <p:cNvSpPr>
             <a:spLocks noGrp="1"/>
           </p:cNvSpPr>
@@ -2309,26 +2575,27 @@
         </p:nvSpPr>
         <p:spPr>
           <a:xfrm>
-            <a:off x="831850" y="4589463"/>
-            <a:ext cx="10515600" cy="1500187"/>
+            <a:off x="1097280" y="4453128"/>
+            <a:ext cx="10058400" cy="1143000"/>
           </a:xfrm>
         </p:spPr>
         <p:txBody>
-          <a:bodyPr/>
+          <a:bodyPr lIns="91440" rIns="91440" anchor="t" anchorCtr="0">
+            <a:normAutofit/>
+          </a:bodyPr>
           <a:lstStyle>
             <a:lvl1pPr marL="0" indent="0">
               <a:buNone/>
-              <a:defRPr sz="2400">
+              <a:defRPr sz="2400" cap="all" spc="200" baseline="0">
                 <a:solidFill>
-                  <a:schemeClr val="tx1">
-                    <a:tint val="75000"/>
-                  </a:schemeClr>
+                  <a:schemeClr val="tx2"/>
                 </a:solidFill>
+                <a:latin typeface="+mj-lt"/>
               </a:defRPr>
             </a:lvl1pPr>
             <a:lvl2pPr marL="457200" indent="0">
               <a:buNone/>
-              <a:defRPr sz="2000">
+              <a:defRPr sz="1800">
                 <a:solidFill>
                   <a:schemeClr val="tx1">
                     <a:tint val="75000"/>
@@ -2338,7 +2605,7 @@
             </a:lvl2pPr>
             <a:lvl3pPr marL="914400" indent="0">
               <a:buNone/>
-              <a:defRPr sz="1800">
+              <a:defRPr sz="1600">
                 <a:solidFill>
                   <a:schemeClr val="tx1">
                     <a:tint val="75000"/>
@@ -2348,7 +2615,7 @@
             </a:lvl3pPr>
             <a:lvl4pPr marL="1371600" indent="0">
               <a:buNone/>
-              <a:defRPr sz="1600">
+              <a:defRPr sz="1400">
                 <a:solidFill>
                   <a:schemeClr val="tx1">
                     <a:tint val="75000"/>
@@ -2358,7 +2625,7 @@
             </a:lvl4pPr>
             <a:lvl5pPr marL="1828800" indent="0">
               <a:buNone/>
-              <a:defRPr sz="1600">
+              <a:defRPr sz="1400">
                 <a:solidFill>
                   <a:schemeClr val="tx1">
                     <a:tint val="75000"/>
@@ -2368,7 +2635,7 @@
             </a:lvl5pPr>
             <a:lvl6pPr marL="2286000" indent="0">
               <a:buNone/>
-              <a:defRPr sz="1600">
+              <a:defRPr sz="1400">
                 <a:solidFill>
                   <a:schemeClr val="tx1">
                     <a:tint val="75000"/>
@@ -2378,7 +2645,7 @@
             </a:lvl6pPr>
             <a:lvl7pPr marL="2743200" indent="0">
               <a:buNone/>
-              <a:defRPr sz="1600">
+              <a:defRPr sz="1400">
                 <a:solidFill>
                   <a:schemeClr val="tx1">
                     <a:tint val="75000"/>
@@ -2388,7 +2655,7 @@
             </a:lvl7pPr>
             <a:lvl8pPr marL="3200400" indent="0">
               <a:buNone/>
-              <a:defRPr sz="1600">
+              <a:defRPr sz="1400">
                 <a:solidFill>
                   <a:schemeClr val="tx1">
                     <a:tint val="75000"/>
@@ -2398,7 +2665,7 @@
             </a:lvl8pPr>
             <a:lvl9pPr marL="3657600" indent="0">
               <a:buNone/>
-              <a:defRPr sz="1600">
+              <a:defRPr sz="1400">
                 <a:solidFill>
                   <a:schemeClr val="tx1">
                     <a:tint val="75000"/>
@@ -2418,13 +2685,7 @@
       </p:sp>
       <p:sp>
         <p:nvSpPr>
-          <p:cNvPr id="4" name="Marcador de fecha 3">
-            <a:extLst>
-              <a:ext uri="{FF2B5EF4-FFF2-40B4-BE49-F238E27FC236}">
-                <a16:creationId xmlns:a16="http://schemas.microsoft.com/office/drawing/2014/main" id="{08FCF400-397D-4B97-A6D8-CF8960BDEB68}"/>
-              </a:ext>
-            </a:extLst>
-          </p:cNvPr>
+          <p:cNvPr id="4" name="Date Placeholder 3"/>
           <p:cNvSpPr>
             <a:spLocks noGrp="1"/>
           </p:cNvSpPr>
@@ -2447,13 +2708,7 @@
       </p:sp>
       <p:sp>
         <p:nvSpPr>
-          <p:cNvPr id="5" name="Marcador de pie de página 4">
-            <a:extLst>
-              <a:ext uri="{FF2B5EF4-FFF2-40B4-BE49-F238E27FC236}">
-                <a16:creationId xmlns:a16="http://schemas.microsoft.com/office/drawing/2014/main" id="{79855A01-3643-4F7F-A2CD-C35A8DB46FAD}"/>
-              </a:ext>
-            </a:extLst>
-          </p:cNvPr>
+          <p:cNvPr id="5" name="Footer Placeholder 4"/>
           <p:cNvSpPr>
             <a:spLocks noGrp="1"/>
           </p:cNvSpPr>
@@ -2472,13 +2727,7 @@
       </p:sp>
       <p:sp>
         <p:nvSpPr>
-          <p:cNvPr id="6" name="Marcador de número de diapositiva 5">
-            <a:extLst>
-              <a:ext uri="{FF2B5EF4-FFF2-40B4-BE49-F238E27FC236}">
-                <a16:creationId xmlns:a16="http://schemas.microsoft.com/office/drawing/2014/main" id="{550D9202-83DE-4533-9F0F-ED3EC87257BB}"/>
-              </a:ext>
-            </a:extLst>
-          </p:cNvPr>
+          <p:cNvPr id="6" name="Slide Number Placeholder 5"/>
           <p:cNvSpPr>
             <a:spLocks noGrp="1"/>
           </p:cNvSpPr>
@@ -2499,10 +2748,48 @@
           </a:p>
         </p:txBody>
       </p:sp>
+      <p:cxnSp>
+        <p:nvCxnSpPr>
+          <p:cNvPr id="9" name="Straight Connector 8"/>
+          <p:cNvCxnSpPr/>
+          <p:nvPr/>
+        </p:nvCxnSpPr>
+        <p:spPr>
+          <a:xfrm>
+            <a:off x="1207658" y="4343400"/>
+            <a:ext cx="9875520" cy="0"/>
+          </a:xfrm>
+          <a:prstGeom prst="line">
+            <a:avLst/>
+          </a:prstGeom>
+          <a:ln w="6350">
+            <a:solidFill>
+              <a:schemeClr val="tx1">
+                <a:lumMod val="50000"/>
+                <a:lumOff val="50000"/>
+              </a:schemeClr>
+            </a:solidFill>
+          </a:ln>
+        </p:spPr>
+        <p:style>
+          <a:lnRef idx="1">
+            <a:schemeClr val="accent1"/>
+          </a:lnRef>
+          <a:fillRef idx="0">
+            <a:schemeClr val="accent1"/>
+          </a:fillRef>
+          <a:effectRef idx="0">
+            <a:schemeClr val="accent1"/>
+          </a:effectRef>
+          <a:fontRef idx="minor">
+            <a:schemeClr val="tx1"/>
+          </a:fontRef>
+        </p:style>
+      </p:cxnSp>
     </p:spTree>
     <p:extLst>
       <p:ext uri="{BB962C8B-B14F-4D97-AF65-F5344CB8AC3E}">
-        <p14:creationId xmlns:p14="http://schemas.microsoft.com/office/powerpoint/2010/main" val="1112091898"/>
+        <p14:creationId xmlns:p14="http://schemas.microsoft.com/office/powerpoint/2010/main" val="2820050976"/>
       </p:ext>
     </p:extLst>
   </p:cSld>
@@ -2531,13 +2818,7 @@
       </p:grpSpPr>
       <p:sp>
         <p:nvSpPr>
-          <p:cNvPr id="2" name="Título 1">
-            <a:extLst>
-              <a:ext uri="{FF2B5EF4-FFF2-40B4-BE49-F238E27FC236}">
-                <a16:creationId xmlns:a16="http://schemas.microsoft.com/office/drawing/2014/main" id="{C3CF0CE8-3BF3-4037-875F-608C4FA636BB}"/>
-              </a:ext>
-            </a:extLst>
-          </p:cNvPr>
+          <p:cNvPr id="8" name="Title 7"/>
           <p:cNvSpPr>
             <a:spLocks noGrp="1"/>
           </p:cNvSpPr>
@@ -2545,45 +2826,44 @@
             <p:ph type="title"/>
           </p:nvPr>
         </p:nvSpPr>
-        <p:spPr/>
-        <p:txBody>
-          <a:bodyPr/>
-          <a:lstStyle/>
-          <a:p>
-            <a:r>
-              <a:rPr lang="es-ES"/>
-              <a:t>Haga clic para modificar el estilo de título del patrón</a:t>
-            </a:r>
-            <a:endParaRPr lang="es-PE"/>
-          </a:p>
-        </p:txBody>
-      </p:sp>
-      <p:sp>
-        <p:nvSpPr>
-          <p:cNvPr id="3" name="Marcador de contenido 2">
-            <a:extLst>
-              <a:ext uri="{FF2B5EF4-FFF2-40B4-BE49-F238E27FC236}">
-                <a16:creationId xmlns:a16="http://schemas.microsoft.com/office/drawing/2014/main" id="{96BCEB99-4072-4AF7-9B97-9AAC1BAA8A76}"/>
-              </a:ext>
-            </a:extLst>
-          </p:cNvPr>
-          <p:cNvSpPr>
-            <a:spLocks noGrp="1"/>
-          </p:cNvSpPr>
-          <p:nvPr>
-            <p:ph sz="half" idx="1"/>
-          </p:nvPr>
-        </p:nvSpPr>
         <p:spPr>
           <a:xfrm>
-            <a:off x="838200" y="1825625"/>
-            <a:ext cx="5181600" cy="4351338"/>
+            <a:off x="1097280" y="286603"/>
+            <a:ext cx="10058400" cy="1450757"/>
           </a:xfrm>
         </p:spPr>
         <p:txBody>
           <a:bodyPr/>
           <a:lstStyle/>
           <a:p>
+            <a:r>
+              <a:rPr lang="es-ES"/>
+              <a:t>Haga clic para modificar el estilo de título del patrón</a:t>
+            </a:r>
+            <a:endParaRPr lang="en-US" dirty="0"/>
+          </a:p>
+        </p:txBody>
+      </p:sp>
+      <p:sp>
+        <p:nvSpPr>
+          <p:cNvPr id="3" name="Content Placeholder 2"/>
+          <p:cNvSpPr>
+            <a:spLocks noGrp="1"/>
+          </p:cNvSpPr>
+          <p:nvPr>
+            <p:ph sz="half" idx="1"/>
+          </p:nvPr>
+        </p:nvSpPr>
+        <p:spPr>
+          <a:xfrm>
+            <a:off x="1097279" y="1845734"/>
+            <a:ext cx="4937760" cy="4023360"/>
+          </a:xfrm>
+        </p:spPr>
+        <p:txBody>
+          <a:bodyPr/>
+          <a:lstStyle/>
+          <a:p>
             <a:pPr lvl="0"/>
             <a:r>
               <a:rPr lang="es-ES"/>
@@ -2617,19 +2897,13 @@
               <a:rPr lang="es-ES"/>
               <a:t>Quinto nivel</a:t>
             </a:r>
-            <a:endParaRPr lang="es-PE"/>
+            <a:endParaRPr lang="en-US" dirty="0"/>
           </a:p>
         </p:txBody>
       </p:sp>
       <p:sp>
         <p:nvSpPr>
-          <p:cNvPr id="4" name="Marcador de contenido 3">
-            <a:extLst>
-              <a:ext uri="{FF2B5EF4-FFF2-40B4-BE49-F238E27FC236}">
-                <a16:creationId xmlns:a16="http://schemas.microsoft.com/office/drawing/2014/main" id="{4848A873-2654-46A9-987D-349DDCF057D8}"/>
-              </a:ext>
-            </a:extLst>
-          </p:cNvPr>
+          <p:cNvPr id="4" name="Content Placeholder 3"/>
           <p:cNvSpPr>
             <a:spLocks noGrp="1"/>
           </p:cNvSpPr>
@@ -2639,8 +2913,8 @@
         </p:nvSpPr>
         <p:spPr>
           <a:xfrm>
-            <a:off x="6172200" y="1825625"/>
-            <a:ext cx="5181600" cy="4351338"/>
+            <a:off x="6217920" y="1845735"/>
+            <a:ext cx="4937760" cy="4023360"/>
           </a:xfrm>
         </p:spPr>
         <p:txBody>
@@ -2680,19 +2954,13 @@
               <a:rPr lang="es-ES"/>
               <a:t>Quinto nivel</a:t>
             </a:r>
-            <a:endParaRPr lang="es-PE"/>
+            <a:endParaRPr lang="en-US" dirty="0"/>
           </a:p>
         </p:txBody>
       </p:sp>
       <p:sp>
         <p:nvSpPr>
-          <p:cNvPr id="5" name="Marcador de fecha 4">
-            <a:extLst>
-              <a:ext uri="{FF2B5EF4-FFF2-40B4-BE49-F238E27FC236}">
-                <a16:creationId xmlns:a16="http://schemas.microsoft.com/office/drawing/2014/main" id="{1F49FFA1-8AC5-4BD8-BAC2-3774FC5F6A62}"/>
-              </a:ext>
-            </a:extLst>
-          </p:cNvPr>
+          <p:cNvPr id="5" name="Date Placeholder 4"/>
           <p:cNvSpPr>
             <a:spLocks noGrp="1"/>
           </p:cNvSpPr>
@@ -2715,13 +2983,7 @@
       </p:sp>
       <p:sp>
         <p:nvSpPr>
-          <p:cNvPr id="6" name="Marcador de pie de página 5">
-            <a:extLst>
-              <a:ext uri="{FF2B5EF4-FFF2-40B4-BE49-F238E27FC236}">
-                <a16:creationId xmlns:a16="http://schemas.microsoft.com/office/drawing/2014/main" id="{FFBC1FF2-ECCF-4047-9EC3-86C38A1F3B51}"/>
-              </a:ext>
-            </a:extLst>
-          </p:cNvPr>
+          <p:cNvPr id="6" name="Footer Placeholder 5"/>
           <p:cNvSpPr>
             <a:spLocks noGrp="1"/>
           </p:cNvSpPr>
@@ -2740,13 +3002,7 @@
       </p:sp>
       <p:sp>
         <p:nvSpPr>
-          <p:cNvPr id="7" name="Marcador de número de diapositiva 6">
-            <a:extLst>
-              <a:ext uri="{FF2B5EF4-FFF2-40B4-BE49-F238E27FC236}">
-                <a16:creationId xmlns:a16="http://schemas.microsoft.com/office/drawing/2014/main" id="{C250676A-2E39-4C48-8530-64378C860DE9}"/>
-              </a:ext>
-            </a:extLst>
-          </p:cNvPr>
+          <p:cNvPr id="7" name="Slide Number Placeholder 6"/>
           <p:cNvSpPr>
             <a:spLocks noGrp="1"/>
           </p:cNvSpPr>
@@ -2770,7 +3026,7 @@
     </p:spTree>
     <p:extLst>
       <p:ext uri="{BB962C8B-B14F-4D97-AF65-F5344CB8AC3E}">
-        <p14:creationId xmlns:p14="http://schemas.microsoft.com/office/powerpoint/2010/main" val="4222445484"/>
+        <p14:creationId xmlns:p14="http://schemas.microsoft.com/office/powerpoint/2010/main" val="2524105101"/>
       </p:ext>
     </p:extLst>
   </p:cSld>
@@ -2799,13 +3055,7 @@
       </p:grpSpPr>
       <p:sp>
         <p:nvSpPr>
-          <p:cNvPr id="2" name="Título 1">
-            <a:extLst>
-              <a:ext uri="{FF2B5EF4-FFF2-40B4-BE49-F238E27FC236}">
-                <a16:creationId xmlns:a16="http://schemas.microsoft.com/office/drawing/2014/main" id="{EAF09C3F-843D-401B-AA22-E6D0510DBAEA}"/>
-              </a:ext>
-            </a:extLst>
-          </p:cNvPr>
+          <p:cNvPr id="10" name="Title 9"/>
           <p:cNvSpPr>
             <a:spLocks noGrp="1"/>
           </p:cNvSpPr>
@@ -2815,8 +3065,8 @@
         </p:nvSpPr>
         <p:spPr>
           <a:xfrm>
-            <a:off x="839788" y="365125"/>
-            <a:ext cx="10515600" cy="1325563"/>
+            <a:off x="1097280" y="286603"/>
+            <a:ext cx="10058400" cy="1450757"/>
           </a:xfrm>
         </p:spPr>
         <p:txBody>
@@ -2827,19 +3077,13 @@
               <a:rPr lang="es-ES"/>
               <a:t>Haga clic para modificar el estilo de título del patrón</a:t>
             </a:r>
-            <a:endParaRPr lang="es-PE"/>
+            <a:endParaRPr lang="en-US" dirty="0"/>
           </a:p>
         </p:txBody>
       </p:sp>
       <p:sp>
         <p:nvSpPr>
-          <p:cNvPr id="3" name="Marcador de texto 2">
-            <a:extLst>
-              <a:ext uri="{FF2B5EF4-FFF2-40B4-BE49-F238E27FC236}">
-                <a16:creationId xmlns:a16="http://schemas.microsoft.com/office/drawing/2014/main" id="{1DA75FA8-538D-4945-B93E-03756FE69332}"/>
-              </a:ext>
-            </a:extLst>
-          </p:cNvPr>
+          <p:cNvPr id="3" name="Text Placeholder 2"/>
           <p:cNvSpPr>
             <a:spLocks noGrp="1"/>
           </p:cNvSpPr>
@@ -2849,16 +3093,22 @@
         </p:nvSpPr>
         <p:spPr>
           <a:xfrm>
-            <a:off x="839788" y="1681163"/>
-            <a:ext cx="5157787" cy="823912"/>
+            <a:off x="1097280" y="1846052"/>
+            <a:ext cx="4937760" cy="736282"/>
           </a:xfrm>
         </p:spPr>
         <p:txBody>
-          <a:bodyPr anchor="b"/>
+          <a:bodyPr lIns="91440" rIns="91440" anchor="ctr">
+            <a:normAutofit/>
+          </a:bodyPr>
           <a:lstStyle>
             <a:lvl1pPr marL="0" indent="0">
               <a:buNone/>
-              <a:defRPr sz="2400" b="1"/>
+              <a:defRPr sz="2000" b="0" cap="all" baseline="0">
+                <a:solidFill>
+                  <a:schemeClr val="tx2"/>
+                </a:solidFill>
+              </a:defRPr>
             </a:lvl1pPr>
             <a:lvl2pPr marL="457200" indent="0">
               <a:buNone/>
@@ -2904,13 +3154,7 @@
       </p:sp>
       <p:sp>
         <p:nvSpPr>
-          <p:cNvPr id="4" name="Marcador de contenido 3">
-            <a:extLst>
-              <a:ext uri="{FF2B5EF4-FFF2-40B4-BE49-F238E27FC236}">
-                <a16:creationId xmlns:a16="http://schemas.microsoft.com/office/drawing/2014/main" id="{B94D2C8C-BBDE-4862-B510-63857B9E3F65}"/>
-              </a:ext>
-            </a:extLst>
-          </p:cNvPr>
+          <p:cNvPr id="4" name="Content Placeholder 3"/>
           <p:cNvSpPr>
             <a:spLocks noGrp="1"/>
           </p:cNvSpPr>
@@ -2920,8 +3164,8 @@
         </p:nvSpPr>
         <p:spPr>
           <a:xfrm>
-            <a:off x="839788" y="2505075"/>
-            <a:ext cx="5157787" cy="3684588"/>
+            <a:off x="1097280" y="2582334"/>
+            <a:ext cx="4937760" cy="3378200"/>
           </a:xfrm>
         </p:spPr>
         <p:txBody>
@@ -2961,19 +3205,13 @@
               <a:rPr lang="es-ES"/>
               <a:t>Quinto nivel</a:t>
             </a:r>
-            <a:endParaRPr lang="es-PE"/>
+            <a:endParaRPr lang="en-US" dirty="0"/>
           </a:p>
         </p:txBody>
       </p:sp>
       <p:sp>
         <p:nvSpPr>
-          <p:cNvPr id="5" name="Marcador de texto 4">
-            <a:extLst>
-              <a:ext uri="{FF2B5EF4-FFF2-40B4-BE49-F238E27FC236}">
-                <a16:creationId xmlns:a16="http://schemas.microsoft.com/office/drawing/2014/main" id="{998D2828-1FBE-4855-8867-B956400FB0ED}"/>
-              </a:ext>
-            </a:extLst>
-          </p:cNvPr>
+          <p:cNvPr id="5" name="Text Placeholder 4"/>
           <p:cNvSpPr>
             <a:spLocks noGrp="1"/>
           </p:cNvSpPr>
@@ -2983,16 +3221,22 @@
         </p:nvSpPr>
         <p:spPr>
           <a:xfrm>
-            <a:off x="6172200" y="1681163"/>
-            <a:ext cx="5183188" cy="823912"/>
+            <a:off x="6217920" y="1846052"/>
+            <a:ext cx="4937760" cy="736282"/>
           </a:xfrm>
         </p:spPr>
         <p:txBody>
-          <a:bodyPr anchor="b"/>
+          <a:bodyPr lIns="91440" rIns="91440" anchor="ctr">
+            <a:normAutofit/>
+          </a:bodyPr>
           <a:lstStyle>
             <a:lvl1pPr marL="0" indent="0">
               <a:buNone/>
-              <a:defRPr sz="2400" b="1"/>
+              <a:defRPr sz="2000" b="0" cap="all" baseline="0">
+                <a:solidFill>
+                  <a:schemeClr val="tx2"/>
+                </a:solidFill>
+              </a:defRPr>
             </a:lvl1pPr>
             <a:lvl2pPr marL="457200" indent="0">
               <a:buNone/>
@@ -3038,13 +3282,7 @@
       </p:sp>
       <p:sp>
         <p:nvSpPr>
-          <p:cNvPr id="6" name="Marcador de contenido 5">
-            <a:extLst>
-              <a:ext uri="{FF2B5EF4-FFF2-40B4-BE49-F238E27FC236}">
-                <a16:creationId xmlns:a16="http://schemas.microsoft.com/office/drawing/2014/main" id="{0FF5B960-B947-4CDE-A4CA-ADD3255120A2}"/>
-              </a:ext>
-            </a:extLst>
-          </p:cNvPr>
+          <p:cNvPr id="6" name="Content Placeholder 5"/>
           <p:cNvSpPr>
             <a:spLocks noGrp="1"/>
           </p:cNvSpPr>
@@ -3054,8 +3292,8 @@
         </p:nvSpPr>
         <p:spPr>
           <a:xfrm>
-            <a:off x="6172200" y="2505075"/>
-            <a:ext cx="5183188" cy="3684588"/>
+            <a:off x="6217920" y="2582334"/>
+            <a:ext cx="4937760" cy="3378200"/>
           </a:xfrm>
         </p:spPr>
         <p:txBody>
@@ -3095,19 +3333,13 @@
               <a:rPr lang="es-ES"/>
               <a:t>Quinto nivel</a:t>
             </a:r>
-            <a:endParaRPr lang="es-PE"/>
+            <a:endParaRPr lang="en-US" dirty="0"/>
           </a:p>
         </p:txBody>
       </p:sp>
       <p:sp>
         <p:nvSpPr>
-          <p:cNvPr id="7" name="Marcador de fecha 6">
-            <a:extLst>
-              <a:ext uri="{FF2B5EF4-FFF2-40B4-BE49-F238E27FC236}">
-                <a16:creationId xmlns:a16="http://schemas.microsoft.com/office/drawing/2014/main" id="{14114ABB-A2BD-4ABC-8196-A184C9159105}"/>
-              </a:ext>
-            </a:extLst>
-          </p:cNvPr>
+          <p:cNvPr id="7" name="Date Placeholder 6"/>
           <p:cNvSpPr>
             <a:spLocks noGrp="1"/>
           </p:cNvSpPr>
@@ -3130,13 +3362,7 @@
       </p:sp>
       <p:sp>
         <p:nvSpPr>
-          <p:cNvPr id="8" name="Marcador de pie de página 7">
-            <a:extLst>
-              <a:ext uri="{FF2B5EF4-FFF2-40B4-BE49-F238E27FC236}">
-                <a16:creationId xmlns:a16="http://schemas.microsoft.com/office/drawing/2014/main" id="{4371A3B3-4119-423D-AC80-2BC8B37396C7}"/>
-              </a:ext>
-            </a:extLst>
-          </p:cNvPr>
+          <p:cNvPr id="8" name="Footer Placeholder 7"/>
           <p:cNvSpPr>
             <a:spLocks noGrp="1"/>
           </p:cNvSpPr>
@@ -3155,13 +3381,7 @@
       </p:sp>
       <p:sp>
         <p:nvSpPr>
-          <p:cNvPr id="9" name="Marcador de número de diapositiva 8">
-            <a:extLst>
-              <a:ext uri="{FF2B5EF4-FFF2-40B4-BE49-F238E27FC236}">
-                <a16:creationId xmlns:a16="http://schemas.microsoft.com/office/drawing/2014/main" id="{DAFAF529-8E65-4413-A488-48A54B58545E}"/>
-              </a:ext>
-            </a:extLst>
-          </p:cNvPr>
+          <p:cNvPr id="9" name="Slide Number Placeholder 8"/>
           <p:cNvSpPr>
             <a:spLocks noGrp="1"/>
           </p:cNvSpPr>
@@ -3185,7 +3405,7 @@
     </p:spTree>
     <p:extLst>
       <p:ext uri="{BB962C8B-B14F-4D97-AF65-F5344CB8AC3E}">
-        <p14:creationId xmlns:p14="http://schemas.microsoft.com/office/powerpoint/2010/main" val="3994176461"/>
+        <p14:creationId xmlns:p14="http://schemas.microsoft.com/office/powerpoint/2010/main" val="3077632094"/>
       </p:ext>
     </p:extLst>
   </p:cSld>
@@ -3214,13 +3434,7 @@
       </p:grpSpPr>
       <p:sp>
         <p:nvSpPr>
-          <p:cNvPr id="2" name="Título 1">
-            <a:extLst>
-              <a:ext uri="{FF2B5EF4-FFF2-40B4-BE49-F238E27FC236}">
-                <a16:creationId xmlns:a16="http://schemas.microsoft.com/office/drawing/2014/main" id="{6CBE86DD-8E81-40E6-B0B1-C9FCF9B8E2E3}"/>
-              </a:ext>
-            </a:extLst>
-          </p:cNvPr>
+          <p:cNvPr id="2" name="Title 1"/>
           <p:cNvSpPr>
             <a:spLocks noGrp="1"/>
           </p:cNvSpPr>
@@ -3237,19 +3451,13 @@
               <a:rPr lang="es-ES"/>
               <a:t>Haga clic para modificar el estilo de título del patrón</a:t>
             </a:r>
-            <a:endParaRPr lang="es-PE"/>
+            <a:endParaRPr lang="en-US" dirty="0"/>
           </a:p>
         </p:txBody>
       </p:sp>
       <p:sp>
         <p:nvSpPr>
-          <p:cNvPr id="3" name="Marcador de fecha 2">
-            <a:extLst>
-              <a:ext uri="{FF2B5EF4-FFF2-40B4-BE49-F238E27FC236}">
-                <a16:creationId xmlns:a16="http://schemas.microsoft.com/office/drawing/2014/main" id="{E727B150-AA6A-4C84-9FE2-E3338FCE87E9}"/>
-              </a:ext>
-            </a:extLst>
-          </p:cNvPr>
+          <p:cNvPr id="3" name="Date Placeholder 2"/>
           <p:cNvSpPr>
             <a:spLocks noGrp="1"/>
           </p:cNvSpPr>
@@ -3272,13 +3480,7 @@
       </p:sp>
       <p:sp>
         <p:nvSpPr>
-          <p:cNvPr id="4" name="Marcador de pie de página 3">
-            <a:extLst>
-              <a:ext uri="{FF2B5EF4-FFF2-40B4-BE49-F238E27FC236}">
-                <a16:creationId xmlns:a16="http://schemas.microsoft.com/office/drawing/2014/main" id="{073FB1AC-BBFB-4916-A06D-7534502F23DC}"/>
-              </a:ext>
-            </a:extLst>
-          </p:cNvPr>
+          <p:cNvPr id="4" name="Footer Placeholder 3"/>
           <p:cNvSpPr>
             <a:spLocks noGrp="1"/>
           </p:cNvSpPr>
@@ -3297,13 +3499,7 @@
       </p:sp>
       <p:sp>
         <p:nvSpPr>
-          <p:cNvPr id="5" name="Marcador de número de diapositiva 4">
-            <a:extLst>
-              <a:ext uri="{FF2B5EF4-FFF2-40B4-BE49-F238E27FC236}">
-                <a16:creationId xmlns:a16="http://schemas.microsoft.com/office/drawing/2014/main" id="{A696D7C0-A774-44D9-BAF6-2C4D35CCC5F9}"/>
-              </a:ext>
-            </a:extLst>
-          </p:cNvPr>
+          <p:cNvPr id="5" name="Slide Number Placeholder 4"/>
           <p:cNvSpPr>
             <a:spLocks noGrp="1"/>
           </p:cNvSpPr>
@@ -3327,7 +3523,7 @@
     </p:spTree>
     <p:extLst>
       <p:ext uri="{BB962C8B-B14F-4D97-AF65-F5344CB8AC3E}">
-        <p14:creationId xmlns:p14="http://schemas.microsoft.com/office/powerpoint/2010/main" val="2427665208"/>
+        <p14:creationId xmlns:p14="http://schemas.microsoft.com/office/powerpoint/2010/main" val="1756114248"/>
       </p:ext>
     </p:extLst>
   </p:cSld>
@@ -3338,7 +3534,7 @@
 </file>
 
 <file path=ppt/slideLayouts/slideLayout7.xml><?xml version="1.0" encoding="utf-8"?>
-<p:sldLayout xmlns:a="http://schemas.openxmlformats.org/drawingml/2006/main" xmlns:r="http://schemas.openxmlformats.org/officeDocument/2006/relationships" xmlns:p="http://schemas.openxmlformats.org/presentationml/2006/main" type="blank" preserve="1">
+<p:sldLayout xmlns:a="http://schemas.openxmlformats.org/drawingml/2006/main" xmlns:r="http://schemas.openxmlformats.org/officeDocument/2006/relationships" xmlns:p="http://schemas.openxmlformats.org/presentationml/2006/main" showMasterSp="0" type="blank" preserve="1">
   <p:cSld name="En blanco">
     <p:spTree>
       <p:nvGrpSpPr>
@@ -3356,13 +3552,83 @@
       </p:grpSpPr>
       <p:sp>
         <p:nvSpPr>
-          <p:cNvPr id="2" name="Marcador de fecha 1">
-            <a:extLst>
-              <a:ext uri="{FF2B5EF4-FFF2-40B4-BE49-F238E27FC236}">
-                <a16:creationId xmlns:a16="http://schemas.microsoft.com/office/drawing/2014/main" id="{66AD3C62-01DA-4EC9-9B87-900C6120C93B}"/>
-              </a:ext>
-            </a:extLst>
-          </p:cNvPr>
+          <p:cNvPr id="5" name="Rectangle 4"/>
+          <p:cNvSpPr/>
+          <p:nvPr/>
+        </p:nvSpPr>
+        <p:spPr>
+          <a:xfrm>
+            <a:off x="3175" y="6400800"/>
+            <a:ext cx="12188825" cy="457200"/>
+          </a:xfrm>
+          <a:prstGeom prst="rect">
+            <a:avLst/>
+          </a:prstGeom>
+          <a:solidFill>
+            <a:schemeClr val="accent2"/>
+          </a:solidFill>
+          <a:ln>
+            <a:noFill/>
+          </a:ln>
+        </p:spPr>
+        <p:style>
+          <a:lnRef idx="2">
+            <a:schemeClr val="accent1">
+              <a:shade val="50000"/>
+            </a:schemeClr>
+          </a:lnRef>
+          <a:fillRef idx="1">
+            <a:schemeClr val="accent1"/>
+          </a:fillRef>
+          <a:effectRef idx="0">
+            <a:schemeClr val="accent1"/>
+          </a:effectRef>
+          <a:fontRef idx="minor">
+            <a:schemeClr val="lt1"/>
+          </a:fontRef>
+        </p:style>
+      </p:sp>
+      <p:sp>
+        <p:nvSpPr>
+          <p:cNvPr id="6" name="Rectangle 5"/>
+          <p:cNvSpPr/>
+          <p:nvPr/>
+        </p:nvSpPr>
+        <p:spPr>
+          <a:xfrm>
+            <a:off x="15" y="6334316"/>
+            <a:ext cx="12188825" cy="64008"/>
+          </a:xfrm>
+          <a:prstGeom prst="rect">
+            <a:avLst/>
+          </a:prstGeom>
+          <a:solidFill>
+            <a:schemeClr val="accent1"/>
+          </a:solidFill>
+          <a:ln>
+            <a:noFill/>
+          </a:ln>
+        </p:spPr>
+        <p:style>
+          <a:lnRef idx="2">
+            <a:schemeClr val="accent1">
+              <a:shade val="50000"/>
+            </a:schemeClr>
+          </a:lnRef>
+          <a:fillRef idx="1">
+            <a:schemeClr val="accent1"/>
+          </a:fillRef>
+          <a:effectRef idx="0">
+            <a:schemeClr val="accent1"/>
+          </a:effectRef>
+          <a:fontRef idx="minor">
+            <a:schemeClr val="lt1"/>
+          </a:fontRef>
+        </p:style>
+      </p:sp>
+      <p:sp>
+        <p:nvSpPr>
+          <p:cNvPr id="7" name="Date Placeholder 6"/>
           <p:cNvSpPr>
             <a:spLocks noGrp="1"/>
           </p:cNvSpPr>
@@ -3385,13 +3651,7 @@
       </p:sp>
       <p:sp>
         <p:nvSpPr>
-          <p:cNvPr id="3" name="Marcador de pie de página 2">
-            <a:extLst>
-              <a:ext uri="{FF2B5EF4-FFF2-40B4-BE49-F238E27FC236}">
-                <a16:creationId xmlns:a16="http://schemas.microsoft.com/office/drawing/2014/main" id="{4323A580-2B8E-43B2-AD51-A77C0DE68B04}"/>
-              </a:ext>
-            </a:extLst>
-          </p:cNvPr>
+          <p:cNvPr id="8" name="Footer Placeholder 7"/>
           <p:cNvSpPr>
             <a:spLocks noGrp="1"/>
           </p:cNvSpPr>
@@ -3402,7 +3662,15 @@
         <p:spPr/>
         <p:txBody>
           <a:bodyPr/>
-          <a:lstStyle/>
+          <a:lstStyle>
+            <a:lvl1pPr>
+              <a:defRPr>
+                <a:solidFill>
+                  <a:srgbClr val="FFFFFF"/>
+                </a:solidFill>
+              </a:defRPr>
+            </a:lvl1pPr>
+          </a:lstStyle>
           <a:p>
             <a:endParaRPr lang="es-PE"/>
           </a:p>
@@ -3410,13 +3678,7 @@
       </p:sp>
       <p:sp>
         <p:nvSpPr>
-          <p:cNvPr id="4" name="Marcador de número de diapositiva 3">
-            <a:extLst>
-              <a:ext uri="{FF2B5EF4-FFF2-40B4-BE49-F238E27FC236}">
-                <a16:creationId xmlns:a16="http://schemas.microsoft.com/office/drawing/2014/main" id="{E4B8C9BA-2824-4401-B4BC-E864C0F6A566}"/>
-              </a:ext>
-            </a:extLst>
-          </p:cNvPr>
+          <p:cNvPr id="9" name="Slide Number Placeholder 8"/>
           <p:cNvSpPr>
             <a:spLocks noGrp="1"/>
           </p:cNvSpPr>
@@ -3440,7 +3702,7 @@
     </p:spTree>
     <p:extLst>
       <p:ext uri="{BB962C8B-B14F-4D97-AF65-F5344CB8AC3E}">
-        <p14:creationId xmlns:p14="http://schemas.microsoft.com/office/powerpoint/2010/main" val="2678086236"/>
+        <p14:creationId xmlns:p14="http://schemas.microsoft.com/office/powerpoint/2010/main" val="4218586164"/>
       </p:ext>
     </p:extLst>
   </p:cSld>
@@ -3451,7 +3713,7 @@
 </file>
 
 <file path=ppt/slideLayouts/slideLayout8.xml><?xml version="1.0" encoding="utf-8"?>
-<p:sldLayout xmlns:a="http://schemas.openxmlformats.org/drawingml/2006/main" xmlns:r="http://schemas.openxmlformats.org/officeDocument/2006/relationships" xmlns:p="http://schemas.openxmlformats.org/presentationml/2006/main" type="objTx" preserve="1">
+<p:sldLayout xmlns:a="http://schemas.openxmlformats.org/drawingml/2006/main" xmlns:r="http://schemas.openxmlformats.org/officeDocument/2006/relationships" xmlns:p="http://schemas.openxmlformats.org/presentationml/2006/main" showMasterSp="0" type="objTx" preserve="1">
   <p:cSld name="Contenido con título">
     <p:spTree>
       <p:nvGrpSpPr>
@@ -3469,13 +3731,83 @@
       </p:grpSpPr>
       <p:sp>
         <p:nvSpPr>
-          <p:cNvPr id="2" name="Título 1">
-            <a:extLst>
-              <a:ext uri="{FF2B5EF4-FFF2-40B4-BE49-F238E27FC236}">
-                <a16:creationId xmlns:a16="http://schemas.microsoft.com/office/drawing/2014/main" id="{C76817B0-B63D-473F-8F65-7A3064BCD841}"/>
-              </a:ext>
-            </a:extLst>
-          </p:cNvPr>
+          <p:cNvPr id="8" name="Rectangle 7"/>
+          <p:cNvSpPr/>
+          <p:nvPr/>
+        </p:nvSpPr>
+        <p:spPr>
+          <a:xfrm>
+            <a:off x="16" y="0"/>
+            <a:ext cx="4050791" cy="6858000"/>
+          </a:xfrm>
+          <a:prstGeom prst="rect">
+            <a:avLst/>
+          </a:prstGeom>
+          <a:solidFill>
+            <a:schemeClr val="accent2"/>
+          </a:solidFill>
+          <a:ln>
+            <a:noFill/>
+          </a:ln>
+        </p:spPr>
+        <p:style>
+          <a:lnRef idx="2">
+            <a:schemeClr val="accent1">
+              <a:shade val="50000"/>
+            </a:schemeClr>
+          </a:lnRef>
+          <a:fillRef idx="1">
+            <a:schemeClr val="accent1"/>
+          </a:fillRef>
+          <a:effectRef idx="0">
+            <a:schemeClr val="accent1"/>
+          </a:effectRef>
+          <a:fontRef idx="minor">
+            <a:schemeClr val="lt1"/>
+          </a:fontRef>
+        </p:style>
+      </p:sp>
+      <p:sp>
+        <p:nvSpPr>
+          <p:cNvPr id="9" name="Rectangle 8"/>
+          <p:cNvSpPr/>
+          <p:nvPr/>
+        </p:nvSpPr>
+        <p:spPr>
+          <a:xfrm>
+            <a:off x="4040071" y="0"/>
+            <a:ext cx="64008" cy="6858000"/>
+          </a:xfrm>
+          <a:prstGeom prst="rect">
+            <a:avLst/>
+          </a:prstGeom>
+          <a:solidFill>
+            <a:schemeClr val="accent1"/>
+          </a:solidFill>
+          <a:ln>
+            <a:noFill/>
+          </a:ln>
+        </p:spPr>
+        <p:style>
+          <a:lnRef idx="2">
+            <a:schemeClr val="accent1">
+              <a:shade val="50000"/>
+            </a:schemeClr>
+          </a:lnRef>
+          <a:fillRef idx="1">
+            <a:schemeClr val="accent1"/>
+          </a:fillRef>
+          <a:effectRef idx="0">
+            <a:schemeClr val="accent1"/>
+          </a:effectRef>
+          <a:fontRef idx="minor">
+            <a:schemeClr val="lt1"/>
+          </a:fontRef>
+        </p:style>
+      </p:sp>
+      <p:sp>
+        <p:nvSpPr>
+          <p:cNvPr id="2" name="Title 1"/>
           <p:cNvSpPr>
             <a:spLocks noGrp="1"/>
           </p:cNvSpPr>
@@ -3485,15 +3817,21 @@
         </p:nvSpPr>
         <p:spPr>
           <a:xfrm>
-            <a:off x="839788" y="457200"/>
-            <a:ext cx="3932237" cy="1600200"/>
+            <a:off x="457200" y="594359"/>
+            <a:ext cx="3200400" cy="2286000"/>
           </a:xfrm>
         </p:spPr>
         <p:txBody>
-          <a:bodyPr anchor="b"/>
+          <a:bodyPr anchor="b">
+            <a:normAutofit/>
+          </a:bodyPr>
           <a:lstStyle>
             <a:lvl1pPr>
-              <a:defRPr sz="3200"/>
+              <a:defRPr sz="3600" b="0">
+                <a:solidFill>
+                  <a:srgbClr val="FFFFFF"/>
+                </a:solidFill>
+              </a:defRPr>
             </a:lvl1pPr>
           </a:lstStyle>
           <a:p>
@@ -3501,19 +3839,13 @@
               <a:rPr lang="es-ES"/>
               <a:t>Haga clic para modificar el estilo de título del patrón</a:t>
             </a:r>
-            <a:endParaRPr lang="es-PE"/>
+            <a:endParaRPr lang="en-US" dirty="0"/>
           </a:p>
         </p:txBody>
       </p:sp>
       <p:sp>
         <p:nvSpPr>
-          <p:cNvPr id="3" name="Marcador de contenido 2">
-            <a:extLst>
-              <a:ext uri="{FF2B5EF4-FFF2-40B4-BE49-F238E27FC236}">
-                <a16:creationId xmlns:a16="http://schemas.microsoft.com/office/drawing/2014/main" id="{0036B11D-732A-432F-8CB9-B42A7CCBCC4E}"/>
-              </a:ext>
-            </a:extLst>
-          </p:cNvPr>
+          <p:cNvPr id="3" name="Content Placeholder 2"/>
           <p:cNvSpPr>
             <a:spLocks noGrp="1"/>
           </p:cNvSpPr>
@@ -3523,224 +3855,208 @@
         </p:nvSpPr>
         <p:spPr>
           <a:xfrm>
-            <a:off x="5183188" y="987425"/>
-            <a:ext cx="6172200" cy="4873625"/>
+            <a:off x="4800600" y="731520"/>
+            <a:ext cx="6492240" cy="5257800"/>
+          </a:xfrm>
+        </p:spPr>
+        <p:txBody>
+          <a:bodyPr/>
+          <a:lstStyle/>
+          <a:p>
+            <a:pPr lvl="0"/>
+            <a:r>
+              <a:rPr lang="es-ES"/>
+              <a:t>Haga clic para modificar los estilos de texto del patrón</a:t>
+            </a:r>
+          </a:p>
+          <a:p>
+            <a:pPr lvl="1"/>
+            <a:r>
+              <a:rPr lang="es-ES"/>
+              <a:t>Segundo nivel</a:t>
+            </a:r>
+          </a:p>
+          <a:p>
+            <a:pPr lvl="2"/>
+            <a:r>
+              <a:rPr lang="es-ES"/>
+              <a:t>Tercer nivel</a:t>
+            </a:r>
+          </a:p>
+          <a:p>
+            <a:pPr lvl="3"/>
+            <a:r>
+              <a:rPr lang="es-ES"/>
+              <a:t>Cuarto nivel</a:t>
+            </a:r>
+          </a:p>
+          <a:p>
+            <a:pPr lvl="4"/>
+            <a:r>
+              <a:rPr lang="es-ES"/>
+              <a:t>Quinto nivel</a:t>
+            </a:r>
+            <a:endParaRPr lang="en-US" dirty="0"/>
+          </a:p>
+        </p:txBody>
+      </p:sp>
+      <p:sp>
+        <p:nvSpPr>
+          <p:cNvPr id="4" name="Text Placeholder 3"/>
+          <p:cNvSpPr>
+            <a:spLocks noGrp="1"/>
+          </p:cNvSpPr>
+          <p:nvPr>
+            <p:ph type="body" sz="half" idx="2"/>
+          </p:nvPr>
+        </p:nvSpPr>
+        <p:spPr>
+          <a:xfrm>
+            <a:off x="457200" y="2926080"/>
+            <a:ext cx="3200400" cy="3379124"/>
+          </a:xfrm>
+        </p:spPr>
+        <p:txBody>
+          <a:bodyPr lIns="91440" rIns="91440">
+            <a:normAutofit/>
+          </a:bodyPr>
+          <a:lstStyle>
+            <a:lvl1pPr marL="0" indent="0">
+              <a:buNone/>
+              <a:defRPr sz="1500">
+                <a:solidFill>
+                  <a:srgbClr val="FFFFFF"/>
+                </a:solidFill>
+              </a:defRPr>
+            </a:lvl1pPr>
+            <a:lvl2pPr marL="457200" indent="0">
+              <a:buNone/>
+              <a:defRPr sz="1200"/>
+            </a:lvl2pPr>
+            <a:lvl3pPr marL="914400" indent="0">
+              <a:buNone/>
+              <a:defRPr sz="1000"/>
+            </a:lvl3pPr>
+            <a:lvl4pPr marL="1371600" indent="0">
+              <a:buNone/>
+              <a:defRPr sz="900"/>
+            </a:lvl4pPr>
+            <a:lvl5pPr marL="1828800" indent="0">
+              <a:buNone/>
+              <a:defRPr sz="900"/>
+            </a:lvl5pPr>
+            <a:lvl6pPr marL="2286000" indent="0">
+              <a:buNone/>
+              <a:defRPr sz="900"/>
+            </a:lvl6pPr>
+            <a:lvl7pPr marL="2743200" indent="0">
+              <a:buNone/>
+              <a:defRPr sz="900"/>
+            </a:lvl7pPr>
+            <a:lvl8pPr marL="3200400" indent="0">
+              <a:buNone/>
+              <a:defRPr sz="900"/>
+            </a:lvl8pPr>
+            <a:lvl9pPr marL="3657600" indent="0">
+              <a:buNone/>
+              <a:defRPr sz="900"/>
+            </a:lvl9pPr>
+          </a:lstStyle>
+          <a:p>
+            <a:pPr lvl="0"/>
+            <a:r>
+              <a:rPr lang="es-ES"/>
+              <a:t>Haga clic para modificar los estilos de texto del patrón</a:t>
+            </a:r>
+          </a:p>
+        </p:txBody>
+      </p:sp>
+      <p:sp>
+        <p:nvSpPr>
+          <p:cNvPr id="5" name="Date Placeholder 4"/>
+          <p:cNvSpPr>
+            <a:spLocks noGrp="1"/>
+          </p:cNvSpPr>
+          <p:nvPr>
+            <p:ph type="dt" sz="half" idx="10"/>
+          </p:nvPr>
+        </p:nvSpPr>
+        <p:spPr>
+          <a:xfrm>
+            <a:off x="465512" y="6459785"/>
+            <a:ext cx="2618510" cy="365125"/>
           </a:xfrm>
         </p:spPr>
         <p:txBody>
           <a:bodyPr/>
           <a:lstStyle>
-            <a:lvl1pPr>
-              <a:defRPr sz="3200"/>
+            <a:lvl1pPr algn="l">
+              <a:defRPr/>
             </a:lvl1pPr>
-            <a:lvl2pPr>
-              <a:defRPr sz="2800"/>
-            </a:lvl2pPr>
-            <a:lvl3pPr>
-              <a:defRPr sz="2400"/>
-            </a:lvl3pPr>
-            <a:lvl4pPr>
-              <a:defRPr sz="2000"/>
-            </a:lvl4pPr>
-            <a:lvl5pPr>
-              <a:defRPr sz="2000"/>
-            </a:lvl5pPr>
-            <a:lvl6pPr>
-              <a:defRPr sz="2000"/>
-            </a:lvl6pPr>
-            <a:lvl7pPr>
-              <a:defRPr sz="2000"/>
-            </a:lvl7pPr>
-            <a:lvl8pPr>
-              <a:defRPr sz="2000"/>
-            </a:lvl8pPr>
-            <a:lvl9pPr>
-              <a:defRPr sz="2000"/>
-            </a:lvl9pPr>
           </a:lstStyle>
           <a:p>
-            <a:pPr lvl="0"/>
-            <a:r>
-              <a:rPr lang="es-ES"/>
-              <a:t>Haga clic para modificar los estilos de texto del patrón</a:t>
-            </a:r>
-          </a:p>
-          <a:p>
-            <a:pPr lvl="1"/>
-            <a:r>
-              <a:rPr lang="es-ES"/>
-              <a:t>Segundo nivel</a:t>
-            </a:r>
-          </a:p>
-          <a:p>
-            <a:pPr lvl="2"/>
-            <a:r>
-              <a:rPr lang="es-ES"/>
-              <a:t>Tercer nivel</a:t>
-            </a:r>
-          </a:p>
-          <a:p>
-            <a:pPr lvl="3"/>
-            <a:r>
-              <a:rPr lang="es-ES"/>
-              <a:t>Cuarto nivel</a:t>
-            </a:r>
-          </a:p>
-          <a:p>
-            <a:pPr lvl="4"/>
-            <a:r>
-              <a:rPr lang="es-ES"/>
-              <a:t>Quinto nivel</a:t>
-            </a:r>
+            <a:fld id="{84DE248C-07F7-42E3-8283-42E2516C9C01}" type="datetimeFigureOut">
+              <a:rPr lang="es-PE" smtClean="0"/>
+              <a:t>08/07/2020</a:t>
+            </a:fld>
             <a:endParaRPr lang="es-PE"/>
           </a:p>
         </p:txBody>
       </p:sp>
       <p:sp>
         <p:nvSpPr>
-          <p:cNvPr id="4" name="Marcador de texto 3">
-            <a:extLst>
-              <a:ext uri="{FF2B5EF4-FFF2-40B4-BE49-F238E27FC236}">
-                <a16:creationId xmlns:a16="http://schemas.microsoft.com/office/drawing/2014/main" id="{D9F56D07-49F6-4200-A8DA-8276014987B4}"/>
-              </a:ext>
-            </a:extLst>
-          </p:cNvPr>
+          <p:cNvPr id="6" name="Footer Placeholder 5"/>
           <p:cNvSpPr>
             <a:spLocks noGrp="1"/>
           </p:cNvSpPr>
           <p:nvPr>
-            <p:ph type="body" sz="half" idx="2"/>
+            <p:ph type="ftr" sz="quarter" idx="11"/>
           </p:nvPr>
         </p:nvSpPr>
         <p:spPr>
           <a:xfrm>
-            <a:off x="839788" y="2057400"/>
-            <a:ext cx="3932237" cy="3811588"/>
+            <a:off x="4800600" y="6459785"/>
+            <a:ext cx="4648200" cy="365125"/>
           </a:xfrm>
         </p:spPr>
         <p:txBody>
           <a:bodyPr/>
           <a:lstStyle>
-            <a:lvl1pPr marL="0" indent="0">
-              <a:buNone/>
-              <a:defRPr sz="1600"/>
+            <a:lvl1pPr algn="l">
+              <a:defRPr>
+                <a:solidFill>
+                  <a:schemeClr val="tx2"/>
+                </a:solidFill>
+              </a:defRPr>
             </a:lvl1pPr>
-            <a:lvl2pPr marL="457200" indent="0">
-              <a:buNone/>
-              <a:defRPr sz="1400"/>
-            </a:lvl2pPr>
-            <a:lvl3pPr marL="914400" indent="0">
-              <a:buNone/>
-              <a:defRPr sz="1200"/>
-            </a:lvl3pPr>
-            <a:lvl4pPr marL="1371600" indent="0">
-              <a:buNone/>
-              <a:defRPr sz="1000"/>
-            </a:lvl4pPr>
-            <a:lvl5pPr marL="1828800" indent="0">
-              <a:buNone/>
-              <a:defRPr sz="1000"/>
-            </a:lvl5pPr>
-            <a:lvl6pPr marL="2286000" indent="0">
-              <a:buNone/>
-              <a:defRPr sz="1000"/>
-            </a:lvl6pPr>
-            <a:lvl7pPr marL="2743200" indent="0">
-              <a:buNone/>
-              <a:defRPr sz="1000"/>
-            </a:lvl7pPr>
-            <a:lvl8pPr marL="3200400" indent="0">
-              <a:buNone/>
-              <a:defRPr sz="1000"/>
-            </a:lvl8pPr>
-            <a:lvl9pPr marL="3657600" indent="0">
-              <a:buNone/>
-              <a:defRPr sz="1000"/>
-            </a:lvl9pPr>
           </a:lstStyle>
           <a:p>
-            <a:pPr lvl="0"/>
-            <a:r>
-              <a:rPr lang="es-ES"/>
-              <a:t>Haga clic para modificar los estilos de texto del patrón</a:t>
-            </a:r>
+            <a:endParaRPr lang="es-PE"/>
           </a:p>
         </p:txBody>
       </p:sp>
       <p:sp>
         <p:nvSpPr>
-          <p:cNvPr id="5" name="Marcador de fecha 4">
-            <a:extLst>
-              <a:ext uri="{FF2B5EF4-FFF2-40B4-BE49-F238E27FC236}">
-                <a16:creationId xmlns:a16="http://schemas.microsoft.com/office/drawing/2014/main" id="{3009F8CB-3C10-4154-90F9-B06C327D8589}"/>
-              </a:ext>
-            </a:extLst>
-          </p:cNvPr>
+          <p:cNvPr id="7" name="Slide Number Placeholder 6"/>
           <p:cNvSpPr>
             <a:spLocks noGrp="1"/>
           </p:cNvSpPr>
           <p:nvPr>
-            <p:ph type="dt" sz="half" idx="10"/>
+            <p:ph type="sldNum" sz="quarter" idx="12"/>
           </p:nvPr>
         </p:nvSpPr>
         <p:spPr/>
         <p:txBody>
           <a:bodyPr/>
-          <a:lstStyle/>
-          <a:p>
-            <a:fld id="{84DE248C-07F7-42E3-8283-42E2516C9C01}" type="datetimeFigureOut">
-              <a:rPr lang="es-PE" smtClean="0"/>
-              <a:t>08/07/2020</a:t>
-            </a:fld>
-            <a:endParaRPr lang="es-PE"/>
-          </a:p>
-        </p:txBody>
-      </p:sp>
-      <p:sp>
-        <p:nvSpPr>
-          <p:cNvPr id="6" name="Marcador de pie de página 5">
-            <a:extLst>
-              <a:ext uri="{FF2B5EF4-FFF2-40B4-BE49-F238E27FC236}">
-                <a16:creationId xmlns:a16="http://schemas.microsoft.com/office/drawing/2014/main" id="{C994D6A5-8023-418E-AC68-BF0E15A41FC2}"/>
-              </a:ext>
-            </a:extLst>
-          </p:cNvPr>
-          <p:cNvSpPr>
-            <a:spLocks noGrp="1"/>
-          </p:cNvSpPr>
-          <p:nvPr>
-            <p:ph type="ftr" sz="quarter" idx="11"/>
-          </p:nvPr>
-        </p:nvSpPr>
-        <p:spPr/>
-        <p:txBody>
-          <a:bodyPr/>
-          <a:lstStyle/>
-          <a:p>
-            <a:endParaRPr lang="es-PE"/>
-          </a:p>
-        </p:txBody>
-      </p:sp>
-      <p:sp>
-        <p:nvSpPr>
-          <p:cNvPr id="7" name="Marcador de número de diapositiva 6">
-            <a:extLst>
-              <a:ext uri="{FF2B5EF4-FFF2-40B4-BE49-F238E27FC236}">
-                <a16:creationId xmlns:a16="http://schemas.microsoft.com/office/drawing/2014/main" id="{0A68D5B6-CC0B-4801-B877-994F63B961E5}"/>
-              </a:ext>
-            </a:extLst>
-          </p:cNvPr>
-          <p:cNvSpPr>
-            <a:spLocks noGrp="1"/>
-          </p:cNvSpPr>
-          <p:nvPr>
-            <p:ph type="sldNum" sz="quarter" idx="12"/>
-          </p:nvPr>
-        </p:nvSpPr>
-        <p:spPr/>
-        <p:txBody>
-          <a:bodyPr/>
-          <a:lstStyle/>
+          <a:lstStyle>
+            <a:lvl1pPr>
+              <a:defRPr>
+                <a:solidFill>
+                  <a:schemeClr val="tx2"/>
+                </a:solidFill>
+              </a:defRPr>
+            </a:lvl1pPr>
+          </a:lstStyle>
           <a:p>
             <a:fld id="{D7E7A949-8724-4359-B1D9-7A7E33D7FB1B}" type="slidenum">
               <a:rPr lang="es-PE" smtClean="0"/>
@@ -3753,7 +4069,7 @@
     </p:spTree>
     <p:extLst>
       <p:ext uri="{BB962C8B-B14F-4D97-AF65-F5344CB8AC3E}">
-        <p14:creationId xmlns:p14="http://schemas.microsoft.com/office/powerpoint/2010/main" val="2022615062"/>
+        <p14:creationId xmlns:p14="http://schemas.microsoft.com/office/powerpoint/2010/main" val="224543123"/>
       </p:ext>
     </p:extLst>
   </p:cSld>
@@ -3764,7 +4080,7 @@
 </file>
 
 <file path=ppt/slideLayouts/slideLayout9.xml><?xml version="1.0" encoding="utf-8"?>
-<p:sldLayout xmlns:a="http://schemas.openxmlformats.org/drawingml/2006/main" xmlns:r="http://schemas.openxmlformats.org/officeDocument/2006/relationships" xmlns:p="http://schemas.openxmlformats.org/presentationml/2006/main" type="picTx" preserve="1">
+<p:sldLayout xmlns:a="http://schemas.openxmlformats.org/drawingml/2006/main" xmlns:r="http://schemas.openxmlformats.org/officeDocument/2006/relationships" xmlns:p="http://schemas.openxmlformats.org/presentationml/2006/main" showMasterSp="0" type="picTx" preserve="1">
   <p:cSld name="Imagen con título">
     <p:spTree>
       <p:nvGrpSpPr>
@@ -3782,13 +4098,83 @@
       </p:grpSpPr>
       <p:sp>
         <p:nvSpPr>
-          <p:cNvPr id="2" name="Título 1">
-            <a:extLst>
-              <a:ext uri="{FF2B5EF4-FFF2-40B4-BE49-F238E27FC236}">
-                <a16:creationId xmlns:a16="http://schemas.microsoft.com/office/drawing/2014/main" id="{55402659-E890-4791-A1E6-C6934E0ACDA3}"/>
-              </a:ext>
-            </a:extLst>
-          </p:cNvPr>
+          <p:cNvPr id="8" name="Rectangle 7"/>
+          <p:cNvSpPr/>
+          <p:nvPr/>
+        </p:nvSpPr>
+        <p:spPr>
+          <a:xfrm>
+            <a:off x="0" y="4953000"/>
+            <a:ext cx="12188825" cy="1905000"/>
+          </a:xfrm>
+          <a:prstGeom prst="rect">
+            <a:avLst/>
+          </a:prstGeom>
+          <a:solidFill>
+            <a:schemeClr val="accent2"/>
+          </a:solidFill>
+          <a:ln>
+            <a:noFill/>
+          </a:ln>
+        </p:spPr>
+        <p:style>
+          <a:lnRef idx="2">
+            <a:schemeClr val="accent1">
+              <a:shade val="50000"/>
+            </a:schemeClr>
+          </a:lnRef>
+          <a:fillRef idx="1">
+            <a:schemeClr val="accent1"/>
+          </a:fillRef>
+          <a:effectRef idx="0">
+            <a:schemeClr val="accent1"/>
+          </a:effectRef>
+          <a:fontRef idx="minor">
+            <a:schemeClr val="lt1"/>
+          </a:fontRef>
+        </p:style>
+      </p:sp>
+      <p:sp>
+        <p:nvSpPr>
+          <p:cNvPr id="9" name="Rectangle 8"/>
+          <p:cNvSpPr/>
+          <p:nvPr/>
+        </p:nvSpPr>
+        <p:spPr>
+          <a:xfrm>
+            <a:off x="15" y="4915076"/>
+            <a:ext cx="12188825" cy="64008"/>
+          </a:xfrm>
+          <a:prstGeom prst="rect">
+            <a:avLst/>
+          </a:prstGeom>
+          <a:solidFill>
+            <a:schemeClr val="accent1"/>
+          </a:solidFill>
+          <a:ln>
+            <a:noFill/>
+          </a:ln>
+        </p:spPr>
+        <p:style>
+          <a:lnRef idx="2">
+            <a:schemeClr val="accent1">
+              <a:shade val="50000"/>
+            </a:schemeClr>
+          </a:lnRef>
+          <a:fillRef idx="1">
+            <a:schemeClr val="accent1"/>
+          </a:fillRef>
+          <a:effectRef idx="0">
+            <a:schemeClr val="accent1"/>
+          </a:effectRef>
+          <a:fontRef idx="minor">
+            <a:schemeClr val="lt1"/>
+          </a:fontRef>
+        </p:style>
+      </p:sp>
+      <p:sp>
+        <p:nvSpPr>
+          <p:cNvPr id="2" name="Title 1"/>
           <p:cNvSpPr>
             <a:spLocks noGrp="1"/>
           </p:cNvSpPr>
@@ -3798,15 +4184,21 @@
         </p:nvSpPr>
         <p:spPr>
           <a:xfrm>
-            <a:off x="839788" y="457200"/>
-            <a:ext cx="3932237" cy="1600200"/>
+            <a:off x="1097280" y="5074920"/>
+            <a:ext cx="10113264" cy="822960"/>
           </a:xfrm>
         </p:spPr>
         <p:txBody>
-          <a:bodyPr anchor="b"/>
+          <a:bodyPr lIns="91440" tIns="0" rIns="91440" bIns="0" anchor="b">
+            <a:noAutofit/>
+          </a:bodyPr>
           <a:lstStyle>
             <a:lvl1pPr>
-              <a:defRPr sz="3200"/>
+              <a:defRPr sz="3600" b="0">
+                <a:solidFill>
+                  <a:srgbClr val="FFFFFF"/>
+                </a:solidFill>
+              </a:defRPr>
             </a:lvl1pPr>
           </a:lstStyle>
           <a:p>
@@ -3814,21 +4206,15 @@
               <a:rPr lang="es-ES"/>
               <a:t>Haga clic para modificar el estilo de título del patrón</a:t>
             </a:r>
-            <a:endParaRPr lang="es-PE"/>
+            <a:endParaRPr lang="en-US" dirty="0"/>
           </a:p>
         </p:txBody>
       </p:sp>
       <p:sp>
         <p:nvSpPr>
-          <p:cNvPr id="3" name="Marcador de posición de imagen 2">
-            <a:extLst>
-              <a:ext uri="{FF2B5EF4-FFF2-40B4-BE49-F238E27FC236}">
-                <a16:creationId xmlns:a16="http://schemas.microsoft.com/office/drawing/2014/main" id="{7452E9E4-12E2-4CEA-8232-EBF6465FB9DB}"/>
-              </a:ext>
-            </a:extLst>
-          </p:cNvPr>
+          <p:cNvPr id="3" name="Picture Placeholder 2"/>
           <p:cNvSpPr>
-            <a:spLocks noGrp="1"/>
+            <a:spLocks noGrp="1" noChangeAspect="1"/>
           </p:cNvSpPr>
           <p:nvPr>
             <p:ph type="pic" idx="1"/>
@@ -3836,115 +4222,135 @@
         </p:nvSpPr>
         <p:spPr>
           <a:xfrm>
-            <a:off x="5183188" y="987425"/>
-            <a:ext cx="6172200" cy="4873625"/>
+            <a:off x="15" y="0"/>
+            <a:ext cx="12191985" cy="4915076"/>
+          </a:xfrm>
+          <a:blipFill>
+            <a:blip r:embed="rId2"/>
+            <a:stretch>
+              <a:fillRect/>
+            </a:stretch>
+          </a:blipFill>
+        </p:spPr>
+        <p:txBody>
+          <a:bodyPr lIns="457200" tIns="457200" anchor="t"/>
+          <a:lstStyle>
+            <a:lvl1pPr marL="0" indent="0">
+              <a:buNone/>
+              <a:defRPr sz="3200">
+                <a:solidFill>
+                  <a:schemeClr val="bg1"/>
+                </a:solidFill>
+              </a:defRPr>
+            </a:lvl1pPr>
+            <a:lvl2pPr marL="457200" indent="0">
+              <a:buNone/>
+              <a:defRPr sz="2800"/>
+            </a:lvl2pPr>
+            <a:lvl3pPr marL="914400" indent="0">
+              <a:buNone/>
+              <a:defRPr sz="2400"/>
+            </a:lvl3pPr>
+            <a:lvl4pPr marL="1371600" indent="0">
+              <a:buNone/>
+              <a:defRPr sz="2000"/>
+            </a:lvl4pPr>
+            <a:lvl5pPr marL="1828800" indent="0">
+              <a:buNone/>
+              <a:defRPr sz="2000"/>
+            </a:lvl5pPr>
+            <a:lvl6pPr marL="2286000" indent="0">
+              <a:buNone/>
+              <a:defRPr sz="2000"/>
+            </a:lvl6pPr>
+            <a:lvl7pPr marL="2743200" indent="0">
+              <a:buNone/>
+              <a:defRPr sz="2000"/>
+            </a:lvl7pPr>
+            <a:lvl8pPr marL="3200400" indent="0">
+              <a:buNone/>
+              <a:defRPr sz="2000"/>
+            </a:lvl8pPr>
+            <a:lvl9pPr marL="3657600" indent="0">
+              <a:buNone/>
+              <a:defRPr sz="2000"/>
+            </a:lvl9pPr>
+          </a:lstStyle>
+          <a:p>
+            <a:r>
+              <a:rPr lang="es-ES"/>
+              <a:t>Haga clic en el icono para agregar una imagen</a:t>
+            </a:r>
+            <a:endParaRPr lang="en-US" dirty="0"/>
+          </a:p>
+        </p:txBody>
+      </p:sp>
+      <p:sp>
+        <p:nvSpPr>
+          <p:cNvPr id="4" name="Text Placeholder 3"/>
+          <p:cNvSpPr>
+            <a:spLocks noGrp="1"/>
+          </p:cNvSpPr>
+          <p:nvPr>
+            <p:ph type="body" sz="half" idx="2"/>
+          </p:nvPr>
+        </p:nvSpPr>
+        <p:spPr>
+          <a:xfrm>
+            <a:off x="1097280" y="5907023"/>
+            <a:ext cx="10113264" cy="594360"/>
           </a:xfrm>
         </p:spPr>
         <p:txBody>
-          <a:bodyPr/>
+          <a:bodyPr lIns="91440" tIns="0" rIns="91440" bIns="0">
+            <a:normAutofit/>
+          </a:bodyPr>
           <a:lstStyle>
             <a:lvl1pPr marL="0" indent="0">
-              <a:buNone/>
-              <a:defRPr sz="3200"/>
+              <a:spcBef>
+                <a:spcPts val="0"/>
+              </a:spcBef>
+              <a:spcAft>
+                <a:spcPts val="600"/>
+              </a:spcAft>
+              <a:buNone/>
+              <a:defRPr sz="1500">
+                <a:solidFill>
+                  <a:srgbClr val="FFFFFF"/>
+                </a:solidFill>
+              </a:defRPr>
             </a:lvl1pPr>
             <a:lvl2pPr marL="457200" indent="0">
               <a:buNone/>
-              <a:defRPr sz="2800"/>
+              <a:defRPr sz="1200"/>
             </a:lvl2pPr>
             <a:lvl3pPr marL="914400" indent="0">
               <a:buNone/>
-              <a:defRPr sz="2400"/>
+              <a:defRPr sz="1000"/>
             </a:lvl3pPr>
             <a:lvl4pPr marL="1371600" indent="0">
               <a:buNone/>
-              <a:defRPr sz="2000"/>
+              <a:defRPr sz="900"/>
             </a:lvl4pPr>
             <a:lvl5pPr marL="1828800" indent="0">
               <a:buNone/>
-              <a:defRPr sz="2000"/>
+              <a:defRPr sz="900"/>
             </a:lvl5pPr>
             <a:lvl6pPr marL="2286000" indent="0">
               <a:buNone/>
-              <a:defRPr sz="2000"/>
+              <a:defRPr sz="900"/>
             </a:lvl6pPr>
             <a:lvl7pPr marL="2743200" indent="0">
               <a:buNone/>
-              <a:defRPr sz="2000"/>
+              <a:defRPr sz="900"/>
             </a:lvl7pPr>
             <a:lvl8pPr marL="3200400" indent="0">
               <a:buNone/>
-              <a:defRPr sz="2000"/>
+              <a:defRPr sz="900"/>
             </a:lvl8pPr>
             <a:lvl9pPr marL="3657600" indent="0">
               <a:buNone/>
-              <a:defRPr sz="2000"/>
-            </a:lvl9pPr>
-          </a:lstStyle>
-          <a:p>
-            <a:endParaRPr lang="es-PE"/>
-          </a:p>
-        </p:txBody>
-      </p:sp>
-      <p:sp>
-        <p:nvSpPr>
-          <p:cNvPr id="4" name="Marcador de texto 3">
-            <a:extLst>
-              <a:ext uri="{FF2B5EF4-FFF2-40B4-BE49-F238E27FC236}">
-                <a16:creationId xmlns:a16="http://schemas.microsoft.com/office/drawing/2014/main" id="{B22EE2FC-ED63-4B08-853C-66D28AE190A5}"/>
-              </a:ext>
-            </a:extLst>
-          </p:cNvPr>
-          <p:cNvSpPr>
-            <a:spLocks noGrp="1"/>
-          </p:cNvSpPr>
-          <p:nvPr>
-            <p:ph type="body" sz="half" idx="2"/>
-          </p:nvPr>
-        </p:nvSpPr>
-        <p:spPr>
-          <a:xfrm>
-            <a:off x="839788" y="2057400"/>
-            <a:ext cx="3932237" cy="3811588"/>
-          </a:xfrm>
-        </p:spPr>
-        <p:txBody>
-          <a:bodyPr/>
-          <a:lstStyle>
-            <a:lvl1pPr marL="0" indent="0">
-              <a:buNone/>
-              <a:defRPr sz="1600"/>
-            </a:lvl1pPr>
-            <a:lvl2pPr marL="457200" indent="0">
-              <a:buNone/>
-              <a:defRPr sz="1400"/>
-            </a:lvl2pPr>
-            <a:lvl3pPr marL="914400" indent="0">
-              <a:buNone/>
-              <a:defRPr sz="1200"/>
-            </a:lvl3pPr>
-            <a:lvl4pPr marL="1371600" indent="0">
-              <a:buNone/>
-              <a:defRPr sz="1000"/>
-            </a:lvl4pPr>
-            <a:lvl5pPr marL="1828800" indent="0">
-              <a:buNone/>
-              <a:defRPr sz="1000"/>
-            </a:lvl5pPr>
-            <a:lvl6pPr marL="2286000" indent="0">
-              <a:buNone/>
-              <a:defRPr sz="1000"/>
-            </a:lvl6pPr>
-            <a:lvl7pPr marL="2743200" indent="0">
-              <a:buNone/>
-              <a:defRPr sz="1000"/>
-            </a:lvl7pPr>
-            <a:lvl8pPr marL="3200400" indent="0">
-              <a:buNone/>
-              <a:defRPr sz="1000"/>
-            </a:lvl8pPr>
-            <a:lvl9pPr marL="3657600" indent="0">
-              <a:buNone/>
-              <a:defRPr sz="1000"/>
+              <a:defRPr sz="900"/>
             </a:lvl9pPr>
           </a:lstStyle>
           <a:p>
@@ -3958,13 +4364,7 @@
       </p:sp>
       <p:sp>
         <p:nvSpPr>
-          <p:cNvPr id="5" name="Marcador de fecha 4">
-            <a:extLst>
-              <a:ext uri="{FF2B5EF4-FFF2-40B4-BE49-F238E27FC236}">
-                <a16:creationId xmlns:a16="http://schemas.microsoft.com/office/drawing/2014/main" id="{2F040111-4A7C-4DAB-B2C2-D30B5AC9743F}"/>
-              </a:ext>
-            </a:extLst>
-          </p:cNvPr>
+          <p:cNvPr id="5" name="Date Placeholder 4"/>
           <p:cNvSpPr>
             <a:spLocks noGrp="1"/>
           </p:cNvSpPr>
@@ -3987,13 +4387,7 @@
       </p:sp>
       <p:sp>
         <p:nvSpPr>
-          <p:cNvPr id="6" name="Marcador de pie de página 5">
-            <a:extLst>
-              <a:ext uri="{FF2B5EF4-FFF2-40B4-BE49-F238E27FC236}">
-                <a16:creationId xmlns:a16="http://schemas.microsoft.com/office/drawing/2014/main" id="{394E6B5E-B9E9-4960-A43C-AB91344B8A64}"/>
-              </a:ext>
-            </a:extLst>
-          </p:cNvPr>
+          <p:cNvPr id="6" name="Footer Placeholder 5"/>
           <p:cNvSpPr>
             <a:spLocks noGrp="1"/>
           </p:cNvSpPr>
@@ -4012,13 +4406,7 @@
       </p:sp>
       <p:sp>
         <p:nvSpPr>
-          <p:cNvPr id="7" name="Marcador de número de diapositiva 6">
-            <a:extLst>
-              <a:ext uri="{FF2B5EF4-FFF2-40B4-BE49-F238E27FC236}">
-                <a16:creationId xmlns:a16="http://schemas.microsoft.com/office/drawing/2014/main" id="{D50B6DFC-84CE-4E0F-ACFA-47545DD0C19A}"/>
-              </a:ext>
-            </a:extLst>
-          </p:cNvPr>
+          <p:cNvPr id="7" name="Slide Number Placeholder 6"/>
           <p:cNvSpPr>
             <a:spLocks noGrp="1"/>
           </p:cNvSpPr>
@@ -4042,7 +4430,7 @@
     </p:spTree>
     <p:extLst>
       <p:ext uri="{BB962C8B-B14F-4D97-AF65-F5344CB8AC3E}">
-        <p14:creationId xmlns:p14="http://schemas.microsoft.com/office/powerpoint/2010/main" val="2472917775"/>
+        <p14:creationId xmlns:p14="http://schemas.microsoft.com/office/powerpoint/2010/main" val="1982149492"/>
       </p:ext>
     </p:extLst>
   </p:cSld>
@@ -4076,13 +4464,83 @@
       </p:grpSpPr>
       <p:sp>
         <p:nvSpPr>
-          <p:cNvPr id="2" name="Marcador de título 1">
-            <a:extLst>
-              <a:ext uri="{FF2B5EF4-FFF2-40B4-BE49-F238E27FC236}">
-                <a16:creationId xmlns:a16="http://schemas.microsoft.com/office/drawing/2014/main" id="{1E35AD37-CCBA-407A-A4F1-EB9E2C2C71EE}"/>
-              </a:ext>
-            </a:extLst>
-          </p:cNvPr>
+          <p:cNvPr id="7" name="Rectangle 6"/>
+          <p:cNvSpPr/>
+          <p:nvPr/>
+        </p:nvSpPr>
+        <p:spPr>
+          <a:xfrm>
+            <a:off x="1" y="6400800"/>
+            <a:ext cx="12192000" cy="457200"/>
+          </a:xfrm>
+          <a:prstGeom prst="rect">
+            <a:avLst/>
+          </a:prstGeom>
+          <a:solidFill>
+            <a:schemeClr val="accent2"/>
+          </a:solidFill>
+          <a:ln>
+            <a:noFill/>
+          </a:ln>
+        </p:spPr>
+        <p:style>
+          <a:lnRef idx="2">
+            <a:schemeClr val="accent1">
+              <a:shade val="50000"/>
+            </a:schemeClr>
+          </a:lnRef>
+          <a:fillRef idx="1">
+            <a:schemeClr val="accent1"/>
+          </a:fillRef>
+          <a:effectRef idx="0">
+            <a:schemeClr val="accent1"/>
+          </a:effectRef>
+          <a:fontRef idx="minor">
+            <a:schemeClr val="lt1"/>
+          </a:fontRef>
+        </p:style>
+      </p:sp>
+      <p:sp>
+        <p:nvSpPr>
+          <p:cNvPr id="9" name="Rectangle 8"/>
+          <p:cNvSpPr/>
+          <p:nvPr/>
+        </p:nvSpPr>
+        <p:spPr>
+          <a:xfrm>
+            <a:off x="0" y="6334316"/>
+            <a:ext cx="12192001" cy="65998"/>
+          </a:xfrm>
+          <a:prstGeom prst="rect">
+            <a:avLst/>
+          </a:prstGeom>
+          <a:solidFill>
+            <a:schemeClr val="accent1"/>
+          </a:solidFill>
+          <a:ln>
+            <a:noFill/>
+          </a:ln>
+        </p:spPr>
+        <p:style>
+          <a:lnRef idx="2">
+            <a:schemeClr val="accent1">
+              <a:shade val="50000"/>
+            </a:schemeClr>
+          </a:lnRef>
+          <a:fillRef idx="1">
+            <a:schemeClr val="accent1"/>
+          </a:fillRef>
+          <a:effectRef idx="0">
+            <a:schemeClr val="accent1"/>
+          </a:effectRef>
+          <a:fontRef idx="minor">
+            <a:schemeClr val="lt1"/>
+          </a:fontRef>
+        </p:style>
+      </p:sp>
+      <p:sp>
+        <p:nvSpPr>
+          <p:cNvPr id="2" name="Title Placeholder 1"/>
           <p:cNvSpPr>
             <a:spLocks noGrp="1"/>
           </p:cNvSpPr>
@@ -4092,15 +4550,15 @@
         </p:nvSpPr>
         <p:spPr>
           <a:xfrm>
-            <a:off x="838200" y="365125"/>
-            <a:ext cx="10515600" cy="1325563"/>
+            <a:off x="1097280" y="286603"/>
+            <a:ext cx="10058400" cy="1450757"/>
           </a:xfrm>
           <a:prstGeom prst="rect">
             <a:avLst/>
           </a:prstGeom>
         </p:spPr>
         <p:txBody>
-          <a:bodyPr vert="horz" lIns="91440" tIns="45720" rIns="91440" bIns="45720" rtlCol="0" anchor="ctr">
+          <a:bodyPr vert="horz" lIns="91440" tIns="45720" rIns="91440" bIns="45720" rtlCol="0" anchor="b">
             <a:normAutofit/>
           </a:bodyPr>
           <a:lstStyle/>
@@ -4109,19 +4567,13 @@
               <a:rPr lang="es-ES"/>
               <a:t>Haga clic para modificar el estilo de título del patrón</a:t>
             </a:r>
-            <a:endParaRPr lang="es-PE"/>
+            <a:endParaRPr lang="en-US" dirty="0"/>
           </a:p>
         </p:txBody>
       </p:sp>
       <p:sp>
         <p:nvSpPr>
-          <p:cNvPr id="3" name="Marcador de texto 2">
-            <a:extLst>
-              <a:ext uri="{FF2B5EF4-FFF2-40B4-BE49-F238E27FC236}">
-                <a16:creationId xmlns:a16="http://schemas.microsoft.com/office/drawing/2014/main" id="{E9F2BE93-E7BB-48E5-A327-16F6785DD9E9}"/>
-              </a:ext>
-            </a:extLst>
-          </p:cNvPr>
+          <p:cNvPr id="3" name="Text Placeholder 2"/>
           <p:cNvSpPr>
             <a:spLocks noGrp="1"/>
           </p:cNvSpPr>
@@ -4131,15 +4583,15 @@
         </p:nvSpPr>
         <p:spPr>
           <a:xfrm>
-            <a:off x="838200" y="1825625"/>
-            <a:ext cx="10515600" cy="4351338"/>
+            <a:off x="1097280" y="1845734"/>
+            <a:ext cx="10058400" cy="4023360"/>
           </a:xfrm>
           <a:prstGeom prst="rect">
             <a:avLst/>
           </a:prstGeom>
         </p:spPr>
         <p:txBody>
-          <a:bodyPr vert="horz" lIns="91440" tIns="45720" rIns="91440" bIns="45720" rtlCol="0">
+          <a:bodyPr vert="horz" lIns="0" tIns="45720" rIns="0" bIns="45720" rtlCol="0">
             <a:normAutofit/>
           </a:bodyPr>
           <a:lstStyle/>
@@ -4177,19 +4629,13 @@
               <a:rPr lang="es-ES"/>
               <a:t>Quinto nivel</a:t>
             </a:r>
-            <a:endParaRPr lang="es-PE"/>
+            <a:endParaRPr lang="en-US" dirty="0"/>
           </a:p>
         </p:txBody>
       </p:sp>
       <p:sp>
         <p:nvSpPr>
-          <p:cNvPr id="4" name="Marcador de fecha 3">
-            <a:extLst>
-              <a:ext uri="{FF2B5EF4-FFF2-40B4-BE49-F238E27FC236}">
-                <a16:creationId xmlns:a16="http://schemas.microsoft.com/office/drawing/2014/main" id="{FFCF58D8-19B9-4AC5-9FE8-944175600DC4}"/>
-              </a:ext>
-            </a:extLst>
-          </p:cNvPr>
+          <p:cNvPr id="4" name="Date Placeholder 3"/>
           <p:cNvSpPr>
             <a:spLocks noGrp="1"/>
           </p:cNvSpPr>
@@ -4199,8 +4645,8 @@
         </p:nvSpPr>
         <p:spPr>
           <a:xfrm>
-            <a:off x="838200" y="6356350"/>
-            <a:ext cx="2743200" cy="365125"/>
+            <a:off x="1097280" y="6459785"/>
+            <a:ext cx="2472271" cy="365125"/>
           </a:xfrm>
           <a:prstGeom prst="rect">
             <a:avLst/>
@@ -4210,11 +4656,9 @@
           <a:bodyPr vert="horz" lIns="91440" tIns="45720" rIns="91440" bIns="45720" rtlCol="0" anchor="ctr"/>
           <a:lstStyle>
             <a:lvl1pPr algn="l">
-              <a:defRPr sz="1200">
+              <a:defRPr sz="900">
                 <a:solidFill>
-                  <a:schemeClr val="tx1">
-                    <a:tint val="75000"/>
-                  </a:schemeClr>
+                  <a:srgbClr val="FFFFFF"/>
                 </a:solidFill>
               </a:defRPr>
             </a:lvl1pPr>
@@ -4230,13 +4674,7 @@
       </p:sp>
       <p:sp>
         <p:nvSpPr>
-          <p:cNvPr id="5" name="Marcador de pie de página 4">
-            <a:extLst>
-              <a:ext uri="{FF2B5EF4-FFF2-40B4-BE49-F238E27FC236}">
-                <a16:creationId xmlns:a16="http://schemas.microsoft.com/office/drawing/2014/main" id="{1141F2A2-DFCB-43F5-AA8D-6DD5AFD85E13}"/>
-              </a:ext>
-            </a:extLst>
-          </p:cNvPr>
+          <p:cNvPr id="5" name="Footer Placeholder 4"/>
           <p:cNvSpPr>
             <a:spLocks noGrp="1"/>
           </p:cNvSpPr>
@@ -4246,8 +4684,8 @@
         </p:nvSpPr>
         <p:spPr>
           <a:xfrm>
-            <a:off x="4038600" y="6356350"/>
-            <a:ext cx="4114800" cy="365125"/>
+            <a:off x="3686185" y="6459785"/>
+            <a:ext cx="4822804" cy="365125"/>
           </a:xfrm>
           <a:prstGeom prst="rect">
             <a:avLst/>
@@ -4257,11 +4695,9 @@
           <a:bodyPr vert="horz" lIns="91440" tIns="45720" rIns="91440" bIns="45720" rtlCol="0" anchor="ctr"/>
           <a:lstStyle>
             <a:lvl1pPr algn="ctr">
-              <a:defRPr sz="1200">
+              <a:defRPr sz="900" cap="all" baseline="0">
                 <a:solidFill>
-                  <a:schemeClr val="tx1">
-                    <a:tint val="75000"/>
-                  </a:schemeClr>
+                  <a:srgbClr val="FFFFFF"/>
                 </a:solidFill>
               </a:defRPr>
             </a:lvl1pPr>
@@ -4273,13 +4709,7 @@
       </p:sp>
       <p:sp>
         <p:nvSpPr>
-          <p:cNvPr id="6" name="Marcador de número de diapositiva 5">
-            <a:extLst>
-              <a:ext uri="{FF2B5EF4-FFF2-40B4-BE49-F238E27FC236}">
-                <a16:creationId xmlns:a16="http://schemas.microsoft.com/office/drawing/2014/main" id="{D1B40698-9BC4-4D1E-BB79-8EA7C59C2197}"/>
-              </a:ext>
-            </a:extLst>
-          </p:cNvPr>
+          <p:cNvPr id="6" name="Slide Number Placeholder 5"/>
           <p:cNvSpPr>
             <a:spLocks noGrp="1"/>
           </p:cNvSpPr>
@@ -4289,8 +4719,8 @@
         </p:nvSpPr>
         <p:spPr>
           <a:xfrm>
-            <a:off x="8610600" y="6356350"/>
-            <a:ext cx="2743200" cy="365125"/>
+            <a:off x="9900458" y="6459785"/>
+            <a:ext cx="1312025" cy="365125"/>
           </a:xfrm>
           <a:prstGeom prst="rect">
             <a:avLst/>
@@ -4300,11 +4730,9 @@
           <a:bodyPr vert="horz" lIns="91440" tIns="45720" rIns="91440" bIns="45720" rtlCol="0" anchor="ctr"/>
           <a:lstStyle>
             <a:lvl1pPr algn="r">
-              <a:defRPr sz="1200">
+              <a:defRPr sz="1050">
                 <a:solidFill>
-                  <a:schemeClr val="tx1">
-                    <a:tint val="75000"/>
-                  </a:schemeClr>
+                  <a:srgbClr val="FFFFFF"/>
                 </a:solidFill>
               </a:defRPr>
             </a:lvl1pPr>
@@ -4318,42 +4746,83 @@
           </a:p>
         </p:txBody>
       </p:sp>
+      <p:cxnSp>
+        <p:nvCxnSpPr>
+          <p:cNvPr id="10" name="Straight Connector 9"/>
+          <p:cNvCxnSpPr/>
+          <p:nvPr/>
+        </p:nvCxnSpPr>
+        <p:spPr>
+          <a:xfrm>
+            <a:off x="1193532" y="1737845"/>
+            <a:ext cx="9966960" cy="0"/>
+          </a:xfrm>
+          <a:prstGeom prst="line">
+            <a:avLst/>
+          </a:prstGeom>
+          <a:ln w="6350">
+            <a:solidFill>
+              <a:schemeClr val="tx1">
+                <a:lumMod val="50000"/>
+                <a:lumOff val="50000"/>
+              </a:schemeClr>
+            </a:solidFill>
+          </a:ln>
+        </p:spPr>
+        <p:style>
+          <a:lnRef idx="1">
+            <a:schemeClr val="accent1"/>
+          </a:lnRef>
+          <a:fillRef idx="0">
+            <a:schemeClr val="accent1"/>
+          </a:fillRef>
+          <a:effectRef idx="0">
+            <a:schemeClr val="accent1"/>
+          </a:effectRef>
+          <a:fontRef idx="minor">
+            <a:schemeClr val="tx1"/>
+          </a:fontRef>
+        </p:style>
+      </p:cxnSp>
     </p:spTree>
     <p:extLst>
       <p:ext uri="{BB962C8B-B14F-4D97-AF65-F5344CB8AC3E}">
-        <p14:creationId xmlns:p14="http://schemas.microsoft.com/office/powerpoint/2010/main" val="1816431272"/>
+        <p14:creationId xmlns:p14="http://schemas.microsoft.com/office/powerpoint/2010/main" val="140098605"/>
       </p:ext>
     </p:extLst>
   </p:cSld>
   <p:clrMap bg1="lt1" tx1="dk1" bg2="lt2" tx2="dk2" accent1="accent1" accent2="accent2" accent3="accent3" accent4="accent4" accent5="accent5" accent6="accent6" hlink="hlink" folHlink="folHlink"/>
   <p:sldLayoutIdLst>
-    <p:sldLayoutId id="2147483649" r:id="rId1"/>
-    <p:sldLayoutId id="2147483650" r:id="rId2"/>
-    <p:sldLayoutId id="2147483651" r:id="rId3"/>
-    <p:sldLayoutId id="2147483652" r:id="rId4"/>
-    <p:sldLayoutId id="2147483653" r:id="rId5"/>
-    <p:sldLayoutId id="2147483654" r:id="rId6"/>
-    <p:sldLayoutId id="2147483655" r:id="rId7"/>
-    <p:sldLayoutId id="2147483656" r:id="rId8"/>
-    <p:sldLayoutId id="2147483657" r:id="rId9"/>
-    <p:sldLayoutId id="2147483658" r:id="rId10"/>
-    <p:sldLayoutId id="2147483659" r:id="rId11"/>
-    <p:sldLayoutId id="2147483660" r:id="rId12"/>
-    <p:sldLayoutId id="2147483661" r:id="rId13"/>
+    <p:sldLayoutId id="2147483691" r:id="rId1"/>
+    <p:sldLayoutId id="2147483692" r:id="rId2"/>
+    <p:sldLayoutId id="2147483693" r:id="rId3"/>
+    <p:sldLayoutId id="2147483694" r:id="rId4"/>
+    <p:sldLayoutId id="2147483695" r:id="rId5"/>
+    <p:sldLayoutId id="2147483696" r:id="rId6"/>
+    <p:sldLayoutId id="2147483697" r:id="rId7"/>
+    <p:sldLayoutId id="2147483698" r:id="rId8"/>
+    <p:sldLayoutId id="2147483699" r:id="rId9"/>
+    <p:sldLayoutId id="2147483700" r:id="rId10"/>
+    <p:sldLayoutId id="2147483701" r:id="rId11"/>
+    <p:sldLayoutId id="2147483702" r:id="rId12"/>
+    <p:sldLayoutId id="2147483703" r:id="rId13"/>
   </p:sldLayoutIdLst>
   <p:txStyles>
     <p:titleStyle>
       <a:lvl1pPr algn="l" defTabSz="914400" rtl="0" eaLnBrk="1" latinLnBrk="0" hangingPunct="1">
         <a:lnSpc>
-          <a:spcPct val="90000"/>
+          <a:spcPct val="85000"/>
         </a:lnSpc>
         <a:spcBef>
           <a:spcPct val="0"/>
         </a:spcBef>
         <a:buNone/>
-        <a:defRPr sz="4400" kern="1200">
+        <a:defRPr sz="4800" kern="1200" spc="-50" baseline="0">
           <a:solidFill>
-            <a:schemeClr val="tx1"/>
+            <a:schemeClr val="tx1">
+              <a:lumMod val="75000"/>
+              <a:lumOff val="25000"/>
+            </a:schemeClr>
           </a:solidFill>
           <a:latin typeface="+mj-lt"/>
           <a:ea typeface="+mj-ea"/>
@@ -4362,162 +4831,244 @@
       </a:lvl1pPr>
     </p:titleStyle>
     <p:bodyStyle>
-      <a:lvl1pPr marL="228600" indent="-228600" algn="l" defTabSz="914400" rtl="0" eaLnBrk="1" latinLnBrk="0" hangingPunct="1">
+      <a:lvl1pPr marL="91440" indent="-91440" algn="l" defTabSz="914400" rtl="0" eaLnBrk="1" latinLnBrk="0" hangingPunct="1">
         <a:lnSpc>
           <a:spcPct val="90000"/>
         </a:lnSpc>
         <a:spcBef>
-          <a:spcPts val="1000"/>
+          <a:spcPts val="1200"/>
         </a:spcBef>
-        <a:buFont typeface="Arial" panose="020B0604020202020204" pitchFamily="34" charset="0"/>
-        <a:buChar char="•"/>
-        <a:defRPr sz="2800" kern="1200">
+        <a:spcAft>
+          <a:spcPts val="200"/>
+        </a:spcAft>
+        <a:buClr>
+          <a:schemeClr val="accent1"/>
+        </a:buClr>
+        <a:buSzPct val="100000"/>
+        <a:buFont typeface="Calibri" panose="020F0502020204030204" pitchFamily="34" charset="0"/>
+        <a:buChar char=" "/>
+        <a:defRPr sz="2000" kern="1200">
           <a:solidFill>
-            <a:schemeClr val="tx1"/>
+            <a:schemeClr val="tx1">
+              <a:lumMod val="75000"/>
+              <a:lumOff val="25000"/>
+            </a:schemeClr>
           </a:solidFill>
           <a:latin typeface="+mn-lt"/>
           <a:ea typeface="+mn-ea"/>
           <a:cs typeface="+mn-cs"/>
         </a:defRPr>
       </a:lvl1pPr>
-      <a:lvl2pPr marL="685800" indent="-228600" algn="l" defTabSz="914400" rtl="0" eaLnBrk="1" latinLnBrk="0" hangingPunct="1">
+      <a:lvl2pPr marL="384048" indent="-182880" algn="l" defTabSz="914400" rtl="0" eaLnBrk="1" latinLnBrk="0" hangingPunct="1">
         <a:lnSpc>
           <a:spcPct val="90000"/>
         </a:lnSpc>
         <a:spcBef>
-          <a:spcPts val="500"/>
+          <a:spcPts val="200"/>
         </a:spcBef>
-        <a:buFont typeface="Arial" panose="020B0604020202020204" pitchFamily="34" charset="0"/>
-        <a:buChar char="•"/>
-        <a:defRPr sz="2400" kern="1200">
+        <a:spcAft>
+          <a:spcPts val="400"/>
+        </a:spcAft>
+        <a:buClr>
+          <a:schemeClr val="accent1"/>
+        </a:buClr>
+        <a:buFont typeface="Calibri" pitchFamily="34" charset="0"/>
+        <a:buChar char="◦"/>
+        <a:defRPr sz="1800" kern="1200">
           <a:solidFill>
-            <a:schemeClr val="tx1"/>
+            <a:schemeClr val="tx1">
+              <a:lumMod val="75000"/>
+              <a:lumOff val="25000"/>
+            </a:schemeClr>
           </a:solidFill>
           <a:latin typeface="+mn-lt"/>
           <a:ea typeface="+mn-ea"/>
           <a:cs typeface="+mn-cs"/>
         </a:defRPr>
       </a:lvl2pPr>
-      <a:lvl3pPr marL="1143000" indent="-228600" algn="l" defTabSz="914400" rtl="0" eaLnBrk="1" latinLnBrk="0" hangingPunct="1">
+      <a:lvl3pPr marL="566928" indent="-182880" algn="l" defTabSz="914400" rtl="0" eaLnBrk="1" latinLnBrk="0" hangingPunct="1">
         <a:lnSpc>
           <a:spcPct val="90000"/>
         </a:lnSpc>
         <a:spcBef>
-          <a:spcPts val="500"/>
+          <a:spcPts val="200"/>
         </a:spcBef>
-        <a:buFont typeface="Arial" panose="020B0604020202020204" pitchFamily="34" charset="0"/>
-        <a:buChar char="•"/>
-        <a:defRPr sz="2000" kern="1200">
+        <a:spcAft>
+          <a:spcPts val="400"/>
+        </a:spcAft>
+        <a:buClr>
+          <a:schemeClr val="accent1"/>
+        </a:buClr>
+        <a:buFont typeface="Calibri" pitchFamily="34" charset="0"/>
+        <a:buChar char="◦"/>
+        <a:defRPr sz="1400" kern="1200">
           <a:solidFill>
-            <a:schemeClr val="tx1"/>
+            <a:schemeClr val="tx1">
+              <a:lumMod val="75000"/>
+              <a:lumOff val="25000"/>
+            </a:schemeClr>
           </a:solidFill>
           <a:latin typeface="+mn-lt"/>
           <a:ea typeface="+mn-ea"/>
           <a:cs typeface="+mn-cs"/>
         </a:defRPr>
       </a:lvl3pPr>
-      <a:lvl4pPr marL="1600200" indent="-228600" algn="l" defTabSz="914400" rtl="0" eaLnBrk="1" latinLnBrk="0" hangingPunct="1">
+      <a:lvl4pPr marL="749808" indent="-182880" algn="l" defTabSz="914400" rtl="0" eaLnBrk="1" latinLnBrk="0" hangingPunct="1">
         <a:lnSpc>
           <a:spcPct val="90000"/>
         </a:lnSpc>
         <a:spcBef>
-          <a:spcPts val="500"/>
+          <a:spcPts val="200"/>
         </a:spcBef>
-        <a:buFont typeface="Arial" panose="020B0604020202020204" pitchFamily="34" charset="0"/>
-        <a:buChar char="•"/>
-        <a:defRPr sz="1800" kern="1200">
+        <a:spcAft>
+          <a:spcPts val="400"/>
+        </a:spcAft>
+        <a:buClr>
+          <a:schemeClr val="accent1"/>
+        </a:buClr>
+        <a:buFont typeface="Calibri" pitchFamily="34" charset="0"/>
+        <a:buChar char="◦"/>
+        <a:defRPr sz="1400" kern="1200">
           <a:solidFill>
-            <a:schemeClr val="tx1"/>
+            <a:schemeClr val="tx1">
+              <a:lumMod val="75000"/>
+              <a:lumOff val="25000"/>
+            </a:schemeClr>
           </a:solidFill>
           <a:latin typeface="+mn-lt"/>
           <a:ea typeface="+mn-ea"/>
           <a:cs typeface="+mn-cs"/>
         </a:defRPr>
       </a:lvl4pPr>
-      <a:lvl5pPr marL="2057400" indent="-228600" algn="l" defTabSz="914400" rtl="0" eaLnBrk="1" latinLnBrk="0" hangingPunct="1">
+      <a:lvl5pPr marL="932688" indent="-182880" algn="l" defTabSz="914400" rtl="0" eaLnBrk="1" latinLnBrk="0" hangingPunct="1">
         <a:lnSpc>
           <a:spcPct val="90000"/>
         </a:lnSpc>
         <a:spcBef>
-          <a:spcPts val="500"/>
+          <a:spcPts val="200"/>
         </a:spcBef>
-        <a:buFont typeface="Arial" panose="020B0604020202020204" pitchFamily="34" charset="0"/>
-        <a:buChar char="•"/>
-        <a:defRPr sz="1800" kern="1200">
+        <a:spcAft>
+          <a:spcPts val="400"/>
+        </a:spcAft>
+        <a:buClr>
+          <a:schemeClr val="accent1"/>
+        </a:buClr>
+        <a:buFont typeface="Calibri" pitchFamily="34" charset="0"/>
+        <a:buChar char="◦"/>
+        <a:defRPr sz="1400" kern="1200">
           <a:solidFill>
-            <a:schemeClr val="tx1"/>
+            <a:schemeClr val="tx1">
+              <a:lumMod val="75000"/>
+              <a:lumOff val="25000"/>
+            </a:schemeClr>
           </a:solidFill>
           <a:latin typeface="+mn-lt"/>
           <a:ea typeface="+mn-ea"/>
           <a:cs typeface="+mn-cs"/>
         </a:defRPr>
       </a:lvl5pPr>
-      <a:lvl6pPr marL="2514600" indent="-228600" algn="l" defTabSz="914400" rtl="0" eaLnBrk="1" latinLnBrk="0" hangingPunct="1">
+      <a:lvl6pPr marL="1100000" indent="-228600" algn="l" defTabSz="914400" rtl="0" eaLnBrk="1" latinLnBrk="0" hangingPunct="1">
         <a:lnSpc>
           <a:spcPct val="90000"/>
         </a:lnSpc>
         <a:spcBef>
-          <a:spcPts val="500"/>
+          <a:spcPts val="200"/>
         </a:spcBef>
-        <a:buFont typeface="Arial" panose="020B0604020202020204" pitchFamily="34" charset="0"/>
-        <a:buChar char="•"/>
-        <a:defRPr sz="1800" kern="1200">
+        <a:spcAft>
+          <a:spcPts val="400"/>
+        </a:spcAft>
+        <a:buClr>
+          <a:schemeClr val="accent1"/>
+        </a:buClr>
+        <a:buFont typeface="Calibri" pitchFamily="34" charset="0"/>
+        <a:buChar char="◦"/>
+        <a:defRPr sz="1400" kern="1200">
           <a:solidFill>
-            <a:schemeClr val="tx1"/>
+            <a:schemeClr val="tx1">
+              <a:lumMod val="75000"/>
+              <a:lumOff val="25000"/>
+            </a:schemeClr>
           </a:solidFill>
           <a:latin typeface="+mn-lt"/>
           <a:ea typeface="+mn-ea"/>
           <a:cs typeface="+mn-cs"/>
         </a:defRPr>
       </a:lvl6pPr>
-      <a:lvl7pPr marL="2971800" indent="-228600" algn="l" defTabSz="914400" rtl="0" eaLnBrk="1" latinLnBrk="0" hangingPunct="1">
+      <a:lvl7pPr marL="1300000" indent="-228600" algn="l" defTabSz="914400" rtl="0" eaLnBrk="1" latinLnBrk="0" hangingPunct="1">
         <a:lnSpc>
           <a:spcPct val="90000"/>
         </a:lnSpc>
         <a:spcBef>
-          <a:spcPts val="500"/>
+          <a:spcPts val="200"/>
         </a:spcBef>
-        <a:buFont typeface="Arial" panose="020B0604020202020204" pitchFamily="34" charset="0"/>
-        <a:buChar char="•"/>
-        <a:defRPr sz="1800" kern="1200">
+        <a:spcAft>
+          <a:spcPts val="400"/>
+        </a:spcAft>
+        <a:buClr>
+          <a:schemeClr val="accent1"/>
+        </a:buClr>
+        <a:buFont typeface="Calibri" pitchFamily="34" charset="0"/>
+        <a:buChar char="◦"/>
+        <a:defRPr sz="1400" kern="1200">
           <a:solidFill>
-            <a:schemeClr val="tx1"/>
+            <a:schemeClr val="tx1">
+              <a:lumMod val="75000"/>
+              <a:lumOff val="25000"/>
+            </a:schemeClr>
           </a:solidFill>
           <a:latin typeface="+mn-lt"/>
           <a:ea typeface="+mn-ea"/>
           <a:cs typeface="+mn-cs"/>
         </a:defRPr>
       </a:lvl7pPr>
-      <a:lvl8pPr marL="3429000" indent="-228600" algn="l" defTabSz="914400" rtl="0" eaLnBrk="1" latinLnBrk="0" hangingPunct="1">
+      <a:lvl8pPr marL="1500000" indent="-228600" algn="l" defTabSz="914400" rtl="0" eaLnBrk="1" latinLnBrk="0" hangingPunct="1">
         <a:lnSpc>
           <a:spcPct val="90000"/>
         </a:lnSpc>
         <a:spcBef>
-          <a:spcPts val="500"/>
+          <a:spcPts val="200"/>
         </a:spcBef>
-        <a:buFont typeface="Arial" panose="020B0604020202020204" pitchFamily="34" charset="0"/>
-        <a:buChar char="•"/>
-        <a:defRPr sz="1800" kern="1200">
+        <a:spcAft>
+          <a:spcPts val="400"/>
+        </a:spcAft>
+        <a:buClr>
+          <a:schemeClr val="accent1"/>
+        </a:buClr>
+        <a:buFont typeface="Calibri" pitchFamily="34" charset="0"/>
+        <a:buChar char="◦"/>
+        <a:defRPr sz="1400" kern="1200">
           <a:solidFill>
-            <a:schemeClr val="tx1"/>
+            <a:schemeClr val="tx1">
+              <a:lumMod val="75000"/>
+              <a:lumOff val="25000"/>
+            </a:schemeClr>
           </a:solidFill>
           <a:latin typeface="+mn-lt"/>
           <a:ea typeface="+mn-ea"/>
           <a:cs typeface="+mn-cs"/>
         </a:defRPr>
       </a:lvl8pPr>
-      <a:lvl9pPr marL="3886200" indent="-228600" algn="l" defTabSz="914400" rtl="0" eaLnBrk="1" latinLnBrk="0" hangingPunct="1">
+      <a:lvl9pPr marL="1700000" indent="-228600" algn="l" defTabSz="914400" rtl="0" eaLnBrk="1" latinLnBrk="0" hangingPunct="1">
         <a:lnSpc>
           <a:spcPct val="90000"/>
         </a:lnSpc>
         <a:spcBef>
-          <a:spcPts val="500"/>
+          <a:spcPts val="200"/>
         </a:spcBef>
-        <a:buFont typeface="Arial" panose="020B0604020202020204" pitchFamily="34" charset="0"/>
-        <a:buChar char="•"/>
-        <a:defRPr sz="1800" kern="1200">
+        <a:spcAft>
+          <a:spcPts val="400"/>
+        </a:spcAft>
+        <a:buClr>
+          <a:schemeClr val="accent1"/>
+        </a:buClr>
+        <a:buFont typeface="Calibri" pitchFamily="34" charset="0"/>
+        <a:buChar char="◦"/>
+        <a:defRPr sz="1400" kern="1200">
           <a:solidFill>
-            <a:schemeClr val="tx1"/>
+            <a:schemeClr val="tx1">
+              <a:lumMod val="75000"/>
+              <a:lumOff val="25000"/>
+            </a:schemeClr>
           </a:solidFill>
           <a:latin typeface="+mn-lt"/>
           <a:ea typeface="+mn-ea"/>
@@ -4527,7 +5078,7 @@
     </p:bodyStyle>
     <p:otherStyle>
       <a:defPPr>
-        <a:defRPr lang="es-PE"/>
+        <a:defRPr lang="en-US"/>
       </a:defPPr>
       <a:lvl1pPr marL="0" algn="l" defTabSz="914400" rtl="0" eaLnBrk="1" latinLnBrk="0" hangingPunct="1">
         <a:defRPr sz="1800" kern="1200">
@@ -4657,8 +5208,8 @@
         </p:nvSpPr>
         <p:spPr>
           <a:xfrm>
-            <a:off x="516943" y="211010"/>
-            <a:ext cx="10562741" cy="602007"/>
+            <a:off x="326333" y="311277"/>
+            <a:ext cx="11351006" cy="602007"/>
           </a:xfrm>
           <a:prstGeom prst="rect">
             <a:avLst/>
@@ -4922,220 +5473,26 @@
           <a:p>
             <a:pPr algn="ctr"/>
             <a:r>
-              <a:rPr lang="es-MX" sz="3200" cap="all" dirty="0">
-                <a:ln w="3175" cmpd="sng">
-                  <a:noFill/>
-                </a:ln>
-                <a:gradFill flip="none" rotWithShape="1">
-                  <a:gsLst>
-                    <a:gs pos="0">
-                      <a:schemeClr val="tx1"/>
-                    </a:gs>
-                    <a:gs pos="100000">
-                      <a:schemeClr val="tx1">
-                        <a:lumMod val="65000"/>
-                      </a:schemeClr>
-                    </a:gs>
-                  </a:gsLst>
-                  <a:lin ang="5580000" scaled="0"/>
-                  <a:tileRect/>
-                </a:gradFill>
-                <a:effectLst>
-                  <a:outerShdw blurRad="38100" dist="38100" dir="2700000" algn="tl">
-                    <a:srgbClr val="000000">
-                      <a:alpha val="43137"/>
-                    </a:srgbClr>
-                  </a:outerShdw>
-                </a:effectLst>
-                <a:latin typeface="+mj-lt"/>
-                <a:ea typeface="+mj-ea"/>
-                <a:cs typeface="+mj-cs"/>
+              <a:rPr lang="es-MX" sz="2800" b="1" dirty="0">
+                <a:ln w="0"/>
+                <a:solidFill>
+                  <a:schemeClr val="accent6">
+                    <a:lumMod val="75000"/>
+                  </a:schemeClr>
+                </a:solidFill>
+                <a:latin typeface="+mn-lt"/>
               </a:rPr>
-              <a:t>Proyectos</a:t>
+              <a:t>Proyectos de Inversión en Proceso de Formulación – </a:t>
             </a:r>
             <a:r>
-              <a:rPr lang="es-MX" sz="3733" dirty="0">
+              <a:rPr lang="es-MX" sz="2800" b="1" dirty="0">
+                <a:ln w="0"/>
                 <a:solidFill>
-                  <a:schemeClr val="tx1"/>
+                  <a:schemeClr val="accent6">
+                    <a:lumMod val="75000"/>
+                  </a:schemeClr>
                 </a:solidFill>
-                <a:effectLst>
-                  <a:outerShdw blurRad="38100" dist="38100" dir="2700000" algn="tl">
-                    <a:srgbClr val="000000">
-                      <a:alpha val="43137"/>
-                    </a:srgbClr>
-                  </a:outerShdw>
-                </a:effectLst>
-              </a:rPr>
-              <a:t> </a:t>
-            </a:r>
-            <a:r>
-              <a:rPr lang="es-MX" sz="3200" cap="all" dirty="0">
-                <a:ln w="3175" cmpd="sng">
-                  <a:noFill/>
-                </a:ln>
-                <a:gradFill flip="none" rotWithShape="1">
-                  <a:gsLst>
-                    <a:gs pos="0">
-                      <a:schemeClr val="tx1"/>
-                    </a:gs>
-                    <a:gs pos="100000">
-                      <a:schemeClr val="tx1">
-                        <a:lumMod val="65000"/>
-                      </a:schemeClr>
-                    </a:gs>
-                  </a:gsLst>
-                  <a:lin ang="5580000" scaled="0"/>
-                  <a:tileRect/>
-                </a:gradFill>
-                <a:effectLst>
-                  <a:outerShdw blurRad="38100" dist="38100" dir="2700000" algn="tl">
-                    <a:srgbClr val="000000">
-                      <a:alpha val="43137"/>
-                    </a:srgbClr>
-                  </a:outerShdw>
-                </a:effectLst>
-                <a:latin typeface="+mj-lt"/>
-                <a:ea typeface="+mj-ea"/>
-                <a:cs typeface="+mj-cs"/>
-              </a:rPr>
-              <a:t>de</a:t>
-            </a:r>
-            <a:r>
-              <a:rPr lang="es-MX" sz="3733" dirty="0">
-                <a:solidFill>
-                  <a:schemeClr val="tx1"/>
-                </a:solidFill>
-                <a:effectLst>
-                  <a:outerShdw blurRad="38100" dist="38100" dir="2700000" algn="tl">
-                    <a:srgbClr val="000000">
-                      <a:alpha val="43137"/>
-                    </a:srgbClr>
-                  </a:outerShdw>
-                </a:effectLst>
-              </a:rPr>
-              <a:t> </a:t>
-            </a:r>
-            <a:r>
-              <a:rPr lang="es-MX" sz="3200" cap="all" dirty="0">
-                <a:ln w="3175" cmpd="sng">
-                  <a:noFill/>
-                </a:ln>
-                <a:gradFill flip="none" rotWithShape="1">
-                  <a:gsLst>
-                    <a:gs pos="0">
-                      <a:schemeClr val="tx1"/>
-                    </a:gs>
-                    <a:gs pos="100000">
-                      <a:schemeClr val="tx1">
-                        <a:lumMod val="65000"/>
-                      </a:schemeClr>
-                    </a:gs>
-                  </a:gsLst>
-                  <a:lin ang="5580000" scaled="0"/>
-                  <a:tileRect/>
-                </a:gradFill>
-                <a:effectLst>
-                  <a:outerShdw blurRad="38100" dist="38100" dir="2700000" algn="tl">
-                    <a:srgbClr val="000000">
-                      <a:alpha val="43137"/>
-                    </a:srgbClr>
-                  </a:outerShdw>
-                </a:effectLst>
-                <a:latin typeface="+mj-lt"/>
-                <a:ea typeface="+mj-ea"/>
-                <a:cs typeface="+mj-cs"/>
-              </a:rPr>
-              <a:t>Inversión</a:t>
-            </a:r>
-            <a:r>
-              <a:rPr lang="es-MX" sz="3733" dirty="0">
-                <a:solidFill>
-                  <a:schemeClr val="tx1"/>
-                </a:solidFill>
-                <a:effectLst>
-                  <a:outerShdw blurRad="38100" dist="38100" dir="2700000" algn="tl">
-                    <a:srgbClr val="000000">
-                      <a:alpha val="43137"/>
-                    </a:srgbClr>
-                  </a:outerShdw>
-                </a:effectLst>
-              </a:rPr>
-              <a:t> </a:t>
-            </a:r>
-            <a:r>
-              <a:rPr lang="es-MX" sz="3200" cap="all" dirty="0">
-                <a:ln w="3175" cmpd="sng">
-                  <a:noFill/>
-                </a:ln>
-                <a:gradFill flip="none" rotWithShape="1">
-                  <a:gsLst>
-                    <a:gs pos="0">
-                      <a:schemeClr val="tx1"/>
-                    </a:gs>
-                    <a:gs pos="100000">
-                      <a:schemeClr val="tx1">
-                        <a:lumMod val="65000"/>
-                      </a:schemeClr>
-                    </a:gs>
-                  </a:gsLst>
-                  <a:lin ang="5580000" scaled="0"/>
-                  <a:tileRect/>
-                </a:gradFill>
-                <a:effectLst>
-                  <a:outerShdw blurRad="38100" dist="38100" dir="2700000" algn="tl">
-                    <a:srgbClr val="000000">
-                      <a:alpha val="43137"/>
-                    </a:srgbClr>
-                  </a:outerShdw>
-                </a:effectLst>
-                <a:latin typeface="+mj-lt"/>
-                <a:ea typeface="+mj-ea"/>
-                <a:cs typeface="+mj-cs"/>
-              </a:rPr>
-              <a:t>Formulados</a:t>
-            </a:r>
-            <a:r>
-              <a:rPr lang="es-MX" sz="3733" dirty="0">
-                <a:solidFill>
-                  <a:schemeClr val="tx1"/>
-                </a:solidFill>
-                <a:effectLst>
-                  <a:outerShdw blurRad="38100" dist="38100" dir="2700000" algn="tl">
-                    <a:srgbClr val="000000">
-                      <a:alpha val="43137"/>
-                    </a:srgbClr>
-                  </a:outerShdw>
-                </a:effectLst>
-              </a:rPr>
-              <a:t> – </a:t>
-            </a:r>
-            <a:r>
-              <a:rPr lang="es-MX" sz="3200" cap="all" dirty="0">
-                <a:ln w="3175" cmpd="sng">
-                  <a:noFill/>
-                </a:ln>
-                <a:gradFill flip="none" rotWithShape="1">
-                  <a:gsLst>
-                    <a:gs pos="0">
-                      <a:schemeClr val="tx1"/>
-                    </a:gs>
-                    <a:gs pos="100000">
-                      <a:schemeClr val="tx1">
-                        <a:lumMod val="65000"/>
-                      </a:schemeClr>
-                    </a:gs>
-                  </a:gsLst>
-                  <a:lin ang="5580000" scaled="0"/>
-                  <a:tileRect/>
-                </a:gradFill>
-                <a:effectLst>
-                  <a:outerShdw blurRad="38100" dist="38100" dir="2700000" algn="tl">
-                    <a:srgbClr val="000000">
-                      <a:alpha val="43137"/>
-                    </a:srgbClr>
-                  </a:outerShdw>
-                </a:effectLst>
-                <a:latin typeface="+mj-lt"/>
+                <a:latin typeface="+mn-lt"/>
                 <a:ea typeface="+mj-ea"/>
                 <a:cs typeface="+mj-cs"/>
               </a:rPr>
@@ -5156,76 +5513,68 @@
           <p:cNvGraphicFramePr>
             <a:graphicFrameLocks noGrp="1"/>
           </p:cNvGraphicFramePr>
-          <p:nvPr/>
+          <p:nvPr>
+            <p:extLst>
+              <p:ext uri="{D42A27DB-BD31-4B8C-83A1-F6EECF244321}">
+                <p14:modId xmlns:p14="http://schemas.microsoft.com/office/powerpoint/2010/main" val="1236941701"/>
+              </p:ext>
+            </p:extLst>
+          </p:nvPr>
         </p:nvGraphicFramePr>
         <p:xfrm>
-          <a:off x="347866" y="1570790"/>
-          <a:ext cx="11539334" cy="4226556"/>
+          <a:off x="347866" y="2266863"/>
+          <a:ext cx="11329473" cy="3190236"/>
         </p:xfrm>
         <a:graphic>
           <a:graphicData uri="http://schemas.openxmlformats.org/drawingml/2006/table">
             <a:tbl>
               <a:tblPr>
-                <a:tableStyleId>{E8B1032C-EA38-4F05-BA0D-38AFFFC7BED3}</a:tableStyleId>
+                <a:tableStyleId>{22838BEF-8BB2-4498-84A7-C5851F593DF1}</a:tableStyleId>
               </a:tblPr>
               <a:tblGrid>
-                <a:gridCol w="708709">
+                <a:gridCol w="829990">
                   <a:extLst>
                     <a:ext uri="{9D8B030D-6E8A-4147-A177-3AD203B41FA5}">
                       <a16:colId xmlns:a16="http://schemas.microsoft.com/office/drawing/2014/main" val="3935348018"/>
                     </a:ext>
                   </a:extLst>
                 </a:gridCol>
-                <a:gridCol w="543266">
+                <a:gridCol w="636235">
                   <a:extLst>
                     <a:ext uri="{9D8B030D-6E8A-4147-A177-3AD203B41FA5}">
                       <a16:colId xmlns:a16="http://schemas.microsoft.com/office/drawing/2014/main" val="594195062"/>
                     </a:ext>
                   </a:extLst>
                 </a:gridCol>
-                <a:gridCol w="1017940">
-                  <a:extLst>
-                    <a:ext uri="{9D8B030D-6E8A-4147-A177-3AD203B41FA5}">
-                      <a16:colId xmlns:a16="http://schemas.microsoft.com/office/drawing/2014/main" val="666123856"/>
-                    </a:ext>
-                  </a:extLst>
-                </a:gridCol>
-                <a:gridCol w="2882408">
+                <a:gridCol w="3375671">
                   <a:extLst>
                     <a:ext uri="{9D8B030D-6E8A-4147-A177-3AD203B41FA5}">
                       <a16:colId xmlns:a16="http://schemas.microsoft.com/office/drawing/2014/main" val="2585390242"/>
                     </a:ext>
                   </a:extLst>
                 </a:gridCol>
-                <a:gridCol w="1204773">
+                <a:gridCol w="1410945">
                   <a:extLst>
                     <a:ext uri="{9D8B030D-6E8A-4147-A177-3AD203B41FA5}">
                       <a16:colId xmlns:a16="http://schemas.microsoft.com/office/drawing/2014/main" val="2208528637"/>
                     </a:ext>
                   </a:extLst>
                 </a:gridCol>
-                <a:gridCol w="578375">
-                  <a:extLst>
-                    <a:ext uri="{9D8B030D-6E8A-4147-A177-3AD203B41FA5}">
-                      <a16:colId xmlns:a16="http://schemas.microsoft.com/office/drawing/2014/main" val="3816031137"/>
-                    </a:ext>
-                  </a:extLst>
-                </a:gridCol>
-                <a:gridCol w="824343">
+                <a:gridCol w="1024459">
                   <a:extLst>
                     <a:ext uri="{9D8B030D-6E8A-4147-A177-3AD203B41FA5}">
                       <a16:colId xmlns:a16="http://schemas.microsoft.com/office/drawing/2014/main" val="3827666896"/>
                     </a:ext>
                   </a:extLst>
                 </a:gridCol>
-                <a:gridCol w="1373481">
+                <a:gridCol w="1234391">
                   <a:extLst>
                     <a:ext uri="{9D8B030D-6E8A-4147-A177-3AD203B41FA5}">
                       <a16:colId xmlns:a16="http://schemas.microsoft.com/office/drawing/2014/main" val="2702131160"/>
                     </a:ext>
                   </a:extLst>
                 </a:gridCol>
-                <a:gridCol w="2406039">
+                <a:gridCol w="2817782">
                   <a:extLst>
                     <a:ext uri="{9D8B030D-6E8A-4147-A177-3AD203B41FA5}">
                       <a16:colId xmlns:a16="http://schemas.microsoft.com/office/drawing/2014/main" val="2022521297"/>
@@ -5233,7 +5582,7 @@
                   </a:extLst>
                 </a:gridCol>
               </a:tblGrid>
-              <a:tr h="738292">
+              <a:tr h="300542">
                 <a:tc>
                   <a:txBody>
                     <a:bodyPr/>
@@ -5241,14 +5590,17 @@
                     <a:p>
                       <a:pPr algn="ctr" rtl="0" fontAlgn="ctr"/>
                       <a:r>
-                        <a:rPr lang="es-PE" sz="1200" b="1" u="none" strike="noStrike" dirty="0" err="1">
+                        <a:rPr lang="es-PE" sz="1600" b="1" u="none" strike="noStrike" dirty="0" err="1">
+                          <a:solidFill>
+                            <a:schemeClr val="bg1"/>
+                          </a:solidFill>
                           <a:effectLst/>
                         </a:rPr>
                         <a:t>N°</a:t>
                       </a:r>
-                      <a:endParaRPr lang="es-PE" sz="1200" b="1" i="0" u="none" strike="noStrike" dirty="0">
+                      <a:endParaRPr lang="es-PE" sz="1600" b="1" i="0" u="none" strike="noStrike" dirty="0">
                         <a:solidFill>
-                          <a:srgbClr val="000000"/>
+                          <a:schemeClr val="bg1"/>
                         </a:solidFill>
                         <a:effectLst/>
                         <a:latin typeface="Arial Narrow" panose="020B0606020202030204" pitchFamily="34" charset="0"/>
@@ -5268,14 +5620,17 @@
                     <a:p>
                       <a:pPr algn="ctr" rtl="0" fontAlgn="ctr"/>
                       <a:r>
-                        <a:rPr lang="es-PE" sz="1200" b="1" u="none" strike="noStrike" dirty="0">
+                        <a:rPr lang="es-PE" sz="1600" b="1" u="none" strike="noStrike" dirty="0">
+                          <a:solidFill>
+                            <a:schemeClr val="bg1"/>
+                          </a:solidFill>
                           <a:effectLst/>
                         </a:rPr>
-                        <a:t>CUI</a:t>
+                        <a:t>CUI / IDEA</a:t>
                       </a:r>
-                      <a:endParaRPr lang="es-PE" sz="1200" b="1" i="0" u="none" strike="noStrike" dirty="0">
+                      <a:endParaRPr lang="es-PE" sz="1600" b="1" i="0" u="none" strike="noStrike" dirty="0">
                         <a:solidFill>
-                          <a:srgbClr val="000000"/>
+                          <a:schemeClr val="bg1"/>
                         </a:solidFill>
                         <a:effectLst/>
                         <a:latin typeface="Arial Narrow" panose="020B0606020202030204" pitchFamily="34" charset="0"/>
@@ -5295,14 +5650,17 @@
                     <a:p>
                       <a:pPr algn="ctr" rtl="0" fontAlgn="ctr"/>
                       <a:r>
-                        <a:rPr lang="es-PE" sz="1200" b="1" u="none" strike="noStrike" dirty="0">
+                        <a:rPr lang="es-PE" sz="1600" b="1" u="none" strike="noStrike" dirty="0">
+                          <a:solidFill>
+                            <a:schemeClr val="bg1"/>
+                          </a:solidFill>
                           <a:effectLst/>
                         </a:rPr>
-                        <a:t>CÓDIGO DE IDEA</a:t>
+                        <a:t>NOMBRE DEL PROYECTO DE INVERSIÓN</a:t>
                       </a:r>
-                      <a:endParaRPr lang="es-PE" sz="1200" b="1" i="0" u="none" strike="noStrike" dirty="0">
+                      <a:endParaRPr lang="es-PE" sz="1600" b="1" i="0" u="none" strike="noStrike" dirty="0">
                         <a:solidFill>
-                          <a:srgbClr val="000000"/>
+                          <a:schemeClr val="bg1"/>
                         </a:solidFill>
                         <a:effectLst/>
                         <a:latin typeface="Arial Narrow" panose="020B0606020202030204" pitchFamily="34" charset="0"/>
@@ -5322,14 +5680,17 @@
                     <a:p>
                       <a:pPr algn="ctr" rtl="0" fontAlgn="ctr"/>
                       <a:r>
-                        <a:rPr lang="es-PE" sz="1200" b="1" u="none" strike="noStrike" dirty="0">
+                        <a:rPr lang="es-PE" sz="1600" b="1" u="none" strike="noStrike" dirty="0">
+                          <a:solidFill>
+                            <a:schemeClr val="bg1"/>
+                          </a:solidFill>
                           <a:effectLst/>
                         </a:rPr>
-                        <a:t>NOMBRE DEL PROYECTO DE INVERSIÓN</a:t>
+                        <a:t>MONTO DE INVERSIÓN S/</a:t>
                       </a:r>
-                      <a:endParaRPr lang="es-PE" sz="1200" b="1" i="0" u="none" strike="noStrike" dirty="0">
+                      <a:endParaRPr lang="es-PE" sz="1600" b="1" i="0" u="none" strike="noStrike" dirty="0">
                         <a:solidFill>
-                          <a:srgbClr val="000000"/>
+                          <a:schemeClr val="bg1"/>
                         </a:solidFill>
                         <a:effectLst/>
                         <a:latin typeface="Arial Narrow" panose="020B0606020202030204" pitchFamily="34" charset="0"/>
@@ -5349,14 +5710,17 @@
                     <a:p>
                       <a:pPr algn="ctr" rtl="0" fontAlgn="ctr"/>
                       <a:r>
-                        <a:rPr lang="es-PE" sz="1200" b="1" u="none" strike="noStrike" dirty="0">
+                        <a:rPr lang="es-PE" sz="1600" b="1" u="none" strike="noStrike" dirty="0">
+                          <a:solidFill>
+                            <a:schemeClr val="bg1"/>
+                          </a:solidFill>
                           <a:effectLst/>
                         </a:rPr>
-                        <a:t>MONTO DE INVERSIÓN S/</a:t>
+                        <a:t>Estado Situacional</a:t>
                       </a:r>
-                      <a:endParaRPr lang="es-PE" sz="1200" b="1" i="0" u="none" strike="noStrike" dirty="0">
+                      <a:endParaRPr lang="es-PE" sz="1600" b="1" i="0" u="none" strike="noStrike" dirty="0">
                         <a:solidFill>
-                          <a:srgbClr val="000000"/>
+                          <a:schemeClr val="bg1"/>
                         </a:solidFill>
                         <a:effectLst/>
                         <a:latin typeface="Arial Narrow" panose="020B0606020202030204" pitchFamily="34" charset="0"/>
@@ -5376,14 +5740,17 @@
                     <a:p>
                       <a:pPr algn="ctr" rtl="0" fontAlgn="ctr"/>
                       <a:r>
-                        <a:rPr lang="es-PE" sz="1200" b="1" u="none" strike="noStrike" dirty="0">
+                        <a:rPr lang="es-PE" sz="1600" b="1" u="none" strike="noStrike" dirty="0">
+                          <a:solidFill>
+                            <a:schemeClr val="bg1"/>
+                          </a:solidFill>
                           <a:effectLst/>
                         </a:rPr>
-                        <a:t>ESTADO SITUACIONAL</a:t>
+                        <a:t>ALCANCE</a:t>
                       </a:r>
-                      <a:endParaRPr lang="es-PE" sz="1200" b="1" i="0" u="none" strike="noStrike" dirty="0">
+                      <a:endParaRPr lang="es-PE" sz="1600" b="1" i="0" u="none" strike="noStrike" dirty="0">
                         <a:solidFill>
-                          <a:srgbClr val="000000"/>
+                          <a:schemeClr val="bg1"/>
                         </a:solidFill>
                         <a:effectLst/>
                         <a:latin typeface="Arial Narrow" panose="020B0606020202030204" pitchFamily="34" charset="0"/>
@@ -5403,65 +5770,17 @@
                     <a:p>
                       <a:pPr algn="ctr" rtl="0" fontAlgn="ctr"/>
                       <a:r>
-                        <a:rPr lang="es-PE" sz="1200" b="1" i="0" u="none" strike="noStrike" dirty="0">
+                        <a:rPr lang="es-PE" sz="1600" b="1" u="none" strike="noStrike" dirty="0">
                           <a:solidFill>
-                            <a:srgbClr val="000000"/>
+                            <a:schemeClr val="bg1"/>
                           </a:solidFill>
-                          <a:effectLst/>
-                          <a:latin typeface="Arial Narrow" panose="020B0606020202030204" pitchFamily="34" charset="0"/>
-                        </a:rPr>
-                        <a:t>DURACION</a:t>
-                      </a:r>
-                    </a:p>
-                  </a:txBody>
-                  <a:tcPr marL="6772" marR="6772" marT="6772" marB="0" anchor="ctr">
-                    <a:solidFill>
-                      <a:schemeClr val="accent5"/>
-                    </a:solidFill>
-                  </a:tcPr>
-                </a:tc>
-                <a:tc>
-                  <a:txBody>
-                    <a:bodyPr/>
-                    <a:lstStyle/>
-                    <a:p>
-                      <a:pPr algn="ctr" rtl="0" fontAlgn="ctr"/>
-                      <a:r>
-                        <a:rPr lang="es-PE" sz="1200" b="1" u="none" strike="noStrike" dirty="0">
-                          <a:effectLst/>
-                        </a:rPr>
-                        <a:t>ALCANCE</a:t>
-                      </a:r>
-                      <a:endParaRPr lang="es-PE" sz="1200" b="1" i="0" u="none" strike="noStrike" dirty="0">
-                        <a:solidFill>
-                          <a:srgbClr val="000000"/>
-                        </a:solidFill>
-                        <a:effectLst/>
-                        <a:latin typeface="Arial Narrow" panose="020B0606020202030204" pitchFamily="34" charset="0"/>
-                      </a:endParaRPr>
-                    </a:p>
-                  </a:txBody>
-                  <a:tcPr marL="6772" marR="6772" marT="6772" marB="0" anchor="ctr">
-                    <a:solidFill>
-                      <a:schemeClr val="accent5"/>
-                    </a:solidFill>
-                  </a:tcPr>
-                </a:tc>
-                <a:tc>
-                  <a:txBody>
-                    <a:bodyPr/>
-                    <a:lstStyle/>
-                    <a:p>
-                      <a:pPr algn="ctr" rtl="0" fontAlgn="ctr"/>
-                      <a:r>
-                        <a:rPr lang="es-PE" sz="1200" b="1" u="none" strike="noStrike" dirty="0">
                           <a:effectLst/>
                         </a:rPr>
                         <a:t>OBSERVACIONES</a:t>
                       </a:r>
-                      <a:endParaRPr lang="es-PE" sz="1200" b="1" i="0" u="none" strike="noStrike" dirty="0">
+                      <a:endParaRPr lang="es-PE" sz="1600" b="1" i="0" u="none" strike="noStrike" dirty="0">
                         <a:solidFill>
-                          <a:srgbClr val="000000"/>
+                          <a:schemeClr val="bg1"/>
                         </a:solidFill>
                         <a:effectLst/>
                         <a:latin typeface="Arial Narrow" panose="020B0606020202030204" pitchFamily="34" charset="0"/>
@@ -5480,7 +5799,7 @@
                   </a:ext>
                 </a:extLst>
               </a:tr>
-              <a:tr h="1652692">
+              <a:tr h="595620">
                 <a:tc>
                   <a:txBody>
                     <a:bodyPr/>
@@ -5488,12 +5807,12 @@
                     <a:p>
                       <a:pPr algn="ctr" fontAlgn="ctr"/>
                       <a:r>
-                        <a:rPr lang="es-PE" sz="1200" u="none" strike="noStrike" dirty="0">
+                        <a:rPr lang="es-PE" sz="1600" u="none" strike="noStrike" dirty="0">
                           <a:effectLst/>
                         </a:rPr>
                         <a:t>10</a:t>
                       </a:r>
-                      <a:endParaRPr lang="es-PE" sz="1200" b="0" i="0" u="none" strike="noStrike" dirty="0">
+                      <a:endParaRPr lang="es-PE" sz="1600" b="0" i="0" u="none" strike="noStrike" dirty="0">
                         <a:solidFill>
                           <a:srgbClr val="000000"/>
                         </a:solidFill>
@@ -5502,7 +5821,11 @@
                       </a:endParaRPr>
                     </a:p>
                   </a:txBody>
-                  <a:tcPr marL="6772" marR="6772" marT="6772" marB="0" anchor="ctr"/>
+                  <a:tcPr marL="6772" marR="6772" marT="6772" marB="0" anchor="ctr">
+                    <a:solidFill>
+                      <a:schemeClr val="bg1"/>
+                    </a:solidFill>
+                  </a:tcPr>
                 </a:tc>
                 <a:tc>
                   <a:txBody>
@@ -5511,12 +5834,45 @@
                     <a:p>
                       <a:pPr algn="ctr" rtl="0" fontAlgn="ctr"/>
                       <a:r>
-                        <a:rPr lang="es-PE" sz="1200" u="none" strike="noStrike">
+                        <a:rPr lang="es-PE" sz="1600" u="none" strike="noStrike" dirty="0">
                           <a:effectLst/>
                         </a:rPr>
-                        <a:t>-</a:t>
+                        <a:t>49488</a:t>
                       </a:r>
-                      <a:endParaRPr lang="es-PE" sz="1200" b="0" i="0" u="none" strike="noStrike">
+                    </a:p>
+                    <a:p>
+                      <a:pPr algn="ctr" rtl="0" fontAlgn="ctr"/>
+                      <a:r>
+                        <a:rPr lang="es-PE" sz="1600" b="0" i="0" u="none" strike="noStrike" dirty="0">
+                          <a:solidFill>
+                            <a:srgbClr val="000000"/>
+                          </a:solidFill>
+                          <a:effectLst/>
+                          <a:latin typeface="Arial Narrow" panose="020B0606020202030204" pitchFamily="34" charset="0"/>
+                        </a:rPr>
+                        <a:t>idea</a:t>
+                      </a:r>
+                    </a:p>
+                  </a:txBody>
+                  <a:tcPr marL="6772" marR="6772" marT="6772" marB="0" anchor="ctr">
+                    <a:solidFill>
+                      <a:schemeClr val="bg1"/>
+                    </a:solidFill>
+                  </a:tcPr>
+                </a:tc>
+                <a:tc>
+                  <a:txBody>
+                    <a:bodyPr/>
+                    <a:lstStyle/>
+                    <a:p>
+                      <a:pPr marL="93663" indent="0" algn="l" fontAlgn="ctr"/>
+                      <a:r>
+                        <a:rPr lang="es-PE" sz="1600" u="none" strike="noStrike" dirty="0">
+                          <a:effectLst/>
+                        </a:rPr>
+                        <a:t>"Mejoramiento y creación de servicios turísticos públicos en el cañón del Apurímac, distritos de Curahuasi, san pedro de Cachora, Huanipaca, Tamburco y Abancay - región Apurímac” </a:t>
+                      </a:r>
+                      <a:endParaRPr lang="es-PE" sz="1600" b="0" i="0" u="none" strike="noStrike" dirty="0">
                         <a:solidFill>
                           <a:srgbClr val="000000"/>
                         </a:solidFill>
@@ -5525,7 +5881,42 @@
                       </a:endParaRPr>
                     </a:p>
                   </a:txBody>
-                  <a:tcPr marL="6772" marR="6772" marT="6772" marB="0" anchor="ctr"/>
+                  <a:tcPr marL="6772" marR="6772" marT="6772" marB="0" anchor="ctr">
+                    <a:solidFill>
+                      <a:schemeClr val="bg1"/>
+                    </a:solidFill>
+                  </a:tcPr>
+                </a:tc>
+                <a:tc>
+                  <a:txBody>
+                    <a:bodyPr/>
+                    <a:lstStyle/>
+                    <a:p>
+                      <a:pPr marL="0" indent="0" algn="r" rtl="0" fontAlgn="ctr">
+                        <a:tabLst>
+                          <a:tab pos="1162050" algn="l"/>
+                        </a:tabLst>
+                      </a:pPr>
+                      <a:r>
+                        <a:rPr lang="es-PE" sz="1600" u="none" strike="noStrike" dirty="0">
+                          <a:effectLst/>
+                        </a:rPr>
+                        <a:t>50,000,000.00</a:t>
+                      </a:r>
+                      <a:endParaRPr lang="es-PE" sz="1600" b="0" i="0" u="none" strike="noStrike" dirty="0">
+                        <a:solidFill>
+                          <a:srgbClr val="000000"/>
+                        </a:solidFill>
+                        <a:effectLst/>
+                        <a:latin typeface="Arial Narrow" panose="020B0606020202030204" pitchFamily="34" charset="0"/>
+                      </a:endParaRPr>
+                    </a:p>
+                  </a:txBody>
+                  <a:tcPr marL="6772" marR="6772" marT="6772" marB="0" anchor="ctr">
+                    <a:solidFill>
+                      <a:schemeClr val="bg1"/>
+                    </a:solidFill>
+                  </a:tcPr>
                 </a:tc>
                 <a:tc>
                   <a:txBody>
@@ -5534,12 +5925,39 @@
                     <a:p>
                       <a:pPr algn="ctr" rtl="0" fontAlgn="ctr"/>
                       <a:r>
-                        <a:rPr lang="es-PE" sz="1200" u="none" strike="noStrike" dirty="0">
+                        <a:rPr lang="es-PE" sz="1600" b="0" i="0" u="none" strike="noStrike" dirty="0">
+                          <a:solidFill>
+                            <a:srgbClr val="000000"/>
+                          </a:solidFill>
+                          <a:effectLst/>
+                          <a:latin typeface="Arial Narrow" panose="020B0606020202030204" pitchFamily="34" charset="0"/>
+                        </a:rPr>
+                        <a:t>Concluido</a:t>
+                      </a:r>
+                    </a:p>
+                  </a:txBody>
+                  <a:tcPr marL="6772" marR="6772" marT="6772" marB="0" anchor="ctr">
+                    <a:solidFill>
+                      <a:schemeClr val="bg1"/>
+                    </a:solidFill>
+                  </a:tcPr>
+                </a:tc>
+                <a:tc>
+                  <a:txBody>
+                    <a:bodyPr/>
+                    <a:lstStyle/>
+                    <a:p>
+                      <a:pPr marL="185738" indent="-92075" algn="l" rtl="0" fontAlgn="ctr">
+                        <a:buFont typeface="Arial" panose="020B0604020202020204" pitchFamily="34" charset="0"/>
+                        <a:buChar char="•"/>
+                      </a:pPr>
+                      <a:r>
+                        <a:rPr lang="es-PE" sz="1600" u="none" strike="noStrike" dirty="0">
                           <a:effectLst/>
                         </a:rPr>
-                        <a:t>49488</a:t>
+                        <a:t>05 distritos</a:t>
                       </a:r>
-                      <a:endParaRPr lang="es-PE" sz="1200" b="0" i="0" u="none" strike="noStrike" dirty="0">
+                      <a:endParaRPr lang="es-PE" sz="1600" b="0" i="0" u="none" strike="noStrike" dirty="0">
                         <a:solidFill>
                           <a:srgbClr val="000000"/>
                         </a:solidFill>
@@ -5548,21 +5966,59 @@
                       </a:endParaRPr>
                     </a:p>
                   </a:txBody>
-                  <a:tcPr marL="6772" marR="6772" marT="6772" marB="0" anchor="ctr"/>
+                  <a:tcPr marL="6772" marR="6772" marT="6772" marB="0" anchor="ctr">
+                    <a:solidFill>
+                      <a:schemeClr val="bg1"/>
+                    </a:solidFill>
+                  </a:tcPr>
                 </a:tc>
                 <a:tc>
                   <a:txBody>
                     <a:bodyPr/>
                     <a:lstStyle/>
                     <a:p>
-                      <a:pPr algn="l" fontAlgn="ctr"/>
+                      <a:pPr marL="171450" indent="-171450" algn="l" fontAlgn="ctr">
+                        <a:buFont typeface="Arial" panose="020B0604020202020204" pitchFamily="34" charset="0"/>
+                        <a:buChar char="•"/>
+                      </a:pPr>
                       <a:r>
-                        <a:rPr lang="es-PE" sz="1200" u="none" strike="noStrike" dirty="0">
+                        <a:rPr lang="es-PE" sz="1600" b="0" i="0" u="none" strike="noStrike" dirty="0">
+                          <a:solidFill>
+                            <a:srgbClr val="000000"/>
+                          </a:solidFill>
+                          <a:effectLst/>
+                          <a:latin typeface="Arial Narrow" panose="020B0606020202030204" pitchFamily="34" charset="0"/>
+                        </a:rPr>
+                        <a:t>En proceso de registro, aprobación y viabilidad.</a:t>
+                      </a:r>
+                    </a:p>
+                  </a:txBody>
+                  <a:tcPr marL="6772" marR="6772" marT="6772" marB="0" anchor="ctr">
+                    <a:solidFill>
+                      <a:schemeClr val="bg1"/>
+                    </a:solidFill>
+                  </a:tcPr>
+                </a:tc>
+                <a:extLst>
+                  <a:ext uri="{0D108BD9-81ED-4DB2-BD59-A6C34878D82A}">
+                    <a16:rowId xmlns:a16="http://schemas.microsoft.com/office/drawing/2014/main" val="557894352"/>
+                  </a:ext>
+                </a:extLst>
+              </a:tr>
+              <a:tr h="448081">
+                <a:tc>
+                  <a:txBody>
+                    <a:bodyPr/>
+                    <a:lstStyle/>
+                    <a:p>
+                      <a:pPr algn="ctr" fontAlgn="ctr"/>
+                      <a:r>
+                        <a:rPr lang="es-PE" sz="1600" u="none" strike="noStrike" dirty="0">
                           <a:effectLst/>
                         </a:rPr>
-                        <a:t>"Mejoramiento y creación de servicios turísticos públicos en el cañón del Apurímac, distritos de Curahuasi, san pedro de Cachora, Huanipaca, Tamburco y Abancay - región Apurímac” </a:t>
+                        <a:t>11</a:t>
                       </a:r>
-                      <a:endParaRPr lang="es-PE" sz="1200" b="0" i="0" u="none" strike="noStrike" dirty="0">
+                      <a:endParaRPr lang="es-PE" sz="1600" b="0" i="0" u="none" strike="noStrike" dirty="0">
                         <a:solidFill>
                           <a:srgbClr val="000000"/>
                         </a:solidFill>
@@ -5571,21 +6027,57 @@
                       </a:endParaRPr>
                     </a:p>
                   </a:txBody>
-                  <a:tcPr marL="6772" marR="6772" marT="6772" marB="0" anchor="ctr"/>
+                  <a:tcPr marL="6772" marR="6772" marT="6772" marB="0" anchor="ctr">
+                    <a:solidFill>
+                      <a:schemeClr val="bg1"/>
+                    </a:solidFill>
+                  </a:tcPr>
                 </a:tc>
                 <a:tc>
                   <a:txBody>
                     <a:bodyPr/>
                     <a:lstStyle/>
                     <a:p>
-                      <a:pPr algn="l" rtl="0" fontAlgn="ctr"/>
+                      <a:pPr marL="0" marR="0" lvl="0" indent="0" algn="ctr" defTabSz="914400" rtl="0" eaLnBrk="1" fontAlgn="ctr" latinLnBrk="0" hangingPunct="1">
+                        <a:lnSpc>
+                          <a:spcPct val="100000"/>
+                        </a:lnSpc>
+                        <a:spcBef>
+                          <a:spcPts val="0"/>
+                        </a:spcBef>
+                        <a:spcAft>
+                          <a:spcPts val="0"/>
+                        </a:spcAft>
+                        <a:buClrTx/>
+                        <a:buSzTx/>
+                        <a:buFontTx/>
+                        <a:buNone/>
+                        <a:tabLst/>
+                        <a:defRPr/>
+                      </a:pPr>
                       <a:r>
-                        <a:rPr lang="es-PE" sz="1200" u="none" strike="noStrike" dirty="0">
+                        <a:rPr lang="es-PE" sz="1600" u="none" strike="noStrike" dirty="0">
                           <a:effectLst/>
                         </a:rPr>
-                        <a:t>50,000,000.00</a:t>
+                        <a:t>75659</a:t>
                       </a:r>
-                      <a:endParaRPr lang="es-PE" sz="1200" b="0" i="0" u="none" strike="noStrike" dirty="0">
+                      <a:endParaRPr lang="es-PE" sz="1600" b="0" i="0" u="none" strike="noStrike" dirty="0">
+                        <a:solidFill>
+                          <a:srgbClr val="000000"/>
+                        </a:solidFill>
+                        <a:effectLst/>
+                        <a:latin typeface="Arial Narrow" panose="020B0606020202030204" pitchFamily="34" charset="0"/>
+                      </a:endParaRPr>
+                    </a:p>
+                    <a:p>
+                      <a:pPr algn="ctr" rtl="0" fontAlgn="ctr"/>
+                      <a:r>
+                        <a:rPr lang="es-PE" sz="1600" u="none" strike="noStrike" dirty="0">
+                          <a:effectLst/>
+                        </a:rPr>
+                        <a:t>Idea</a:t>
+                      </a:r>
+                      <a:endParaRPr lang="es-PE" sz="1600" b="0" i="0" u="none" strike="noStrike" dirty="0">
                         <a:solidFill>
                           <a:srgbClr val="000000"/>
                         </a:solidFill>
@@ -5594,7 +6086,65 @@
                       </a:endParaRPr>
                     </a:p>
                   </a:txBody>
-                  <a:tcPr marL="6772" marR="6772" marT="6772" marB="0" anchor="ctr"/>
+                  <a:tcPr marL="6772" marR="6772" marT="6772" marB="0" anchor="ctr">
+                    <a:solidFill>
+                      <a:schemeClr val="bg1"/>
+                    </a:solidFill>
+                  </a:tcPr>
+                </a:tc>
+                <a:tc>
+                  <a:txBody>
+                    <a:bodyPr/>
+                    <a:lstStyle/>
+                    <a:p>
+                      <a:pPr marL="93663" indent="0" algn="l" fontAlgn="ctr"/>
+                      <a:r>
+                        <a:rPr lang="es-PE" sz="1600" u="none" strike="noStrike" dirty="0">
+                          <a:effectLst/>
+                        </a:rPr>
+                        <a:t>“Mejoramiento de los servicios turísticos en el conjunto arqueológico de Saywite, distrito de Curahuasi, provincia de Abancay, región Apurímac” </a:t>
+                      </a:r>
+                      <a:endParaRPr lang="es-PE" sz="1600" b="0" i="0" u="none" strike="noStrike" dirty="0">
+                        <a:solidFill>
+                          <a:srgbClr val="000000"/>
+                        </a:solidFill>
+                        <a:effectLst/>
+                        <a:latin typeface="Arial Narrow" panose="020B0606020202030204" pitchFamily="34" charset="0"/>
+                      </a:endParaRPr>
+                    </a:p>
+                  </a:txBody>
+                  <a:tcPr marL="6772" marR="6772" marT="6772" marB="0" anchor="ctr">
+                    <a:solidFill>
+                      <a:schemeClr val="bg1"/>
+                    </a:solidFill>
+                  </a:tcPr>
+                </a:tc>
+                <a:tc>
+                  <a:txBody>
+                    <a:bodyPr/>
+                    <a:lstStyle/>
+                    <a:p>
+                      <a:pPr algn="r" rtl="0" fontAlgn="ctr"/>
+                      <a:r>
+                        <a:rPr lang="es-PE" sz="1600" u="none" strike="noStrike" dirty="0">
+                          <a:effectLst/>
+                        </a:rPr>
+                        <a:t>2,800,000.00</a:t>
+                      </a:r>
+                      <a:endParaRPr lang="es-PE" sz="1600" b="0" i="0" u="none" strike="noStrike" dirty="0">
+                        <a:solidFill>
+                          <a:srgbClr val="000000"/>
+                        </a:solidFill>
+                        <a:effectLst/>
+                        <a:latin typeface="Arial Narrow" panose="020B0606020202030204" pitchFamily="34" charset="0"/>
+                      </a:endParaRPr>
+                    </a:p>
+                  </a:txBody>
+                  <a:tcPr marL="6772" marR="6772" marT="6772" marB="0" anchor="ctr">
+                    <a:solidFill>
+                      <a:schemeClr val="bg1"/>
+                    </a:solidFill>
+                  </a:tcPr>
                 </a:tc>
                 <a:tc>
                   <a:txBody>
@@ -5603,328 +6153,91 @@
                     <a:p>
                       <a:pPr algn="ctr" rtl="0" fontAlgn="ctr"/>
                       <a:r>
-                        <a:rPr lang="es-PE" sz="1200" u="none" strike="noStrike" dirty="0">
+                        <a:rPr lang="es-PE" sz="1600" b="0" i="0" u="none" strike="noStrike" dirty="0">
+                          <a:solidFill>
+                            <a:srgbClr val="000000"/>
+                          </a:solidFill>
                           <a:effectLst/>
+                          <a:latin typeface="Arial Narrow" panose="020B0606020202030204" pitchFamily="34" charset="0"/>
                         </a:rPr>
-                        <a:t>Formulación</a:t>
+                        <a:t>Concluido</a:t>
                       </a:r>
-                      <a:endParaRPr lang="es-PE" sz="1200" b="0" i="0" u="none" strike="noStrike" dirty="0">
-                        <a:solidFill>
-                          <a:srgbClr val="000000"/>
-                        </a:solidFill>
-                        <a:effectLst/>
-                        <a:latin typeface="Arial Narrow" panose="020B0606020202030204" pitchFamily="34" charset="0"/>
-                      </a:endParaRPr>
                     </a:p>
                   </a:txBody>
-                  <a:tcPr marL="6772" marR="6772" marT="6772" marB="0" anchor="ctr"/>
+                  <a:tcPr marL="6772" marR="6772" marT="6772" marB="0" anchor="ctr">
+                    <a:solidFill>
+                      <a:schemeClr val="bg1"/>
+                    </a:solidFill>
+                  </a:tcPr>
                 </a:tc>
                 <a:tc>
                   <a:txBody>
                     <a:bodyPr/>
                     <a:lstStyle/>
                     <a:p>
-                      <a:pPr algn="ctr" rtl="0" fontAlgn="ctr"/>
-                      <a:endParaRPr lang="es-PE" sz="1200" b="0" i="0" u="none" strike="noStrike" dirty="0">
-                        <a:solidFill>
-                          <a:srgbClr val="000000"/>
-                        </a:solidFill>
-                        <a:effectLst/>
-                        <a:latin typeface="Arial Narrow" panose="020B0606020202030204" pitchFamily="34" charset="0"/>
-                      </a:endParaRPr>
+                      <a:pPr marL="185738" indent="-92075" algn="l" defTabSz="914400" rtl="0" eaLnBrk="1" fontAlgn="ctr" latinLnBrk="0" hangingPunct="1">
+                        <a:buFont typeface="Arial" panose="020B0604020202020204" pitchFamily="34" charset="0"/>
+                        <a:buChar char="•"/>
+                      </a:pPr>
+                      <a:r>
+                        <a:rPr lang="es-PE" sz="1600" u="none" strike="noStrike" kern="1200" dirty="0">
+                          <a:solidFill>
+                            <a:schemeClr val="dk1"/>
+                          </a:solidFill>
+                          <a:effectLst/>
+                          <a:latin typeface="+mn-lt"/>
+                          <a:ea typeface="+mn-ea"/>
+                          <a:cs typeface="+mn-cs"/>
+                        </a:rPr>
+                        <a:t>01 distrito</a:t>
+                      </a:r>
                     </a:p>
                   </a:txBody>
-                  <a:tcPr marL="6772" marR="6772" marT="6772" marB="0" anchor="ctr"/>
+                  <a:tcPr marL="6772" marR="6772" marT="6772" marB="0" anchor="ctr">
+                    <a:solidFill>
+                      <a:schemeClr val="bg1"/>
+                    </a:solidFill>
+                  </a:tcPr>
                 </a:tc>
                 <a:tc>
                   <a:txBody>
                     <a:bodyPr/>
                     <a:lstStyle/>
                     <a:p>
-                      <a:pPr algn="l" rtl="0" fontAlgn="ctr"/>
+                      <a:pPr marL="171450" marR="0" lvl="0" indent="-171450" algn="l" defTabSz="914400" rtl="0" eaLnBrk="1" fontAlgn="ctr" latinLnBrk="0" hangingPunct="1">
+                        <a:lnSpc>
+                          <a:spcPct val="100000"/>
+                        </a:lnSpc>
+                        <a:spcBef>
+                          <a:spcPts val="0"/>
+                        </a:spcBef>
+                        <a:spcAft>
+                          <a:spcPts val="0"/>
+                        </a:spcAft>
+                        <a:buClrTx/>
+                        <a:buSzTx/>
+                        <a:buFont typeface="Arial" panose="020B0604020202020204" pitchFamily="34" charset="0"/>
+                        <a:buChar char="•"/>
+                        <a:tabLst/>
+                        <a:defRPr/>
+                      </a:pPr>
                       <a:r>
-                        <a:rPr lang="es-PE" sz="1200" u="none" strike="noStrike" dirty="0">
+                        <a:rPr lang="es-PE" sz="1600" b="0" i="0" u="none" strike="noStrike" dirty="0">
+                          <a:solidFill>
+                            <a:srgbClr val="000000"/>
+                          </a:solidFill>
                           <a:effectLst/>
+                          <a:latin typeface="Arial Narrow" panose="020B0606020202030204" pitchFamily="34" charset="0"/>
                         </a:rPr>
-                        <a:t>Distritos de Curahuasi, san pedro de Cachora, Huanipaca, Tamburco y Abancay de la provincia de Abancay</a:t>
+                        <a:t>Proceso de registro, aprobación y viabilidad pendiente de formalización de donación de terreno.</a:t>
                       </a:r>
-                      <a:endParaRPr lang="es-PE" sz="1200" b="0" i="0" u="none" strike="noStrike" dirty="0">
-                        <a:solidFill>
-                          <a:srgbClr val="000000"/>
-                        </a:solidFill>
-                        <a:effectLst/>
-                        <a:latin typeface="Arial Narrow" panose="020B0606020202030204" pitchFamily="34" charset="0"/>
-                      </a:endParaRPr>
                     </a:p>
                   </a:txBody>
-                  <a:tcPr marL="6772" marR="6772" marT="6772" marB="0" anchor="ctr"/>
-                </a:tc>
-                <a:tc>
-                  <a:txBody>
-                    <a:bodyPr/>
-                    <a:lstStyle/>
-                    <a:p>
-                      <a:pPr algn="l" fontAlgn="ctr"/>
-                      <a:r>
-                        <a:rPr lang="es-PE" sz="1200" u="none" strike="noStrike" dirty="0">
-                          <a:effectLst/>
-                        </a:rPr>
-                        <a:t>La formulación del Proyecto de Inversión se concluyó al 100%, se evaluó y actualmente se presento para su registro en el aplicativo informático del banco de proyectos del Invierte.pe para su registro y </a:t>
-                      </a:r>
-                      <a:r>
-                        <a:rPr lang="es-PE" sz="1200" u="none" strike="noStrike" dirty="0" err="1">
-                          <a:effectLst/>
-                        </a:rPr>
-                        <a:t>viabilización</a:t>
-                      </a:r>
-                      <a:r>
-                        <a:rPr lang="es-PE" sz="1200" u="none" strike="noStrike" dirty="0">
-                          <a:effectLst/>
-                        </a:rPr>
-                        <a:t>.</a:t>
-                      </a:r>
-                      <a:endParaRPr lang="es-PE" sz="1200" b="0" i="0" u="none" strike="noStrike" dirty="0">
-                        <a:solidFill>
-                          <a:srgbClr val="000000"/>
-                        </a:solidFill>
-                        <a:effectLst/>
-                        <a:latin typeface="Arial Narrow" panose="020B0606020202030204" pitchFamily="34" charset="0"/>
-                      </a:endParaRPr>
-                    </a:p>
-                  </a:txBody>
-                  <a:tcPr marL="6772" marR="6772" marT="6772" marB="0" anchor="ctr"/>
-                </a:tc>
-                <a:extLst>
-                  <a:ext uri="{0D108BD9-81ED-4DB2-BD59-A6C34878D82A}">
-                    <a16:rowId xmlns:a16="http://schemas.microsoft.com/office/drawing/2014/main" val="557894352"/>
-                  </a:ext>
-                </a:extLst>
-              </a:tr>
-              <a:tr h="1835572">
-                <a:tc>
-                  <a:txBody>
-                    <a:bodyPr/>
-                    <a:lstStyle/>
-                    <a:p>
-                      <a:pPr algn="ctr" fontAlgn="ctr"/>
-                      <a:r>
-                        <a:rPr lang="es-PE" sz="1200" u="none" strike="noStrike" dirty="0">
-                          <a:effectLst/>
-                        </a:rPr>
-                        <a:t>11</a:t>
-                      </a:r>
-                      <a:endParaRPr lang="es-PE" sz="1200" b="0" i="0" u="none" strike="noStrike" dirty="0">
-                        <a:solidFill>
-                          <a:srgbClr val="000000"/>
-                        </a:solidFill>
-                        <a:effectLst/>
-                        <a:latin typeface="Arial Narrow" panose="020B0606020202030204" pitchFamily="34" charset="0"/>
-                      </a:endParaRPr>
-                    </a:p>
-                  </a:txBody>
-                  <a:tcPr marL="6772" marR="6772" marT="6772" marB="0" anchor="ctr"/>
-                </a:tc>
-                <a:tc>
-                  <a:txBody>
-                    <a:bodyPr/>
-                    <a:lstStyle/>
-                    <a:p>
-                      <a:pPr algn="ctr" rtl="0" fontAlgn="ctr"/>
-                      <a:r>
-                        <a:rPr lang="es-PE" sz="1200" u="none" strike="noStrike" dirty="0">
-                          <a:effectLst/>
-                        </a:rPr>
-                        <a:t>-</a:t>
-                      </a:r>
-                      <a:endParaRPr lang="es-PE" sz="1200" b="0" i="0" u="none" strike="noStrike" dirty="0">
-                        <a:solidFill>
-                          <a:srgbClr val="000000"/>
-                        </a:solidFill>
-                        <a:effectLst/>
-                        <a:latin typeface="Arial Narrow" panose="020B0606020202030204" pitchFamily="34" charset="0"/>
-                      </a:endParaRPr>
-                    </a:p>
-                  </a:txBody>
-                  <a:tcPr marL="6772" marR="6772" marT="6772" marB="0" anchor="ctr"/>
-                </a:tc>
-                <a:tc>
-                  <a:txBody>
-                    <a:bodyPr/>
-                    <a:lstStyle/>
-                    <a:p>
-                      <a:pPr algn="ctr" rtl="0" fontAlgn="ctr"/>
-                      <a:r>
-                        <a:rPr lang="es-PE" sz="1200" u="none" strike="noStrike">
-                          <a:effectLst/>
-                        </a:rPr>
-                        <a:t>75659</a:t>
-                      </a:r>
-                      <a:endParaRPr lang="es-PE" sz="1200" b="0" i="0" u="none" strike="noStrike">
-                        <a:solidFill>
-                          <a:srgbClr val="000000"/>
-                        </a:solidFill>
-                        <a:effectLst/>
-                        <a:latin typeface="Arial Narrow" panose="020B0606020202030204" pitchFamily="34" charset="0"/>
-                      </a:endParaRPr>
-                    </a:p>
-                  </a:txBody>
-                  <a:tcPr marL="6772" marR="6772" marT="6772" marB="0" anchor="ctr"/>
-                </a:tc>
-                <a:tc>
-                  <a:txBody>
-                    <a:bodyPr/>
-                    <a:lstStyle/>
-                    <a:p>
-                      <a:pPr algn="l" fontAlgn="ctr"/>
-                      <a:r>
-                        <a:rPr lang="es-PE" sz="1200" u="none" strike="noStrike" dirty="0">
-                          <a:effectLst/>
-                        </a:rPr>
-                        <a:t>“Mejoramiento de los servicios turísticos en el conjunto arqueológico de Saywite, distrito de Curahuasi, provincia de Abancay, región Apurímac” </a:t>
-                      </a:r>
-                      <a:endParaRPr lang="es-PE" sz="1200" b="0" i="0" u="none" strike="noStrike" dirty="0">
-                        <a:solidFill>
-                          <a:srgbClr val="000000"/>
-                        </a:solidFill>
-                        <a:effectLst/>
-                        <a:latin typeface="Arial Narrow" panose="020B0606020202030204" pitchFamily="34" charset="0"/>
-                      </a:endParaRPr>
-                    </a:p>
-                  </a:txBody>
-                  <a:tcPr marL="6772" marR="6772" marT="6772" marB="0" anchor="ctr"/>
-                </a:tc>
-                <a:tc>
-                  <a:txBody>
-                    <a:bodyPr/>
-                    <a:lstStyle/>
-                    <a:p>
-                      <a:pPr algn="l" rtl="0" fontAlgn="ctr"/>
-                      <a:r>
-                        <a:rPr lang="es-PE" sz="1200" u="none" strike="noStrike" dirty="0">
-                          <a:effectLst/>
-                        </a:rPr>
-                        <a:t>2,800,000.00</a:t>
-                      </a:r>
-                      <a:endParaRPr lang="es-PE" sz="1200" b="0" i="0" u="none" strike="noStrike" dirty="0">
-                        <a:solidFill>
-                          <a:srgbClr val="000000"/>
-                        </a:solidFill>
-                        <a:effectLst/>
-                        <a:latin typeface="Arial Narrow" panose="020B0606020202030204" pitchFamily="34" charset="0"/>
-                      </a:endParaRPr>
-                    </a:p>
-                  </a:txBody>
-                  <a:tcPr marL="6772" marR="6772" marT="6772" marB="0" anchor="ctr"/>
-                </a:tc>
-                <a:tc>
-                  <a:txBody>
-                    <a:bodyPr/>
-                    <a:lstStyle/>
-                    <a:p>
-                      <a:pPr algn="ctr" rtl="0" fontAlgn="ctr"/>
-                      <a:r>
-                        <a:rPr lang="es-PE" sz="1200" u="none" strike="noStrike" dirty="0">
-                          <a:effectLst/>
-                        </a:rPr>
-                        <a:t>Formulación</a:t>
-                      </a:r>
-                      <a:endParaRPr lang="es-PE" sz="1200" b="0" i="0" u="none" strike="noStrike" dirty="0">
-                        <a:solidFill>
-                          <a:srgbClr val="000000"/>
-                        </a:solidFill>
-                        <a:effectLst/>
-                        <a:latin typeface="Arial Narrow" panose="020B0606020202030204" pitchFamily="34" charset="0"/>
-                      </a:endParaRPr>
-                    </a:p>
-                  </a:txBody>
-                  <a:tcPr marL="6772" marR="6772" marT="6772" marB="0" anchor="ctr"/>
-                </a:tc>
-                <a:tc>
-                  <a:txBody>
-                    <a:bodyPr/>
-                    <a:lstStyle/>
-                    <a:p>
-                      <a:pPr algn="ctr" rtl="0" fontAlgn="ctr"/>
-                      <a:endParaRPr lang="es-PE" sz="1200" b="0" i="0" u="none" strike="noStrike" dirty="0">
-                        <a:solidFill>
-                          <a:srgbClr val="000000"/>
-                        </a:solidFill>
-                        <a:effectLst/>
-                        <a:latin typeface="Arial Narrow" panose="020B0606020202030204" pitchFamily="34" charset="0"/>
-                      </a:endParaRPr>
-                    </a:p>
-                  </a:txBody>
-                  <a:tcPr marL="6772" marR="6772" marT="6772" marB="0" anchor="ctr"/>
-                </a:tc>
-                <a:tc>
-                  <a:txBody>
-                    <a:bodyPr/>
-                    <a:lstStyle/>
-                    <a:p>
-                      <a:pPr algn="l" rtl="0" fontAlgn="ctr"/>
-                      <a:r>
-                        <a:rPr lang="es-PE" sz="1200" u="none" strike="noStrike" dirty="0">
-                          <a:effectLst/>
-                        </a:rPr>
-                        <a:t>Distrito de Curahuasi de la provincia de Abancay</a:t>
-                      </a:r>
-                      <a:endParaRPr lang="es-PE" sz="1200" b="0" i="0" u="none" strike="noStrike" dirty="0">
-                        <a:solidFill>
-                          <a:srgbClr val="000000"/>
-                        </a:solidFill>
-                        <a:effectLst/>
-                        <a:latin typeface="Arial Narrow" panose="020B0606020202030204" pitchFamily="34" charset="0"/>
-                      </a:endParaRPr>
-                    </a:p>
-                  </a:txBody>
-                  <a:tcPr marL="6772" marR="6772" marT="6772" marB="0" anchor="ctr"/>
-                </a:tc>
-                <a:tc>
-                  <a:txBody>
-                    <a:bodyPr/>
-                    <a:lstStyle/>
-                    <a:p>
-                      <a:pPr algn="l" fontAlgn="ctr"/>
-                      <a:r>
-                        <a:rPr lang="es-PE" sz="1200" u="none" strike="noStrike" dirty="0">
-                          <a:effectLst/>
-                        </a:rPr>
-                        <a:t>La formulación del Proyecto de Inversión se concluyó al 100%, y esta a la espera de los documentos de donación de parte de la comunidad de Saywite alto y de </a:t>
-                      </a:r>
-                      <a:r>
-                        <a:rPr lang="es-PE" sz="1200" u="none" strike="noStrike" dirty="0" err="1">
-                          <a:effectLst/>
-                        </a:rPr>
-                        <a:t>Concacha</a:t>
-                      </a:r>
-                      <a:r>
-                        <a:rPr lang="es-PE" sz="1200" u="none" strike="noStrike" dirty="0">
-                          <a:effectLst/>
-                        </a:rPr>
-                        <a:t>, una vez donado los terrenos se procederá a la aprobación y </a:t>
-                      </a:r>
-                      <a:r>
-                        <a:rPr lang="es-PE" sz="1200" u="none" strike="noStrike" dirty="0" err="1">
-                          <a:effectLst/>
-                        </a:rPr>
-                        <a:t>viabilización</a:t>
-                      </a:r>
-                      <a:r>
-                        <a:rPr lang="es-PE" sz="1200" u="none" strike="noStrike" dirty="0">
-                          <a:effectLst/>
-                        </a:rPr>
-                        <a:t>.</a:t>
-                      </a:r>
-                      <a:endParaRPr lang="es-PE" sz="1200" b="0" i="0" u="none" strike="noStrike" dirty="0">
-                        <a:solidFill>
-                          <a:srgbClr val="000000"/>
-                        </a:solidFill>
-                        <a:effectLst/>
-                        <a:latin typeface="Arial Narrow" panose="020B0606020202030204" pitchFamily="34" charset="0"/>
-                      </a:endParaRPr>
-                    </a:p>
-                  </a:txBody>
-                  <a:tcPr marL="6772" marR="6772" marT="6772" marB="0" anchor="ctr"/>
+                  <a:tcPr marL="6772" marR="6772" marT="6772" marB="0" anchor="ctr">
+                    <a:solidFill>
+                      <a:schemeClr val="bg1"/>
+                    </a:solidFill>
+                  </a:tcPr>
                 </a:tc>
                 <a:extLst>
                   <a:ext uri="{0D108BD9-81ED-4DB2-BD59-A6C34878D82A}">
@@ -5952,7 +6265,7 @@
         </p:nvSpPr>
         <p:spPr>
           <a:xfrm>
-            <a:off x="3317413" y="813017"/>
+            <a:off x="4175151" y="837218"/>
             <a:ext cx="3841697" cy="602007"/>
           </a:xfrm>
           <a:prstGeom prst="rect">
@@ -6217,36 +6530,23 @@
           <a:p>
             <a:pPr algn="ctr"/>
             <a:r>
-              <a:rPr lang="es-MX" sz="3200" cap="all" dirty="0">
-                <a:ln w="3175" cmpd="sng">
-                  <a:noFill/>
-                </a:ln>
-                <a:gradFill flip="none" rotWithShape="1">
-                  <a:gsLst>
-                    <a:gs pos="0">
-                      <a:schemeClr val="tx1"/>
-                    </a:gs>
-                    <a:gs pos="100000">
-                      <a:schemeClr val="tx1">
-                        <a:lumMod val="65000"/>
-                      </a:schemeClr>
-                    </a:gs>
-                  </a:gsLst>
-                  <a:lin ang="5580000" scaled="0"/>
-                  <a:tileRect/>
-                </a:gradFill>
+              <a:rPr lang="es-MX" sz="3200" b="1" dirty="0">
+                <a:ln w="0"/>
+                <a:solidFill>
+                  <a:schemeClr val="accent1"/>
+                </a:solidFill>
                 <a:effectLst>
-                  <a:outerShdw blurRad="38100" dist="38100" dir="2700000" algn="tl">
-                    <a:srgbClr val="000000">
-                      <a:alpha val="43137"/>
+                  <a:outerShdw blurRad="38100" dist="25400" dir="5400000" algn="ctr" rotWithShape="0">
+                    <a:srgbClr val="6E747A">
+                      <a:alpha val="43000"/>
                     </a:srgbClr>
                   </a:outerShdw>
                 </a:effectLst>
-                <a:latin typeface="+mj-lt"/>
+                <a:latin typeface="Arial Black" panose="020B0A04020102020204" pitchFamily="34" charset="0"/>
                 <a:ea typeface="+mj-ea"/>
                 <a:cs typeface="+mj-cs"/>
               </a:rPr>
-              <a:t>Función turismo</a:t>
+              <a:t>Función Turismo</a:t>
             </a:r>
           </a:p>
         </p:txBody>
@@ -6294,7 +6594,7 @@
         <p:spPr>
           <a:xfrm>
             <a:off x="792051" y="406401"/>
-            <a:ext cx="10562741" cy="1173976"/>
+            <a:ext cx="10562741" cy="524800"/>
           </a:xfrm>
           <a:prstGeom prst="rect">
             <a:avLst/>
@@ -6306,27 +6606,37 @@
           </a:bodyPr>
           <a:lstStyle/>
           <a:p>
-            <a:pPr algn="ctr"/>
+            <a:pPr algn="ctr" defTabSz="457200">
+              <a:lnSpc>
+                <a:spcPct val="100000"/>
+              </a:lnSpc>
+              <a:buClr>
+                <a:schemeClr val="dk1"/>
+              </a:buClr>
+              <a:buSzPts val="5400"/>
+            </a:pPr>
             <a:r>
-              <a:rPr lang="en" dirty="0">
-                <a:effectLst>
-                  <a:outerShdw blurRad="38100" dist="38100" dir="2700000" algn="tl">
-                    <a:srgbClr val="000000">
-                      <a:alpha val="43137"/>
-                    </a:srgbClr>
-                  </a:outerShdw>
-                </a:effectLst>
+              <a:rPr lang="en" sz="2800" b="1" dirty="0">
+                <a:ln w="0"/>
+                <a:solidFill>
+                  <a:schemeClr val="accent6">
+                    <a:lumMod val="75000"/>
+                  </a:schemeClr>
+                </a:solidFill>
+                <a:latin typeface="+mn-lt"/>
+                <a:sym typeface="Lato Black"/>
               </a:rPr>
               <a:t>Proyectos de Inversion Programados para su Formulacion -2020</a:t>
             </a:r>
-            <a:endParaRPr dirty="0">
-              <a:effectLst>
-                <a:outerShdw blurRad="38100" dist="38100" dir="2700000" algn="tl">
-                  <a:srgbClr val="000000">
-                    <a:alpha val="43137"/>
-                  </a:srgbClr>
-                </a:outerShdw>
-              </a:effectLst>
+            <a:endParaRPr sz="2800" b="1" dirty="0">
+              <a:ln w="0"/>
+              <a:solidFill>
+                <a:schemeClr val="accent6">
+                  <a:lumMod val="75000"/>
+                </a:schemeClr>
+              </a:solidFill>
+              <a:latin typeface="+mn-lt"/>
+              <a:sym typeface="Lato Black"/>
             </a:endParaRPr>
           </a:p>
         </p:txBody>
@@ -6373,83 +6683,75 @@
           <p:cNvGraphicFramePr>
             <a:graphicFrameLocks noGrp="1"/>
           </p:cNvGraphicFramePr>
-          <p:nvPr/>
+          <p:nvPr>
+            <p:extLst>
+              <p:ext uri="{D42A27DB-BD31-4B8C-83A1-F6EECF244321}">
+                <p14:modId xmlns:p14="http://schemas.microsoft.com/office/powerpoint/2010/main" val="1091815895"/>
+              </p:ext>
+            </p:extLst>
+          </p:nvPr>
         </p:nvGraphicFramePr>
         <p:xfrm>
-          <a:off x="792051" y="2180321"/>
-          <a:ext cx="10515395" cy="3773291"/>
+          <a:off x="792050" y="2180323"/>
+          <a:ext cx="10315554" cy="2199636"/>
         </p:xfrm>
         <a:graphic>
           <a:graphicData uri="http://schemas.openxmlformats.org/drawingml/2006/table">
             <a:tbl>
               <a:tblPr>
-                <a:tableStyleId>{E8B1032C-EA38-4F05-BA0D-38AFFFC7BED3}</a:tableStyleId>
+                <a:tableStyleId>{BDBED569-4797-4DF1-A0F4-6AAB3CD982D8}</a:tableStyleId>
               </a:tblPr>
               <a:tblGrid>
-                <a:gridCol w="707512">
+                <a:gridCol w="823597">
                   <a:extLst>
                     <a:ext uri="{9D8B030D-6E8A-4147-A177-3AD203B41FA5}">
                       <a16:colId xmlns:a16="http://schemas.microsoft.com/office/drawing/2014/main" val="1149053298"/>
                     </a:ext>
                   </a:extLst>
                 </a:gridCol>
-                <a:gridCol w="910921">
+                <a:gridCol w="1060381">
                   <a:extLst>
                     <a:ext uri="{9D8B030D-6E8A-4147-A177-3AD203B41FA5}">
                       <a16:colId xmlns:a16="http://schemas.microsoft.com/office/drawing/2014/main" val="3265136901"/>
                     </a:ext>
                   </a:extLst>
                 </a:gridCol>
-                <a:gridCol w="707512">
-                  <a:extLst>
-                    <a:ext uri="{9D8B030D-6E8A-4147-A177-3AD203B41FA5}">
-                      <a16:colId xmlns:a16="http://schemas.microsoft.com/office/drawing/2014/main" val="541476674"/>
-                    </a:ext>
-                  </a:extLst>
-                </a:gridCol>
-                <a:gridCol w="946297">
-                  <a:extLst>
-                    <a:ext uri="{9D8B030D-6E8A-4147-A177-3AD203B41FA5}">
-                      <a16:colId xmlns:a16="http://schemas.microsoft.com/office/drawing/2014/main" val="2809815218"/>
-                    </a:ext>
-                  </a:extLst>
-                </a:gridCol>
-                <a:gridCol w="2146120">
+                <a:gridCol w="2498245">
                   <a:extLst>
                     <a:ext uri="{9D8B030D-6E8A-4147-A177-3AD203B41FA5}">
                       <a16:colId xmlns:a16="http://schemas.microsoft.com/office/drawing/2014/main" val="3436427589"/>
                     </a:ext>
                   </a:extLst>
                 </a:gridCol>
-                <a:gridCol w="1078089">
+                <a:gridCol w="1254977">
                   <a:extLst>
                     <a:ext uri="{9D8B030D-6E8A-4147-A177-3AD203B41FA5}">
                       <a16:colId xmlns:a16="http://schemas.microsoft.com/office/drawing/2014/main" val="2737056336"/>
                     </a:ext>
                   </a:extLst>
                 </a:gridCol>
-                <a:gridCol w="622887">
+                <a:gridCol w="725087">
                   <a:extLst>
                     <a:ext uri="{9D8B030D-6E8A-4147-A177-3AD203B41FA5}">
                       <a16:colId xmlns:a16="http://schemas.microsoft.com/office/drawing/2014/main" val="3418132934"/>
                     </a:ext>
                   </a:extLst>
                 </a:gridCol>
-                <a:gridCol w="1120227">
+                <a:gridCol w="1304029">
                   <a:extLst>
                     <a:ext uri="{9D8B030D-6E8A-4147-A177-3AD203B41FA5}">
                       <a16:colId xmlns:a16="http://schemas.microsoft.com/office/drawing/2014/main" val="3543597421"/>
                     </a:ext>
                   </a:extLst>
                 </a:gridCol>
-                <a:gridCol w="978725">
+                <a:gridCol w="1139310">
                   <a:extLst>
                     <a:ext uri="{9D8B030D-6E8A-4147-A177-3AD203B41FA5}">
                       <a16:colId xmlns:a16="http://schemas.microsoft.com/office/drawing/2014/main" val="2610258380"/>
                     </a:ext>
                   </a:extLst>
                 </a:gridCol>
-                <a:gridCol w="1297105">
+                <a:gridCol w="1509928">
                   <a:extLst>
                     <a:ext uri="{9D8B030D-6E8A-4147-A177-3AD203B41FA5}">
                       <a16:colId xmlns:a16="http://schemas.microsoft.com/office/drawing/2014/main" val="840716094"/>
@@ -6457,7 +6759,7 @@
                   </a:extLst>
                 </a:gridCol>
               </a:tblGrid>
-              <a:tr h="633219">
+              <a:tr h="380518">
                 <a:tc>
                   <a:txBody>
                     <a:bodyPr/>
@@ -6466,13 +6768,16 @@
                       <a:pPr algn="ctr" rtl="0" fontAlgn="ctr"/>
                       <a:r>
                         <a:rPr lang="es-PE" sz="1100" b="1" u="none" strike="noStrike" dirty="0" err="1">
+                          <a:solidFill>
+                            <a:schemeClr val="bg1"/>
+                          </a:solidFill>
                           <a:effectLst/>
                         </a:rPr>
                         <a:t>N°</a:t>
                       </a:r>
                       <a:endParaRPr lang="es-PE" sz="1100" b="1" i="0" u="none" strike="noStrike" dirty="0">
                         <a:solidFill>
-                          <a:srgbClr val="000000"/>
+                          <a:schemeClr val="bg1"/>
                         </a:solidFill>
                         <a:effectLst/>
                         <a:latin typeface="Arial Narrow" panose="020B0606020202030204" pitchFamily="34" charset="0"/>
@@ -6493,13 +6798,16 @@
                       <a:pPr algn="ctr" rtl="0" fontAlgn="ctr"/>
                       <a:r>
                         <a:rPr lang="es-PE" sz="1100" b="1" u="none" strike="noStrike" dirty="0">
+                          <a:solidFill>
+                            <a:schemeClr val="bg1"/>
+                          </a:solidFill>
                           <a:effectLst/>
                         </a:rPr>
-                        <a:t>CUI</a:t>
+                        <a:t>CUI / IDEA</a:t>
                       </a:r>
                       <a:endParaRPr lang="es-PE" sz="1100" b="1" i="0" u="none" strike="noStrike" dirty="0">
                         <a:solidFill>
-                          <a:srgbClr val="000000"/>
+                          <a:schemeClr val="bg1"/>
                         </a:solidFill>
                         <a:effectLst/>
                         <a:latin typeface="Arial Narrow" panose="020B0606020202030204" pitchFamily="34" charset="0"/>
@@ -6520,13 +6828,16 @@
                       <a:pPr algn="ctr" rtl="0" fontAlgn="ctr"/>
                       <a:r>
                         <a:rPr lang="es-PE" sz="1100" b="1" u="none" strike="noStrike" dirty="0">
+                          <a:solidFill>
+                            <a:schemeClr val="bg1"/>
+                          </a:solidFill>
                           <a:effectLst/>
                         </a:rPr>
-                        <a:t>CÓDIGO DE IDEA</a:t>
+                        <a:t>NOMBRE DEL PROYECTO DE INVERSIÓN</a:t>
                       </a:r>
                       <a:endParaRPr lang="es-PE" sz="1100" b="1" i="0" u="none" strike="noStrike" dirty="0">
                         <a:solidFill>
-                          <a:srgbClr val="000000"/>
+                          <a:schemeClr val="bg1"/>
                         </a:solidFill>
                         <a:effectLst/>
                         <a:latin typeface="Arial Narrow" panose="020B0606020202030204" pitchFamily="34" charset="0"/>
@@ -6547,13 +6858,76 @@
                       <a:pPr algn="ctr" rtl="0" fontAlgn="ctr"/>
                       <a:r>
                         <a:rPr lang="es-PE" sz="1100" b="1" u="none" strike="noStrike" dirty="0">
+                          <a:solidFill>
+                            <a:schemeClr val="bg1"/>
+                          </a:solidFill>
                           <a:effectLst/>
                         </a:rPr>
-                        <a:t>FUNCIÓN</a:t>
+                        <a:t>INVERSIÓN ESTIMADO S/.</a:t>
                       </a:r>
                       <a:endParaRPr lang="es-PE" sz="1100" b="1" i="0" u="none" strike="noStrike" dirty="0">
                         <a:solidFill>
-                          <a:srgbClr val="000000"/>
+                          <a:schemeClr val="bg1"/>
+                        </a:solidFill>
+                        <a:effectLst/>
+                        <a:latin typeface="Arial Narrow" panose="020B0606020202030204" pitchFamily="34" charset="0"/>
+                      </a:endParaRPr>
+                    </a:p>
+                  </a:txBody>
+                  <a:tcPr marL="6772" marR="6772" marT="6772" marB="0" anchor="ctr">
+                    <a:solidFill>
+                      <a:schemeClr val="accent5"/>
+                    </a:solidFill>
+                  </a:tcPr>
+                </a:tc>
+                <a:tc>
+                  <a:txBody>
+                    <a:bodyPr/>
+                    <a:lstStyle/>
+                    <a:p>
+                      <a:pPr algn="ctr" rtl="0" fontAlgn="ctr"/>
+                      <a:r>
+                        <a:rPr lang="es-PE" sz="1100" b="1" u="none" strike="noStrike">
+                          <a:solidFill>
+                            <a:schemeClr val="bg1"/>
+                          </a:solidFill>
+                          <a:effectLst/>
+                        </a:rPr>
+                        <a:t>ESTADO SITUACIONAL</a:t>
+                      </a:r>
+                      <a:endParaRPr lang="es-PE" sz="1100" b="1" i="0" u="none" strike="noStrike">
+                        <a:solidFill>
+                          <a:schemeClr val="bg1"/>
+                        </a:solidFill>
+                        <a:effectLst/>
+                        <a:latin typeface="Arial Narrow" panose="020B0606020202030204" pitchFamily="34" charset="0"/>
+                      </a:endParaRPr>
+                    </a:p>
+                  </a:txBody>
+                  <a:tcPr marL="6772" marR="6772" marT="6772" marB="0" anchor="ctr">
+                    <a:solidFill>
+                      <a:schemeClr val="accent5"/>
+                    </a:solidFill>
+                  </a:tcPr>
+                </a:tc>
+                <a:tc>
+                  <a:txBody>
+                    <a:bodyPr/>
+                    <a:lstStyle/>
+                    <a:p>
+                      <a:pPr algn="ctr" rtl="0" fontAlgn="ctr"/>
+                      <a:r>
+                        <a:rPr lang="es-PE" sz="1100" b="1" u="none" strike="noStrike">
+                          <a:solidFill>
+                            <a:schemeClr val="bg1"/>
+                          </a:solidFill>
+                          <a:effectLst/>
+                        </a:rPr>
+                        <a:t>DURACIÓN DE LA FORMULACIÓN</a:t>
+                      </a:r>
+                      <a:endParaRPr lang="es-PE" sz="1100" b="1" i="0" u="none" strike="noStrike">
+                        <a:solidFill>
+                          <a:schemeClr val="bg1"/>
                         </a:solidFill>
                         <a:effectLst/>
                         <a:latin typeface="Arial Narrow" panose="020B0606020202030204" pitchFamily="34" charset="0"/>
@@ -6574,94 +6948,16 @@
                       <a:pPr algn="ctr" rtl="0" fontAlgn="ctr"/>
                       <a:r>
                         <a:rPr lang="es-PE" sz="1100" b="1" u="none" strike="noStrike" dirty="0">
+                          <a:solidFill>
+                            <a:schemeClr val="bg1"/>
+                          </a:solidFill>
                           <a:effectLst/>
                         </a:rPr>
-                        <a:t>NOMBRE DEL PROYECTO DE INVERSIÓN</a:t>
+                        <a:t>ALCANCE</a:t>
                       </a:r>
                       <a:endParaRPr lang="es-PE" sz="1100" b="1" i="0" u="none" strike="noStrike" dirty="0">
                         <a:solidFill>
-                          <a:srgbClr val="000000"/>
-                        </a:solidFill>
-                        <a:effectLst/>
-                        <a:latin typeface="Arial Narrow" panose="020B0606020202030204" pitchFamily="34" charset="0"/>
-                      </a:endParaRPr>
-                    </a:p>
-                  </a:txBody>
-                  <a:tcPr marL="6772" marR="6772" marT="6772" marB="0" anchor="ctr">
-                    <a:solidFill>
-                      <a:schemeClr val="accent5"/>
-                    </a:solidFill>
-                  </a:tcPr>
-                </a:tc>
-                <a:tc>
-                  <a:txBody>
-                    <a:bodyPr/>
-                    <a:lstStyle/>
-                    <a:p>
-                      <a:pPr algn="ctr" rtl="0" fontAlgn="ctr"/>
-                      <a:r>
-                        <a:rPr lang="es-PE" sz="1100" b="1" u="none" strike="noStrike">
-                          <a:effectLst/>
-                        </a:rPr>
-                        <a:t>INVERSIÓN ESTIMADO s/.</a:t>
-                      </a:r>
-                      <a:endParaRPr lang="es-PE" sz="1100" b="1" i="0" u="none" strike="noStrike">
-                        <a:solidFill>
-                          <a:srgbClr val="000000"/>
-                        </a:solidFill>
-                        <a:effectLst/>
-                        <a:latin typeface="Arial Narrow" panose="020B0606020202030204" pitchFamily="34" charset="0"/>
-                      </a:endParaRPr>
-                    </a:p>
-                  </a:txBody>
-                  <a:tcPr marL="6772" marR="6772" marT="6772" marB="0" anchor="ctr">
-                    <a:solidFill>
-                      <a:schemeClr val="accent5"/>
-                    </a:solidFill>
-                  </a:tcPr>
-                </a:tc>
-                <a:tc>
-                  <a:txBody>
-                    <a:bodyPr/>
-                    <a:lstStyle/>
-                    <a:p>
-                      <a:pPr algn="ctr" rtl="0" fontAlgn="ctr"/>
-                      <a:r>
-                        <a:rPr lang="es-PE" sz="1100" b="1" u="none" strike="noStrike">
-                          <a:effectLst/>
-                        </a:rPr>
-                        <a:t>ESTADO SITUACIONAL</a:t>
-                      </a:r>
-                      <a:endParaRPr lang="es-PE" sz="1100" b="1" i="0" u="none" strike="noStrike">
-                        <a:solidFill>
-                          <a:srgbClr val="000000"/>
-                        </a:solidFill>
-                        <a:effectLst/>
-                        <a:latin typeface="Arial Narrow" panose="020B0606020202030204" pitchFamily="34" charset="0"/>
-                      </a:endParaRPr>
-                    </a:p>
-                  </a:txBody>
-                  <a:tcPr marL="6772" marR="6772" marT="6772" marB="0" anchor="ctr">
-                    <a:solidFill>
-                      <a:schemeClr val="accent5"/>
-                    </a:solidFill>
-                  </a:tcPr>
-                </a:tc>
-                <a:tc>
-                  <a:txBody>
-                    <a:bodyPr/>
-                    <a:lstStyle/>
-                    <a:p>
-                      <a:pPr algn="ctr" rtl="0" fontAlgn="ctr"/>
-                      <a:r>
-                        <a:rPr lang="es-PE" sz="1100" b="1" u="none" strike="noStrike">
-                          <a:effectLst/>
-                        </a:rPr>
-                        <a:t>DURACIÓN DE LA FORMULACIÓN</a:t>
-                      </a:r>
-                      <a:endParaRPr lang="es-PE" sz="1100" b="1" i="0" u="none" strike="noStrike">
-                        <a:solidFill>
-                          <a:srgbClr val="000000"/>
+                          <a:schemeClr val="bg1"/>
                         </a:solidFill>
                         <a:effectLst/>
                         <a:latin typeface="Arial Narrow" panose="020B0606020202030204" pitchFamily="34" charset="0"/>
@@ -6682,40 +6978,16 @@
                       <a:pPr algn="ctr" rtl="0" fontAlgn="ctr"/>
                       <a:r>
                         <a:rPr lang="es-PE" sz="1100" b="1" u="none" strike="noStrike" dirty="0">
+                          <a:solidFill>
+                            <a:schemeClr val="bg1"/>
+                          </a:solidFill>
                           <a:effectLst/>
                         </a:rPr>
-                        <a:t>ALCANCE</a:t>
+                        <a:t>Observaciones</a:t>
                       </a:r>
                       <a:endParaRPr lang="es-PE" sz="1100" b="1" i="0" u="none" strike="noStrike" dirty="0">
                         <a:solidFill>
-                          <a:srgbClr val="000000"/>
-                        </a:solidFill>
-                        <a:effectLst/>
-                        <a:latin typeface="Arial Narrow" panose="020B0606020202030204" pitchFamily="34" charset="0"/>
-                      </a:endParaRPr>
-                    </a:p>
-                  </a:txBody>
-                  <a:tcPr marL="6772" marR="6772" marT="6772" marB="0" anchor="ctr">
-                    <a:solidFill>
-                      <a:schemeClr val="accent5"/>
-                    </a:solidFill>
-                  </a:tcPr>
-                </a:tc>
-                <a:tc>
-                  <a:txBody>
-                    <a:bodyPr/>
-                    <a:lstStyle/>
-                    <a:p>
-                      <a:pPr algn="ctr" rtl="0" fontAlgn="ctr"/>
-                      <a:r>
-                        <a:rPr lang="es-PE" sz="1100" b="1" u="none" strike="noStrike" dirty="0">
-                          <a:effectLst/>
-                        </a:rPr>
-                        <a:t>MODALIDAD DE LA FORMULACIÓN</a:t>
-                      </a:r>
-                      <a:endParaRPr lang="es-PE" sz="1100" b="1" i="0" u="none" strike="noStrike" dirty="0">
-                        <a:solidFill>
-                          <a:srgbClr val="000000"/>
+                          <a:schemeClr val="bg1"/>
                         </a:solidFill>
                         <a:effectLst/>
                         <a:latin typeface="Arial Narrow" panose="020B0606020202030204" pitchFamily="34" charset="0"/>
@@ -6734,7 +7006,7 @@
                   </a:ext>
                 </a:extLst>
               </a:tr>
-              <a:tr h="1674127">
+              <a:tr h="0">
                 <a:tc>
                   <a:txBody>
                     <a:bodyPr/>
@@ -6765,64 +7037,24 @@
                     <a:p>
                       <a:pPr algn="ctr" rtl="0" fontAlgn="ctr"/>
                       <a:r>
-                        <a:rPr lang="es-PE" sz="1100" u="none" strike="noStrike">
-                          <a:effectLst/>
-                        </a:rPr>
-                        <a:t>-</a:t>
-                      </a:r>
-                      <a:endParaRPr lang="es-PE" sz="1100" b="0" i="0" u="none" strike="noStrike">
-                        <a:solidFill>
-                          <a:srgbClr val="000000"/>
-                        </a:solidFill>
-                        <a:effectLst/>
-                        <a:latin typeface="Arial Narrow" panose="020B0606020202030204" pitchFamily="34" charset="0"/>
-                      </a:endParaRPr>
-                    </a:p>
-                  </a:txBody>
-                  <a:tcPr marL="6772" marR="6772" marT="6772" marB="0" anchor="ctr"/>
-                </a:tc>
-                <a:tc>
-                  <a:txBody>
-                    <a:bodyPr/>
-                    <a:lstStyle/>
-                    <a:p>
-                      <a:pPr algn="ctr" rtl="0" fontAlgn="ctr"/>
-                      <a:r>
-                        <a:rPr lang="es-PE" sz="1100" u="none" strike="noStrike">
+                        <a:rPr lang="es-PE" sz="1100" u="none" strike="noStrike" dirty="0">
                           <a:effectLst/>
                         </a:rPr>
                         <a:t>49533</a:t>
                       </a:r>
-                      <a:endParaRPr lang="es-PE" sz="1100" b="0" i="0" u="none" strike="noStrike">
-                        <a:solidFill>
-                          <a:srgbClr val="000000"/>
-                        </a:solidFill>
-                        <a:effectLst/>
-                        <a:latin typeface="Arial Narrow" panose="020B0606020202030204" pitchFamily="34" charset="0"/>
-                      </a:endParaRPr>
                     </a:p>
-                  </a:txBody>
-                  <a:tcPr marL="6772" marR="6772" marT="6772" marB="0" anchor="ctr"/>
-                </a:tc>
-                <a:tc>
-                  <a:txBody>
-                    <a:bodyPr/>
-                    <a:lstStyle/>
                     <a:p>
-                      <a:pPr algn="l" rtl="0" fontAlgn="ctr"/>
+                      <a:pPr algn="ctr" rtl="0" fontAlgn="ctr"/>
                       <a:r>
-                        <a:rPr lang="es-PE" sz="1100" u="none" strike="noStrike" dirty="0">
+                        <a:rPr lang="es-PE" sz="1100" b="0" i="0" u="none" strike="noStrike" dirty="0">
+                          <a:solidFill>
+                            <a:srgbClr val="000000"/>
+                          </a:solidFill>
                           <a:effectLst/>
+                          <a:latin typeface="Arial Narrow" panose="020B0606020202030204" pitchFamily="34" charset="0"/>
                         </a:rPr>
-                        <a:t>Planeamiento gestión y reserva de la contingencia</a:t>
+                        <a:t>Idea</a:t>
                       </a:r>
-                      <a:endParaRPr lang="es-PE" sz="1100" b="0" i="0" u="none" strike="noStrike" dirty="0">
-                        <a:solidFill>
-                          <a:srgbClr val="000000"/>
-                        </a:solidFill>
-                        <a:effectLst/>
-                        <a:latin typeface="Arial Narrow" panose="020B0606020202030204" pitchFamily="34" charset="0"/>
-                      </a:endParaRPr>
                     </a:p>
                   </a:txBody>
                   <a:tcPr marL="6772" marR="6772" marT="6772" marB="0" anchor="ctr"/>
@@ -6834,17 +7066,25 @@
                     <a:p>
                       <a:pPr algn="l" fontAlgn="ctr"/>
                       <a:r>
-                        <a:rPr lang="es-PE" sz="1100" u="none" strike="noStrike" dirty="0">
+                        <a:rPr lang="es-MX" sz="1100" u="none" strike="noStrike" kern="1200" dirty="0">
+                          <a:solidFill>
+                            <a:schemeClr val="tx1"/>
+                          </a:solidFill>
                           <a:effectLst/>
+                          <a:latin typeface="+mn-lt"/>
+                          <a:ea typeface="+mn-ea"/>
+                          <a:cs typeface="+mn-cs"/>
                         </a:rPr>
-                        <a:t>"Mejoramiento del servicio de apoyo para la producción de hongos comestibles 5 provincias del departamento de Apurímac</a:t>
+                        <a:t>MEJORAMIENTO DEL SERVICIO DE APOYO PARA LA PRODUCCION DE HONGOS COMESTIBLES 5 PROVINCIAS DEL DEPARTAMENTO DE APURIMAC</a:t>
                       </a:r>
-                      <a:endParaRPr lang="es-PE" sz="1100" b="0" i="0" u="none" strike="noStrike" dirty="0">
+                      <a:endParaRPr lang="es-PE" sz="1100" u="none" strike="noStrike" kern="1200" dirty="0">
                         <a:solidFill>
-                          <a:srgbClr val="000000"/>
+                          <a:schemeClr val="tx1"/>
                         </a:solidFill>
                         <a:effectLst/>
-                        <a:latin typeface="Arial Narrow" panose="020B0606020202030204" pitchFamily="34" charset="0"/>
+                        <a:latin typeface="+mn-lt"/>
+                        <a:ea typeface="+mn-ea"/>
+                        <a:cs typeface="+mn-cs"/>
                       </a:endParaRPr>
                     </a:p>
                   </a:txBody>
@@ -6855,12 +7095,12 @@
                     <a:bodyPr/>
                     <a:lstStyle/>
                     <a:p>
-                      <a:pPr algn="l" rtl="0" fontAlgn="ctr"/>
+                      <a:pPr algn="r" rtl="0" fontAlgn="ctr"/>
                       <a:r>
                         <a:rPr lang="es-PE" sz="1100" u="none" strike="noStrike" dirty="0">
                           <a:effectLst/>
                         </a:rPr>
-                        <a:t>S/.5,185,155.00</a:t>
+                        <a:t>5,185,155.00</a:t>
                       </a:r>
                       <a:endParaRPr lang="es-PE" sz="1100" b="0" i="0" u="none" strike="noStrike" dirty="0">
                         <a:solidFill>
@@ -6924,7 +7164,10 @@
                     <a:bodyPr/>
                     <a:lstStyle/>
                     <a:p>
-                      <a:pPr algn="l" rtl="0" fontAlgn="ctr"/>
+                      <a:pPr marL="171450" indent="-171450" algn="l" rtl="0" fontAlgn="ctr">
+                        <a:buFont typeface="Arial" panose="020B0604020202020204" pitchFamily="34" charset="0"/>
+                        <a:buChar char="•"/>
+                      </a:pPr>
                       <a:r>
                         <a:rPr lang="es-PE" sz="1100" u="none" strike="noStrike" dirty="0">
                           <a:effectLst/>
@@ -6947,7 +7190,7 @@
                     <a:bodyPr/>
                     <a:lstStyle/>
                     <a:p>
-                      <a:pPr algn="just" rtl="0" fontAlgn="ctr"/>
+                      <a:pPr algn="ctr" rtl="0" fontAlgn="ctr"/>
                       <a:r>
                         <a:rPr lang="es-PE" sz="1100" u="none" strike="noStrike" dirty="0">
                           <a:effectLst/>
@@ -6971,7 +7214,7 @@
                   </a:ext>
                 </a:extLst>
               </a:tr>
-              <a:tr h="1465945">
+              <a:tr h="0">
                 <a:tc>
                   <a:txBody>
                     <a:bodyPr/>
@@ -7002,17 +7245,54 @@
                     <a:p>
                       <a:pPr algn="ctr" rtl="0" fontAlgn="ctr"/>
                       <a:r>
-                        <a:rPr lang="es-PE" sz="1100" u="none" strike="noStrike">
+                        <a:rPr lang="es-PE" sz="1100" u="none" strike="noStrike" dirty="0">
                           <a:effectLst/>
                         </a:rPr>
-                        <a:t>-</a:t>
+                        <a:t>49538</a:t>
                       </a:r>
-                      <a:endParaRPr lang="es-PE" sz="1100" b="0" i="0" u="none" strike="noStrike">
+                    </a:p>
+                    <a:p>
+                      <a:pPr algn="ctr" rtl="0" fontAlgn="ctr"/>
+                      <a:r>
+                        <a:rPr lang="es-PE" sz="1100" b="0" i="0" u="none" strike="noStrike" dirty="0">
+                          <a:solidFill>
+                            <a:srgbClr val="000000"/>
+                          </a:solidFill>
+                          <a:effectLst/>
+                          <a:latin typeface="Arial Narrow" panose="020B0606020202030204" pitchFamily="34" charset="0"/>
+                        </a:rPr>
+                        <a:t>Idea</a:t>
+                      </a:r>
+                    </a:p>
+                  </a:txBody>
+                  <a:tcPr marL="6772" marR="6772" marT="6772" marB="0" anchor="ctr"/>
+                </a:tc>
+                <a:tc>
+                  <a:txBody>
+                    <a:bodyPr/>
+                    <a:lstStyle/>
+                    <a:p>
+                      <a:pPr marL="0" algn="l" defTabSz="914400" rtl="0" eaLnBrk="1" fontAlgn="ctr" latinLnBrk="0" hangingPunct="1"/>
+                      <a:r>
+                        <a:rPr lang="es-MX" sz="1100" u="none" strike="noStrike" kern="1200" dirty="0">
+                          <a:solidFill>
+                            <a:schemeClr val="tx1"/>
+                          </a:solidFill>
+                          <a:effectLst/>
+                          <a:latin typeface="+mn-lt"/>
+                          <a:ea typeface="+mn-ea"/>
+                          <a:cs typeface="+mn-cs"/>
+                        </a:rPr>
+                        <a:t>CREACION DE SERVICIOS DEL CENTRO DE INNOVACIÓN TECNOLÓGICA - CITE ACUÍCOLA EN LAS 7 PROVINCIAS DEL DEPARTAMENTO DE APURIMAC</a:t>
+                      </a:r>
+                      <a:endParaRPr lang="es-PE" sz="1100" u="none" strike="noStrike" kern="1200" dirty="0">
                         <a:solidFill>
-                          <a:srgbClr val="000000"/>
+                          <a:schemeClr val="tx1"/>
                         </a:solidFill>
                         <a:effectLst/>
-                        <a:latin typeface="Arial Narrow" panose="020B0606020202030204" pitchFamily="34" charset="0"/>
+                        <a:latin typeface="+mn-lt"/>
+                        <a:ea typeface="+mn-ea"/>
+                        <a:cs typeface="+mn-cs"/>
                       </a:endParaRPr>
                     </a:p>
                   </a:txBody>
@@ -7023,83 +7303,14 @@
                     <a:bodyPr/>
                     <a:lstStyle/>
                     <a:p>
-                      <a:pPr algn="ctr" rtl="0" fontAlgn="ctr"/>
-                      <a:r>
-                        <a:rPr lang="es-PE" sz="1100" u="none" strike="noStrike">
-                          <a:effectLst/>
-                        </a:rPr>
-                        <a:t>49538</a:t>
-                      </a:r>
-                      <a:endParaRPr lang="es-PE" sz="1100" b="0" i="0" u="none" strike="noStrike">
-                        <a:solidFill>
-                          <a:srgbClr val="000000"/>
-                        </a:solidFill>
-                        <a:effectLst/>
-                        <a:latin typeface="Arial Narrow" panose="020B0606020202030204" pitchFamily="34" charset="0"/>
-                      </a:endParaRPr>
-                    </a:p>
-                  </a:txBody>
-                  <a:tcPr marL="6772" marR="6772" marT="6772" marB="0" anchor="ctr"/>
-                </a:tc>
-                <a:tc>
-                  <a:txBody>
-                    <a:bodyPr/>
-                    <a:lstStyle/>
-                    <a:p>
-                      <a:pPr algn="l" rtl="0" fontAlgn="ctr"/>
+                      <a:pPr algn="r" rtl="0" fontAlgn="ctr"/>
                       <a:r>
                         <a:rPr lang="es-PE" sz="1100" u="none" strike="noStrike" dirty="0">
                           <a:effectLst/>
                         </a:rPr>
-                        <a:t>Planeamiento gestión y reserva de la contingencia</a:t>
+                        <a:t>15,613,021.57</a:t>
                       </a:r>
                       <a:endParaRPr lang="es-PE" sz="1100" b="0" i="0" u="none" strike="noStrike" dirty="0">
-                        <a:solidFill>
-                          <a:srgbClr val="000000"/>
-                        </a:solidFill>
-                        <a:effectLst/>
-                        <a:latin typeface="Arial Narrow" panose="020B0606020202030204" pitchFamily="34" charset="0"/>
-                      </a:endParaRPr>
-                    </a:p>
-                  </a:txBody>
-                  <a:tcPr marL="6772" marR="6772" marT="6772" marB="0" anchor="ctr"/>
-                </a:tc>
-                <a:tc>
-                  <a:txBody>
-                    <a:bodyPr/>
-                    <a:lstStyle/>
-                    <a:p>
-                      <a:pPr algn="l" fontAlgn="ctr"/>
-                      <a:r>
-                        <a:rPr lang="es-PE" sz="1100" u="none" strike="noStrike" dirty="0">
-                          <a:effectLst/>
-                        </a:rPr>
-                        <a:t>"Creación de servicios del centro de innovación tecnológica - cite acuícola en las 7 provincias del departamento de Apurímac"</a:t>
-                      </a:r>
-                      <a:endParaRPr lang="es-PE" sz="1100" b="0" i="0" u="none" strike="noStrike" dirty="0">
-                        <a:solidFill>
-                          <a:srgbClr val="000000"/>
-                        </a:solidFill>
-                        <a:effectLst/>
-                        <a:latin typeface="Arial Narrow" panose="020B0606020202030204" pitchFamily="34" charset="0"/>
-                      </a:endParaRPr>
-                    </a:p>
-                  </a:txBody>
-                  <a:tcPr marL="6772" marR="6772" marT="6772" marB="0" anchor="ctr"/>
-                </a:tc>
-                <a:tc>
-                  <a:txBody>
-                    <a:bodyPr/>
-                    <a:lstStyle/>
-                    <a:p>
-                      <a:pPr algn="l" rtl="0" fontAlgn="ctr"/>
-                      <a:r>
-                        <a:rPr lang="es-PE" sz="1100" u="none" strike="noStrike">
-                          <a:effectLst/>
-                        </a:rPr>
-                        <a:t>S/.15,613,021.57</a:t>
-                      </a:r>
-                      <a:endParaRPr lang="es-PE" sz="1100" b="0" i="0" u="none" strike="noStrike">
                         <a:solidFill>
                           <a:srgbClr val="000000"/>
                         </a:solidFill>
@@ -7161,7 +7372,10 @@
                     <a:bodyPr/>
                     <a:lstStyle/>
                     <a:p>
-                      <a:pPr algn="l" rtl="0" fontAlgn="ctr"/>
+                      <a:pPr marL="171450" indent="-171450" algn="l" rtl="0" fontAlgn="ctr">
+                        <a:buFont typeface="Arial" panose="020B0604020202020204" pitchFamily="34" charset="0"/>
+                        <a:buChar char="•"/>
+                      </a:pPr>
                       <a:r>
                         <a:rPr lang="es-PE" sz="1100" u="none" strike="noStrike" dirty="0">
                           <a:effectLst/>
@@ -7184,7 +7398,7 @@
                     <a:bodyPr/>
                     <a:lstStyle/>
                     <a:p>
-                      <a:pPr algn="just" rtl="0" fontAlgn="ctr"/>
+                      <a:pPr algn="ctr" rtl="0" fontAlgn="ctr"/>
                       <a:r>
                         <a:rPr lang="es-PE" sz="1100" u="none" strike="noStrike" dirty="0">
                           <a:effectLst/>
@@ -7212,6 +7426,346 @@
           </a:graphicData>
         </a:graphic>
       </p:graphicFrame>
+      <p:sp>
+        <p:nvSpPr>
+          <p:cNvPr id="2" name="Google Shape;95;p13">
+            <a:extLst>
+              <a:ext uri="{FF2B5EF4-FFF2-40B4-BE49-F238E27FC236}">
+                <a16:creationId xmlns:a16="http://schemas.microsoft.com/office/drawing/2014/main" id="{DAEB0D2F-2CCF-47D1-94EF-E65610CDEE82}"/>
+              </a:ext>
+            </a:extLst>
+          </p:cNvPr>
+          <p:cNvSpPr txBox="1">
+            <a:spLocks/>
+          </p:cNvSpPr>
+          <p:nvPr/>
+        </p:nvSpPr>
+        <p:spPr>
+          <a:xfrm>
+            <a:off x="991892" y="790726"/>
+            <a:ext cx="10315553" cy="960585"/>
+          </a:xfrm>
+          <a:prstGeom prst="rect">
+            <a:avLst/>
+          </a:prstGeom>
+          <a:noFill/>
+          <a:ln>
+            <a:noFill/>
+          </a:ln>
+        </p:spPr>
+        <p:txBody>
+          <a:bodyPr spcFirstLastPara="1" wrap="square" lIns="0" tIns="0" rIns="0" bIns="0" anchor="b" anchorCtr="0">
+            <a:noAutofit/>
+          </a:bodyPr>
+          <a:lstStyle>
+            <a:defPPr marR="0" lvl="0" algn="l" rtl="0">
+              <a:lnSpc>
+                <a:spcPct val="100000"/>
+              </a:lnSpc>
+              <a:spcBef>
+                <a:spcPts val="0"/>
+              </a:spcBef>
+              <a:spcAft>
+                <a:spcPts val="0"/>
+              </a:spcAft>
+            </a:defPPr>
+            <a:lvl1pPr marR="0" lvl="0" algn="l" rtl="0">
+              <a:lnSpc>
+                <a:spcPct val="100000"/>
+              </a:lnSpc>
+              <a:spcBef>
+                <a:spcPts val="0"/>
+              </a:spcBef>
+              <a:spcAft>
+                <a:spcPts val="0"/>
+              </a:spcAft>
+              <a:buClr>
+                <a:schemeClr val="dk1"/>
+              </a:buClr>
+              <a:buSzPts val="5400"/>
+              <a:buFont typeface="Lato Black"/>
+              <a:buNone/>
+              <a:defRPr sz="5400" b="0" i="0" u="none" strike="noStrike" cap="none">
+                <a:solidFill>
+                  <a:schemeClr val="dk1"/>
+                </a:solidFill>
+                <a:latin typeface="Lato Black"/>
+                <a:ea typeface="Lato Black"/>
+                <a:cs typeface="Lato Black"/>
+                <a:sym typeface="Lato Black"/>
+              </a:defRPr>
+            </a:lvl1pPr>
+            <a:lvl2pPr marR="0" lvl="1" algn="l" rtl="0">
+              <a:lnSpc>
+                <a:spcPct val="100000"/>
+              </a:lnSpc>
+              <a:spcBef>
+                <a:spcPts val="0"/>
+              </a:spcBef>
+              <a:spcAft>
+                <a:spcPts val="0"/>
+              </a:spcAft>
+              <a:buClr>
+                <a:schemeClr val="dk1"/>
+              </a:buClr>
+              <a:buSzPts val="5400"/>
+              <a:buFont typeface="Lato Black"/>
+              <a:buNone/>
+              <a:defRPr sz="5400" b="0" i="0" u="none" strike="noStrike" cap="none">
+                <a:solidFill>
+                  <a:schemeClr val="dk1"/>
+                </a:solidFill>
+                <a:latin typeface="Lato Black"/>
+                <a:ea typeface="Lato Black"/>
+                <a:cs typeface="Lato Black"/>
+                <a:sym typeface="Lato Black"/>
+              </a:defRPr>
+            </a:lvl2pPr>
+            <a:lvl3pPr marR="0" lvl="2" algn="l" rtl="0">
+              <a:lnSpc>
+                <a:spcPct val="100000"/>
+              </a:lnSpc>
+              <a:spcBef>
+                <a:spcPts val="0"/>
+              </a:spcBef>
+              <a:spcAft>
+                <a:spcPts val="0"/>
+              </a:spcAft>
+              <a:buClr>
+                <a:schemeClr val="dk1"/>
+              </a:buClr>
+              <a:buSzPts val="5400"/>
+              <a:buFont typeface="Lato Black"/>
+              <a:buNone/>
+              <a:defRPr sz="5400" b="0" i="0" u="none" strike="noStrike" cap="none">
+                <a:solidFill>
+                  <a:schemeClr val="dk1"/>
+                </a:solidFill>
+                <a:latin typeface="Lato Black"/>
+                <a:ea typeface="Lato Black"/>
+                <a:cs typeface="Lato Black"/>
+                <a:sym typeface="Lato Black"/>
+              </a:defRPr>
+            </a:lvl3pPr>
+            <a:lvl4pPr marR="0" lvl="3" algn="l" rtl="0">
+              <a:lnSpc>
+                <a:spcPct val="100000"/>
+              </a:lnSpc>
+              <a:spcBef>
+                <a:spcPts val="0"/>
+              </a:spcBef>
+              <a:spcAft>
+                <a:spcPts val="0"/>
+              </a:spcAft>
+              <a:buClr>
+                <a:schemeClr val="dk1"/>
+              </a:buClr>
+              <a:buSzPts val="5400"/>
+              <a:buFont typeface="Lato Black"/>
+              <a:buNone/>
+              <a:defRPr sz="5400" b="0" i="0" u="none" strike="noStrike" cap="none">
+                <a:solidFill>
+                  <a:schemeClr val="dk1"/>
+                </a:solidFill>
+                <a:latin typeface="Lato Black"/>
+                <a:ea typeface="Lato Black"/>
+                <a:cs typeface="Lato Black"/>
+                <a:sym typeface="Lato Black"/>
+              </a:defRPr>
+            </a:lvl4pPr>
+            <a:lvl5pPr marR="0" lvl="4" algn="l" rtl="0">
+              <a:lnSpc>
+                <a:spcPct val="100000"/>
+              </a:lnSpc>
+              <a:spcBef>
+                <a:spcPts val="0"/>
+              </a:spcBef>
+              <a:spcAft>
+                <a:spcPts val="0"/>
+              </a:spcAft>
+              <a:buClr>
+                <a:schemeClr val="dk1"/>
+              </a:buClr>
+              <a:buSzPts val="5400"/>
+              <a:buFont typeface="Lato Black"/>
+              <a:buNone/>
+              <a:defRPr sz="5400" b="0" i="0" u="none" strike="noStrike" cap="none">
+                <a:solidFill>
+                  <a:schemeClr val="dk1"/>
+                </a:solidFill>
+                <a:latin typeface="Lato Black"/>
+                <a:ea typeface="Lato Black"/>
+                <a:cs typeface="Lato Black"/>
+                <a:sym typeface="Lato Black"/>
+              </a:defRPr>
+            </a:lvl5pPr>
+            <a:lvl6pPr marR="0" lvl="5" algn="l" rtl="0">
+              <a:lnSpc>
+                <a:spcPct val="100000"/>
+              </a:lnSpc>
+              <a:spcBef>
+                <a:spcPts val="0"/>
+              </a:spcBef>
+              <a:spcAft>
+                <a:spcPts val="0"/>
+              </a:spcAft>
+              <a:buClr>
+                <a:schemeClr val="dk1"/>
+              </a:buClr>
+              <a:buSzPts val="5400"/>
+              <a:buFont typeface="Lato Black"/>
+              <a:buNone/>
+              <a:defRPr sz="5400" b="0" i="0" u="none" strike="noStrike" cap="none">
+                <a:solidFill>
+                  <a:schemeClr val="dk1"/>
+                </a:solidFill>
+                <a:latin typeface="Lato Black"/>
+                <a:ea typeface="Lato Black"/>
+                <a:cs typeface="Lato Black"/>
+                <a:sym typeface="Lato Black"/>
+              </a:defRPr>
+            </a:lvl6pPr>
+            <a:lvl7pPr marR="0" lvl="6" algn="l" rtl="0">
+              <a:lnSpc>
+                <a:spcPct val="100000"/>
+              </a:lnSpc>
+              <a:spcBef>
+                <a:spcPts val="0"/>
+              </a:spcBef>
+              <a:spcAft>
+                <a:spcPts val="0"/>
+              </a:spcAft>
+              <a:buClr>
+                <a:schemeClr val="dk1"/>
+              </a:buClr>
+              <a:buSzPts val="5400"/>
+              <a:buFont typeface="Lato Black"/>
+              <a:buNone/>
+              <a:defRPr sz="5400" b="0" i="0" u="none" strike="noStrike" cap="none">
+                <a:solidFill>
+                  <a:schemeClr val="dk1"/>
+                </a:solidFill>
+                <a:latin typeface="Lato Black"/>
+                <a:ea typeface="Lato Black"/>
+                <a:cs typeface="Lato Black"/>
+                <a:sym typeface="Lato Black"/>
+              </a:defRPr>
+            </a:lvl7pPr>
+            <a:lvl8pPr marR="0" lvl="7" algn="l" rtl="0">
+              <a:lnSpc>
+                <a:spcPct val="100000"/>
+              </a:lnSpc>
+              <a:spcBef>
+                <a:spcPts val="0"/>
+              </a:spcBef>
+              <a:spcAft>
+                <a:spcPts val="0"/>
+              </a:spcAft>
+              <a:buClr>
+                <a:schemeClr val="dk1"/>
+              </a:buClr>
+              <a:buSzPts val="5400"/>
+              <a:buFont typeface="Lato Black"/>
+              <a:buNone/>
+              <a:defRPr sz="5400" b="0" i="0" u="none" strike="noStrike" cap="none">
+                <a:solidFill>
+                  <a:schemeClr val="dk1"/>
+                </a:solidFill>
+                <a:latin typeface="Lato Black"/>
+                <a:ea typeface="Lato Black"/>
+                <a:cs typeface="Lato Black"/>
+                <a:sym typeface="Lato Black"/>
+              </a:defRPr>
+            </a:lvl8pPr>
+            <a:lvl9pPr marR="0" lvl="8" algn="l" rtl="0">
+              <a:lnSpc>
+                <a:spcPct val="100000"/>
+              </a:lnSpc>
+              <a:spcBef>
+                <a:spcPts val="0"/>
+              </a:spcBef>
+              <a:spcAft>
+                <a:spcPts val="0"/>
+              </a:spcAft>
+              <a:buClr>
+                <a:schemeClr val="dk1"/>
+              </a:buClr>
+              <a:buSzPts val="5400"/>
+              <a:buFont typeface="Lato Black"/>
+              <a:buNone/>
+              <a:defRPr sz="5400" b="0" i="0" u="none" strike="noStrike" cap="none">
+                <a:solidFill>
+                  <a:schemeClr val="dk1"/>
+                </a:solidFill>
+                <a:latin typeface="Lato Black"/>
+                <a:ea typeface="Lato Black"/>
+                <a:cs typeface="Lato Black"/>
+                <a:sym typeface="Lato Black"/>
+              </a:defRPr>
+            </a:lvl9pPr>
+          </a:lstStyle>
+          <a:p>
+            <a:pPr algn="ctr"/>
+            <a:r>
+              <a:rPr lang="es-MX" sz="2400" b="1" dirty="0">
+                <a:ln w="0"/>
+                <a:solidFill>
+                  <a:schemeClr val="accent1"/>
+                </a:solidFill>
+                <a:effectLst>
+                  <a:outerShdw blurRad="38100" dist="25400" dir="5400000" algn="ctr" rotWithShape="0">
+                    <a:srgbClr val="6E747A">
+                      <a:alpha val="43000"/>
+                    </a:srgbClr>
+                  </a:outerShdw>
+                </a:effectLst>
+                <a:latin typeface="Arial Black" panose="020B0A04020102020204" pitchFamily="34" charset="0"/>
+                <a:ea typeface="+mj-ea"/>
+                <a:cs typeface="+mj-cs"/>
+              </a:rPr>
+              <a:t>Función </a:t>
+            </a:r>
+            <a:r>
+              <a:rPr lang="es-PE" sz="2400" b="1" dirty="0">
+                <a:ln w="0"/>
+                <a:solidFill>
+                  <a:schemeClr val="accent1"/>
+                </a:solidFill>
+                <a:effectLst>
+                  <a:outerShdw blurRad="38100" dist="25400" dir="5400000" algn="ctr" rotWithShape="0">
+                    <a:srgbClr val="6E747A">
+                      <a:alpha val="43000"/>
+                    </a:srgbClr>
+                  </a:outerShdw>
+                </a:effectLst>
+                <a:latin typeface="Arial Black" panose="020B0A04020102020204" pitchFamily="34" charset="0"/>
+                <a:ea typeface="+mj-ea"/>
+                <a:cs typeface="+mj-cs"/>
+              </a:rPr>
+              <a:t>Planeamiento gestión y reserva de la contingencia</a:t>
+            </a:r>
+          </a:p>
+          <a:p>
+            <a:pPr algn="ctr"/>
+            <a:endParaRPr lang="es-MX" sz="2400" b="1" dirty="0">
+              <a:ln w="0"/>
+              <a:solidFill>
+                <a:schemeClr val="accent1"/>
+              </a:solidFill>
+              <a:effectLst>
+                <a:outerShdw blurRad="38100" dist="25400" dir="5400000" algn="ctr" rotWithShape="0">
+                  <a:srgbClr val="6E747A">
+                    <a:alpha val="43000"/>
+                  </a:srgbClr>
+                </a:outerShdw>
+              </a:effectLst>
+              <a:latin typeface="Arial Black" panose="020B0A04020102020204" pitchFamily="34" charset="0"/>
+              <a:ea typeface="+mj-ea"/>
+              <a:cs typeface="+mj-cs"/>
+            </a:endParaRPr>
+          </a:p>
+        </p:txBody>
+      </p:sp>
     </p:spTree>
   </p:cSld>
   <p:clrMapOvr>
@@ -7221,54 +7775,54 @@
 </file>
 
 <file path=ppt/theme/theme1.xml><?xml version="1.0" encoding="utf-8"?>
-<a:theme xmlns:a="http://schemas.openxmlformats.org/drawingml/2006/main" name="Tema de Office">
+<a:theme xmlns:a="http://schemas.openxmlformats.org/drawingml/2006/main" name="Retrospección">
   <a:themeElements>
-    <a:clrScheme name="Office">
+    <a:clrScheme name="Retrospección">
       <a:dk1>
-        <a:sysClr val="windowText" lastClr="000000"/>
+        <a:srgbClr val="000000"/>
       </a:dk1>
       <a:lt1>
         <a:sysClr val="window" lastClr="FFFFFF"/>
       </a:lt1>
       <a:dk2>
-        <a:srgbClr val="44546A"/>
+        <a:srgbClr val="637052"/>
       </a:dk2>
       <a:lt2>
-        <a:srgbClr val="E7E6E6"/>
+        <a:srgbClr val="CCDDEA"/>
       </a:lt2>
       <a:accent1>
-        <a:srgbClr val="4472C4"/>
+        <a:srgbClr val="E48312"/>
       </a:accent1>
       <a:accent2>
-        <a:srgbClr val="ED7D31"/>
+        <a:srgbClr val="BD582C"/>
       </a:accent2>
       <a:accent3>
-        <a:srgbClr val="A5A5A5"/>
+        <a:srgbClr val="865640"/>
       </a:accent3>
       <a:accent4>
-        <a:srgbClr val="FFC000"/>
+        <a:srgbClr val="9B8357"/>
       </a:accent4>
       <a:accent5>
-        <a:srgbClr val="5B9BD5"/>
+        <a:srgbClr val="C2BC80"/>
       </a:accent5>
       <a:accent6>
-        <a:srgbClr val="70AD47"/>
+        <a:srgbClr val="94A088"/>
       </a:accent6>
       <a:hlink>
-        <a:srgbClr val="0563C1"/>
+        <a:srgbClr val="2998E3"/>
       </a:hlink>
       <a:folHlink>
-        <a:srgbClr val="954F72"/>
+        <a:srgbClr val="8C8C8C"/>
       </a:folHlink>
     </a:clrScheme>
-    <a:fontScheme name="Office">
+    <a:fontScheme name="Retrospección">
       <a:majorFont>
         <a:latin typeface="Calibri Light" panose="020F0302020204030204"/>
         <a:ea typeface=""/>
         <a:cs typeface=""/>
-        <a:font script="Jpan" typeface="游ゴシック Light"/>
+        <a:font script="Jpan" typeface="ＭＳ Ｐゴシック"/>
         <a:font script="Hang" typeface="맑은 고딕"/>
-        <a:font script="Hans" typeface="等线 Light"/>
+        <a:font script="Hans" typeface="宋体"/>
         <a:font script="Hant" typeface="新細明體"/>
         <a:font script="Arab" typeface="Times New Roman"/>
         <a:font script="Hebr" typeface="Times New Roman"/>
@@ -7296,31 +7850,14 @@
         <a:font script="Viet" typeface="Times New Roman"/>
         <a:font script="Uigh" typeface="Microsoft Uighur"/>
         <a:font script="Geor" typeface="Sylfaen"/>
-        <a:font script="Armn" typeface="Arial"/>
-        <a:font script="Bugi" typeface="Leelawadee UI"/>
-        <a:font script="Bopo" typeface="Microsoft JhengHei"/>
-        <a:font script="Java" typeface="Javanese Text"/>
-        <a:font script="Lisu" typeface="Segoe UI"/>
-        <a:font script="Mymr" typeface="Myanmar Text"/>
-        <a:font script="Nkoo" typeface="Ebrima"/>
-        <a:font script="Olck" typeface="Nirmala UI"/>
-        <a:font script="Osma" typeface="Ebrima"/>
-        <a:font script="Phag" typeface="Phagspa"/>
-        <a:font script="Syrn" typeface="Estrangelo Edessa"/>
-        <a:font script="Syrj" typeface="Estrangelo Edessa"/>
-        <a:font script="Syre" typeface="Estrangelo Edessa"/>
-        <a:font script="Sora" typeface="Nirmala UI"/>
-        <a:font script="Tale" typeface="Microsoft Tai Le"/>
-        <a:font script="Talu" typeface="Microsoft New Tai Lue"/>
-        <a:font script="Tfng" typeface="Ebrima"/>
       </a:majorFont>
       <a:minorFont>
         <a:latin typeface="Calibri" panose="020F0502020204030204"/>
         <a:ea typeface=""/>
         <a:cs typeface=""/>
-        <a:font script="Jpan" typeface="游ゴシック"/>
+        <a:font script="Jpan" typeface="ＭＳ Ｐゴシック"/>
         <a:font script="Hang" typeface="맑은 고딕"/>
-        <a:font script="Hans" typeface="等线"/>
+        <a:font script="Hans" typeface="宋体"/>
         <a:font script="Hant" typeface="新細明體"/>
         <a:font script="Arab" typeface="Arial"/>
         <a:font script="Hebr" typeface="Arial"/>
@@ -7348,26 +7885,9 @@
         <a:font script="Viet" typeface="Arial"/>
         <a:font script="Uigh" typeface="Microsoft Uighur"/>
         <a:font script="Geor" typeface="Sylfaen"/>
-        <a:font script="Armn" typeface="Arial"/>
-        <a:font script="Bugi" typeface="Leelawadee UI"/>
-        <a:font script="Bopo" typeface="Microsoft JhengHei"/>
-        <a:font script="Java" typeface="Javanese Text"/>
-        <a:font script="Lisu" typeface="Segoe UI"/>
-        <a:font script="Mymr" typeface="Myanmar Text"/>
-        <a:font script="Nkoo" typeface="Ebrima"/>
-        <a:font script="Olck" typeface="Nirmala UI"/>
-        <a:font script="Osma" typeface="Ebrima"/>
-        <a:font script="Phag" typeface="Phagspa"/>
-        <a:font script="Syrn" typeface="Estrangelo Edessa"/>
-        <a:font script="Syrj" typeface="Estrangelo Edessa"/>
-        <a:font script="Syre" typeface="Estrangelo Edessa"/>
-        <a:font script="Sora" typeface="Nirmala UI"/>
-        <a:font script="Tale" typeface="Microsoft Tai Le"/>
-        <a:font script="Talu" typeface="Microsoft New Tai Lue"/>
-        <a:font script="Tfng" typeface="Ebrima"/>
       </a:minorFont>
     </a:fontScheme>
-    <a:fmtScheme name="Office">
+    <a:fmtScheme name="Retrospección">
       <a:fillStyleLst>
         <a:solidFill>
           <a:schemeClr val="phClr"/>
@@ -7376,76 +7896,81 @@
           <a:gsLst>
             <a:gs pos="0">
               <a:schemeClr val="phClr">
-                <a:lumMod val="110000"/>
-                <a:satMod val="105000"/>
-                <a:tint val="67000"/>
+                <a:tint val="65000"/>
+                <a:shade val="92000"/>
+                <a:satMod val="130000"/>
               </a:schemeClr>
             </a:gs>
-            <a:gs pos="50000">
+            <a:gs pos="45000">
               <a:schemeClr val="phClr">
-                <a:lumMod val="105000"/>
-                <a:satMod val="103000"/>
-                <a:tint val="73000"/>
+                <a:tint val="60000"/>
+                <a:shade val="99000"/>
+                <a:satMod val="120000"/>
               </a:schemeClr>
             </a:gs>
             <a:gs pos="100000">
               <a:schemeClr val="phClr">
-                <a:lumMod val="105000"/>
-                <a:satMod val="109000"/>
-                <a:tint val="81000"/>
+                <a:tint val="55000"/>
+                <a:satMod val="140000"/>
               </a:schemeClr>
             </a:gs>
           </a:gsLst>
-          <a:lin ang="5400000" scaled="0"/>
+          <a:path path="circle">
+            <a:fillToRect l="100000" t="100000" r="100000" b="100000"/>
+          </a:path>
         </a:gradFill>
         <a:gradFill rotWithShape="1">
           <a:gsLst>
             <a:gs pos="0">
               <a:schemeClr val="phClr">
-                <a:satMod val="103000"/>
-                <a:lumMod val="102000"/>
-                <a:tint val="94000"/>
+                <a:shade val="85000"/>
+                <a:satMod val="130000"/>
               </a:schemeClr>
             </a:gs>
-            <a:gs pos="50000">
+            <a:gs pos="34000">
               <a:schemeClr val="phClr">
-                <a:satMod val="110000"/>
-                <a:lumMod val="100000"/>
-                <a:shade val="100000"/>
+                <a:shade val="87000"/>
+                <a:satMod val="125000"/>
+              </a:schemeClr>
+            </a:gs>
+            <a:gs pos="70000">
+              <a:schemeClr val="phClr">
+                <a:tint val="100000"/>
+                <a:shade val="90000"/>
+                <a:satMod val="130000"/>
               </a:schemeClr>
             </a:gs>
             <a:gs pos="100000">
               <a:schemeClr val="phClr">
-                <a:lumMod val="99000"/>
-                <a:satMod val="120000"/>
-                <a:shade val="78000"/>
+                <a:tint val="100000"/>
+                <a:shade val="100000"/>
+                <a:satMod val="110000"/>
               </a:schemeClr>
             </a:gs>
           </a:gsLst>
-          <a:lin ang="5400000" scaled="0"/>
+          <a:path path="circle">
+            <a:fillToRect l="100000" t="100000" r="100000" b="100000"/>
+          </a:path>
         </a:gradFill>
       </a:fillStyleLst>
       <a:lnStyleLst>
-        <a:ln w="6350" cap="flat" cmpd="sng" algn="ctr">
-          <a:solidFill>
-            <a:schemeClr val="phClr"/>
-          </a:solidFill>
-          <a:prstDash val="solid"/>
-          <a:miter lim="800000"/>
-        </a:ln>
         <a:ln w="12700" cap="flat" cmpd="sng" algn="ctr">
           <a:solidFill>
             <a:schemeClr val="phClr"/>
           </a:solidFill>
           <a:prstDash val="solid"/>
-          <a:miter lim="800000"/>
         </a:ln>
-        <a:ln w="19050" cap="flat" cmpd="sng" algn="ctr">
+        <a:ln w="15875" cap="flat" cmpd="sng" algn="ctr">
           <a:solidFill>
             <a:schemeClr val="phClr"/>
           </a:solidFill>
           <a:prstDash val="solid"/>
-          <a:miter lim="800000"/>
+        </a:ln>
+        <a:ln w="25400" cap="flat" cmpd="sng" algn="ctr">
+          <a:solidFill>
+            <a:schemeClr val="phClr"/>
+          </a:solidFill>
+          <a:prstDash val="solid"/>
         </a:ln>
       </a:lnStyleLst>
       <a:effectStyleLst>
@@ -7453,16 +7978,33 @@
           <a:effectLst/>
         </a:effectStyle>
         <a:effectStyle>
-          <a:effectLst/>
+          <a:effectLst>
+            <a:outerShdw blurRad="38100" dist="25400" dir="2700000" algn="br" rotWithShape="0">
+              <a:srgbClr val="000000">
+                <a:alpha val="60000"/>
+              </a:srgbClr>
+            </a:outerShdw>
+          </a:effectLst>
         </a:effectStyle>
         <a:effectStyle>
           <a:effectLst>
-            <a:outerShdw blurRad="57150" dist="19050" dir="5400000" algn="ctr" rotWithShape="0">
+            <a:outerShdw blurRad="44450" dist="25400" dir="2700000" algn="br" rotWithShape="0">
               <a:srgbClr val="000000">
-                <a:alpha val="63000"/>
+                <a:alpha val="60000"/>
               </a:srgbClr>
             </a:outerShdw>
           </a:effectLst>
+          <a:scene3d>
+            <a:camera prst="orthographicFront">
+              <a:rot lat="0" lon="0" rev="0"/>
+            </a:camera>
+            <a:lightRig rig="threePt" dir="t">
+              <a:rot lat="0" lon="0" rev="19800000"/>
+            </a:lightRig>
+          </a:scene3d>
+          <a:sp3d prstMaterial="flat">
+            <a:bevelT w="25400" h="31750"/>
+          </a:sp3d>
         </a:effectStyle>
       </a:effectStyleLst>
       <a:bgFillStyleLst>
@@ -7471,36 +8013,36 @@
         </a:solidFill>
         <a:solidFill>
           <a:schemeClr val="phClr">
-            <a:tint val="95000"/>
-            <a:satMod val="170000"/>
+            <a:tint val="90000"/>
+            <a:shade val="97000"/>
+            <a:satMod val="130000"/>
           </a:schemeClr>
         </a:solidFill>
         <a:gradFill rotWithShape="1">
           <a:gsLst>
             <a:gs pos="0">
               <a:schemeClr val="phClr">
-                <a:tint val="93000"/>
-                <a:satMod val="150000"/>
-                <a:shade val="98000"/>
-                <a:lumMod val="102000"/>
+                <a:tint val="96000"/>
+                <a:shade val="99000"/>
+                <a:satMod val="140000"/>
               </a:schemeClr>
             </a:gs>
-            <a:gs pos="50000">
+            <a:gs pos="65000">
               <a:schemeClr val="phClr">
-                <a:tint val="98000"/>
+                <a:tint val="100000"/>
+                <a:shade val="80000"/>
                 <a:satMod val="130000"/>
-                <a:shade val="90000"/>
-                <a:lumMod val="103000"/>
               </a:schemeClr>
             </a:gs>
             <a:gs pos="100000">
               <a:schemeClr val="phClr">
-                <a:shade val="63000"/>
+                <a:tint val="100000"/>
+                <a:shade val="48000"/>
                 <a:satMod val="120000"/>
               </a:schemeClr>
             </a:gs>
           </a:gsLst>
-          <a:lin ang="5400000" scaled="0"/>
+          <a:lin ang="16200000" scaled="0"/>
         </a:gradFill>
       </a:bgFillStyleLst>
     </a:fmtScheme>
@@ -7509,7 +8051,7 @@
   <a:extraClrSchemeLst/>
   <a:extLst>
     <a:ext uri="{05A4C25C-085E-4340-85A3-A5531E510DB2}">
-      <thm15:themeFamily xmlns:thm15="http://schemas.microsoft.com/office/thememl/2012/main" name="Office Theme" id="{62F939B6-93AF-4DB8-9C6B-D6C7DFDC589F}" vid="{4A3C46E8-61CC-4603-A589-7422A47A8E4A}"/>
+      <thm15:themeFamily xmlns:thm15="http://schemas.microsoft.com/office/thememl/2012/main" name="Retrospect" id="{5F128B03-DCCA-4EEB-AB3B-CF2899314A46}" vid="{3F1AAB62-24C6-49D2-8E01-B56FAC9A3DCD}"/>
     </a:ext>
   </a:extLst>
 </a:theme>
